--- a/5.Controller/RestApi.pptx
+++ b/5.Controller/RestApi.pptx
@@ -9,19 +9,19 @@
   </p:notesMasterIdLst>
   <p:sldIdLst>
     <p:sldId id="256" r:id="rId2"/>
-    <p:sldId id="269" r:id="rId3"/>
-    <p:sldId id="271" r:id="rId4"/>
-    <p:sldId id="272" r:id="rId5"/>
-    <p:sldId id="270" r:id="rId6"/>
-    <p:sldId id="274" r:id="rId7"/>
-    <p:sldId id="275" r:id="rId8"/>
-    <p:sldId id="276" r:id="rId9"/>
-    <p:sldId id="277" r:id="rId10"/>
-    <p:sldId id="278" r:id="rId11"/>
-    <p:sldId id="280" r:id="rId12"/>
-    <p:sldId id="260" r:id="rId13"/>
-    <p:sldId id="282" r:id="rId14"/>
-    <p:sldId id="283" r:id="rId15"/>
+    <p:sldId id="280" r:id="rId3"/>
+    <p:sldId id="260" r:id="rId4"/>
+    <p:sldId id="282" r:id="rId5"/>
+    <p:sldId id="283" r:id="rId6"/>
+    <p:sldId id="269" r:id="rId7"/>
+    <p:sldId id="271" r:id="rId8"/>
+    <p:sldId id="272" r:id="rId9"/>
+    <p:sldId id="270" r:id="rId10"/>
+    <p:sldId id="274" r:id="rId11"/>
+    <p:sldId id="275" r:id="rId12"/>
+    <p:sldId id="276" r:id="rId13"/>
+    <p:sldId id="277" r:id="rId14"/>
+    <p:sldId id="278" r:id="rId15"/>
     <p:sldId id="284" r:id="rId16"/>
     <p:sldId id="259" r:id="rId17"/>
   </p:sldIdLst>
@@ -1672,7 +1672,7 @@
     </p:spTree>
     <p:extLst>
       <p:ext uri="{BB962C8B-B14F-4D97-AF65-F5344CB8AC3E}">
-        <p14:creationId xmlns:p14="http://schemas.microsoft.com/office/powerpoint/2010/main" val="3178131637"/>
+        <p14:creationId xmlns:p14="http://schemas.microsoft.com/office/powerpoint/2010/main" val="2663161619"/>
       </p:ext>
     </p:extLst>
   </p:cSld>
@@ -1687,7 +1687,7 @@
   <p:cSld>
     <p:spTree>
       <p:nvGrpSpPr>
-        <p:cNvPr id="1" name="Shape 214"/>
+        <p:cNvPr id="1" name="Shape 152"/>
         <p:cNvGrpSpPr/>
         <p:nvPr/>
       </p:nvGrpSpPr>
@@ -1701,7 +1701,7 @@
       </p:grpSpPr>
       <p:sp>
         <p:nvSpPr>
-          <p:cNvPr id="215" name="Shape 215"/>
+          <p:cNvPr id="153" name="Shape 153"/>
           <p:cNvSpPr>
             <a:spLocks noGrp="1" noRot="1" noChangeAspect="1"/>
           </p:cNvSpPr>
@@ -1752,7 +1752,7 @@
       </p:sp>
       <p:sp>
         <p:nvSpPr>
-          <p:cNvPr id="216" name="Shape 216"/>
+          <p:cNvPr id="154" name="Shape 154"/>
           <p:cNvSpPr txBox="1">
             <a:spLocks noGrp="1"/>
           </p:cNvSpPr>
@@ -1788,7 +1788,7 @@
               </a:spcAft>
               <a:buNone/>
             </a:pPr>
-            <a:endParaRPr sz="1200" b="0" i="0" u="none" strike="noStrike" cap="none">
+            <a:endParaRPr sz="1200" b="0" i="0" u="none" strike="noStrike" cap="none" dirty="0">
               <a:solidFill>
                 <a:schemeClr val="dk1"/>
               </a:solidFill>
@@ -1802,7 +1802,7 @@
       </p:sp>
       <p:sp>
         <p:nvSpPr>
-          <p:cNvPr id="217" name="Shape 217"/>
+          <p:cNvPr id="155" name="Shape 155"/>
           <p:cNvSpPr txBox="1">
             <a:spLocks noGrp="1"/>
           </p:cNvSpPr>
@@ -1865,7 +1865,7 @@
     </p:spTree>
     <p:extLst>
       <p:ext uri="{BB962C8B-B14F-4D97-AF65-F5344CB8AC3E}">
-        <p14:creationId xmlns:p14="http://schemas.microsoft.com/office/powerpoint/2010/main" val="429215434"/>
+        <p14:creationId xmlns:p14="http://schemas.microsoft.com/office/powerpoint/2010/main" val="3711252314"/>
       </p:ext>
     </p:extLst>
   </p:cSld>
@@ -1880,7 +1880,7 @@
   <p:cSld>
     <p:spTree>
       <p:nvGrpSpPr>
-        <p:cNvPr id="1" name="Shape 164"/>
+        <p:cNvPr id="1" name="Shape 152"/>
         <p:cNvGrpSpPr/>
         <p:nvPr/>
       </p:nvGrpSpPr>
@@ -1894,7 +1894,7 @@
       </p:grpSpPr>
       <p:sp>
         <p:nvSpPr>
-          <p:cNvPr id="165" name="Shape 165"/>
+          <p:cNvPr id="153" name="Shape 153"/>
           <p:cNvSpPr>
             <a:spLocks noGrp="1" noRot="1" noChangeAspect="1"/>
           </p:cNvSpPr>
@@ -1945,7 +1945,7 @@
       </p:sp>
       <p:sp>
         <p:nvSpPr>
-          <p:cNvPr id="166" name="Shape 166"/>
+          <p:cNvPr id="154" name="Shape 154"/>
           <p:cNvSpPr txBox="1">
             <a:spLocks noGrp="1"/>
           </p:cNvSpPr>
@@ -1981,7 +1981,7 @@
               </a:spcAft>
               <a:buNone/>
             </a:pPr>
-            <a:endParaRPr sz="1200" b="0" i="0" u="none" strike="noStrike" cap="none">
+            <a:endParaRPr sz="1200" b="0" i="0" u="none" strike="noStrike" cap="none" dirty="0">
               <a:solidFill>
                 <a:schemeClr val="dk1"/>
               </a:solidFill>
@@ -1995,7 +1995,7 @@
       </p:sp>
       <p:sp>
         <p:nvSpPr>
-          <p:cNvPr id="167" name="Shape 167"/>
+          <p:cNvPr id="155" name="Shape 155"/>
           <p:cNvSpPr txBox="1">
             <a:spLocks noGrp="1"/>
           </p:cNvSpPr>
@@ -2056,6 +2056,11 @@
         </p:txBody>
       </p:sp>
     </p:spTree>
+    <p:extLst>
+      <p:ext uri="{BB962C8B-B14F-4D97-AF65-F5344CB8AC3E}">
+        <p14:creationId xmlns:p14="http://schemas.microsoft.com/office/powerpoint/2010/main" val="552973598"/>
+      </p:ext>
+    </p:extLst>
   </p:cSld>
   <p:clrMapOvr>
     <a:masterClrMapping/>
@@ -2169,7 +2174,7 @@
               </a:spcAft>
               <a:buNone/>
             </a:pPr>
-            <a:endParaRPr sz="1200" b="0" i="0" u="none" strike="noStrike" cap="none">
+            <a:endParaRPr sz="1200" b="0" i="0" u="none" strike="noStrike" cap="none" dirty="0">
               <a:solidFill>
                 <a:schemeClr val="dk1"/>
               </a:solidFill>
@@ -2246,7 +2251,7 @@
     </p:spTree>
     <p:extLst>
       <p:ext uri="{BB962C8B-B14F-4D97-AF65-F5344CB8AC3E}">
-        <p14:creationId xmlns:p14="http://schemas.microsoft.com/office/powerpoint/2010/main" val="3269972622"/>
+        <p14:creationId xmlns:p14="http://schemas.microsoft.com/office/powerpoint/2010/main" val="2693897894"/>
       </p:ext>
     </p:extLst>
   </p:cSld>
@@ -2261,7 +2266,7 @@
   <p:cSld>
     <p:spTree>
       <p:nvGrpSpPr>
-        <p:cNvPr id="1" name="Shape 214"/>
+        <p:cNvPr id="1" name="Shape 152"/>
         <p:cNvGrpSpPr/>
         <p:nvPr/>
       </p:nvGrpSpPr>
@@ -2275,7 +2280,7 @@
       </p:grpSpPr>
       <p:sp>
         <p:nvSpPr>
-          <p:cNvPr id="215" name="Shape 215"/>
+          <p:cNvPr id="153" name="Shape 153"/>
           <p:cNvSpPr>
             <a:spLocks noGrp="1" noRot="1" noChangeAspect="1"/>
           </p:cNvSpPr>
@@ -2326,7 +2331,7 @@
       </p:sp>
       <p:sp>
         <p:nvSpPr>
-          <p:cNvPr id="216" name="Shape 216"/>
+          <p:cNvPr id="154" name="Shape 154"/>
           <p:cNvSpPr txBox="1">
             <a:spLocks noGrp="1"/>
           </p:cNvSpPr>
@@ -2362,7 +2367,7 @@
               </a:spcAft>
               <a:buNone/>
             </a:pPr>
-            <a:endParaRPr sz="1200" b="0" i="0" u="none" strike="noStrike" cap="none">
+            <a:endParaRPr sz="1200" b="0" i="0" u="none" strike="noStrike" cap="none" dirty="0">
               <a:solidFill>
                 <a:schemeClr val="dk1"/>
               </a:solidFill>
@@ -2376,7 +2381,7 @@
       </p:sp>
       <p:sp>
         <p:nvSpPr>
-          <p:cNvPr id="217" name="Shape 217"/>
+          <p:cNvPr id="155" name="Shape 155"/>
           <p:cNvSpPr txBox="1">
             <a:spLocks noGrp="1"/>
           </p:cNvSpPr>
@@ -2439,7 +2444,7 @@
     </p:spTree>
     <p:extLst>
       <p:ext uri="{BB962C8B-B14F-4D97-AF65-F5344CB8AC3E}">
-        <p14:creationId xmlns:p14="http://schemas.microsoft.com/office/powerpoint/2010/main" val="1895346495"/>
+        <p14:creationId xmlns:p14="http://schemas.microsoft.com/office/powerpoint/2010/main" val="3178131637"/>
       </p:ext>
     </p:extLst>
   </p:cSld>
@@ -2936,7 +2941,7 @@
               </a:spcAft>
               <a:buNone/>
             </a:pPr>
-            <a:endParaRPr sz="1200" b="0" i="0" u="none" strike="noStrike" cap="none" dirty="0">
+            <a:endParaRPr sz="1200" b="0" i="0" u="none" strike="noStrike" cap="none">
               <a:solidFill>
                 <a:schemeClr val="dk1"/>
               </a:solidFill>
@@ -3013,7 +3018,7 @@
     </p:spTree>
     <p:extLst>
       <p:ext uri="{BB962C8B-B14F-4D97-AF65-F5344CB8AC3E}">
-        <p14:creationId xmlns:p14="http://schemas.microsoft.com/office/powerpoint/2010/main" val="3352999078"/>
+        <p14:creationId xmlns:p14="http://schemas.microsoft.com/office/powerpoint/2010/main" val="429215434"/>
       </p:ext>
     </p:extLst>
   </p:cSld>
@@ -3028,7 +3033,7 @@
   <p:cSld>
     <p:spTree>
       <p:nvGrpSpPr>
-        <p:cNvPr id="1" name="Shape 189"/>
+        <p:cNvPr id="1" name="Shape 164"/>
         <p:cNvGrpSpPr/>
         <p:nvPr/>
       </p:nvGrpSpPr>
@@ -3042,7 +3047,7 @@
       </p:grpSpPr>
       <p:sp>
         <p:nvSpPr>
-          <p:cNvPr id="190" name="Shape 190"/>
+          <p:cNvPr id="165" name="Shape 165"/>
           <p:cNvSpPr>
             <a:spLocks noGrp="1" noRot="1" noChangeAspect="1"/>
           </p:cNvSpPr>
@@ -3093,7 +3098,7 @@
       </p:sp>
       <p:sp>
         <p:nvSpPr>
-          <p:cNvPr id="191" name="Shape 191"/>
+          <p:cNvPr id="166" name="Shape 166"/>
           <p:cNvSpPr txBox="1">
             <a:spLocks noGrp="1"/>
           </p:cNvSpPr>
@@ -3143,7 +3148,7 @@
       </p:sp>
       <p:sp>
         <p:nvSpPr>
-          <p:cNvPr id="192" name="Shape 192"/>
+          <p:cNvPr id="167" name="Shape 167"/>
           <p:cNvSpPr txBox="1">
             <a:spLocks noGrp="1"/>
           </p:cNvSpPr>
@@ -3204,11 +3209,6 @@
         </p:txBody>
       </p:sp>
     </p:spTree>
-    <p:extLst>
-      <p:ext uri="{BB962C8B-B14F-4D97-AF65-F5344CB8AC3E}">
-        <p14:creationId xmlns:p14="http://schemas.microsoft.com/office/powerpoint/2010/main" val="2213883695"/>
-      </p:ext>
-    </p:extLst>
   </p:cSld>
   <p:clrMapOvr>
     <a:masterClrMapping/>
@@ -3322,7 +3322,7 @@
               </a:spcAft>
               <a:buNone/>
             </a:pPr>
-            <a:endParaRPr sz="1200" b="0" i="0" u="none" strike="noStrike" cap="none" dirty="0">
+            <a:endParaRPr sz="1200" b="0" i="0" u="none" strike="noStrike" cap="none">
               <a:solidFill>
                 <a:schemeClr val="dk1"/>
               </a:solidFill>
@@ -3399,7 +3399,7 @@
     </p:spTree>
     <p:extLst>
       <p:ext uri="{BB962C8B-B14F-4D97-AF65-F5344CB8AC3E}">
-        <p14:creationId xmlns:p14="http://schemas.microsoft.com/office/powerpoint/2010/main" val="1597839827"/>
+        <p14:creationId xmlns:p14="http://schemas.microsoft.com/office/powerpoint/2010/main" val="3269972622"/>
       </p:ext>
     </p:extLst>
   </p:cSld>
@@ -3414,7 +3414,7 @@
   <p:cSld>
     <p:spTree>
       <p:nvGrpSpPr>
-        <p:cNvPr id="1" name="Shape 152"/>
+        <p:cNvPr id="1" name="Shape 214"/>
         <p:cNvGrpSpPr/>
         <p:nvPr/>
       </p:nvGrpSpPr>
@@ -3428,7 +3428,7 @@
       </p:grpSpPr>
       <p:sp>
         <p:nvSpPr>
-          <p:cNvPr id="153" name="Shape 153"/>
+          <p:cNvPr id="215" name="Shape 215"/>
           <p:cNvSpPr>
             <a:spLocks noGrp="1" noRot="1" noChangeAspect="1"/>
           </p:cNvSpPr>
@@ -3479,7 +3479,7 @@
       </p:sp>
       <p:sp>
         <p:nvSpPr>
-          <p:cNvPr id="154" name="Shape 154"/>
+          <p:cNvPr id="216" name="Shape 216"/>
           <p:cNvSpPr txBox="1">
             <a:spLocks noGrp="1"/>
           </p:cNvSpPr>
@@ -3515,7 +3515,7 @@
               </a:spcAft>
               <a:buNone/>
             </a:pPr>
-            <a:endParaRPr sz="1200" b="0" i="0" u="none" strike="noStrike" cap="none" dirty="0">
+            <a:endParaRPr sz="1200" b="0" i="0" u="none" strike="noStrike" cap="none">
               <a:solidFill>
                 <a:schemeClr val="dk1"/>
               </a:solidFill>
@@ -3529,7 +3529,7 @@
       </p:sp>
       <p:sp>
         <p:nvSpPr>
-          <p:cNvPr id="155" name="Shape 155"/>
+          <p:cNvPr id="217" name="Shape 217"/>
           <p:cNvSpPr txBox="1">
             <a:spLocks noGrp="1"/>
           </p:cNvSpPr>
@@ -3592,7 +3592,7 @@
     </p:spTree>
     <p:extLst>
       <p:ext uri="{BB962C8B-B14F-4D97-AF65-F5344CB8AC3E}">
-        <p14:creationId xmlns:p14="http://schemas.microsoft.com/office/powerpoint/2010/main" val="3515786875"/>
+        <p14:creationId xmlns:p14="http://schemas.microsoft.com/office/powerpoint/2010/main" val="1895346495"/>
       </p:ext>
     </p:extLst>
   </p:cSld>
@@ -3607,7 +3607,7 @@
   <p:cSld>
     <p:spTree>
       <p:nvGrpSpPr>
-        <p:cNvPr id="1" name="Shape 152"/>
+        <p:cNvPr id="1" name="Shape 214"/>
         <p:cNvGrpSpPr/>
         <p:nvPr/>
       </p:nvGrpSpPr>
@@ -3621,7 +3621,7 @@
       </p:grpSpPr>
       <p:sp>
         <p:nvSpPr>
-          <p:cNvPr id="153" name="Shape 153"/>
+          <p:cNvPr id="215" name="Shape 215"/>
           <p:cNvSpPr>
             <a:spLocks noGrp="1" noRot="1" noChangeAspect="1"/>
           </p:cNvSpPr>
@@ -3672,7 +3672,7 @@
       </p:sp>
       <p:sp>
         <p:nvSpPr>
-          <p:cNvPr id="154" name="Shape 154"/>
+          <p:cNvPr id="216" name="Shape 216"/>
           <p:cNvSpPr txBox="1">
             <a:spLocks noGrp="1"/>
           </p:cNvSpPr>
@@ -3722,7 +3722,7 @@
       </p:sp>
       <p:sp>
         <p:nvSpPr>
-          <p:cNvPr id="155" name="Shape 155"/>
+          <p:cNvPr id="217" name="Shape 217"/>
           <p:cNvSpPr txBox="1">
             <a:spLocks noGrp="1"/>
           </p:cNvSpPr>
@@ -3785,7 +3785,7 @@
     </p:spTree>
     <p:extLst>
       <p:ext uri="{BB962C8B-B14F-4D97-AF65-F5344CB8AC3E}">
-        <p14:creationId xmlns:p14="http://schemas.microsoft.com/office/powerpoint/2010/main" val="2663161619"/>
+        <p14:creationId xmlns:p14="http://schemas.microsoft.com/office/powerpoint/2010/main" val="3352999078"/>
       </p:ext>
     </p:extLst>
   </p:cSld>
@@ -3800,7 +3800,7 @@
   <p:cSld>
     <p:spTree>
       <p:nvGrpSpPr>
-        <p:cNvPr id="1" name="Shape 152"/>
+        <p:cNvPr id="1" name="Shape 189"/>
         <p:cNvGrpSpPr/>
         <p:nvPr/>
       </p:nvGrpSpPr>
@@ -3814,7 +3814,7 @@
       </p:grpSpPr>
       <p:sp>
         <p:nvSpPr>
-          <p:cNvPr id="153" name="Shape 153"/>
+          <p:cNvPr id="190" name="Shape 190"/>
           <p:cNvSpPr>
             <a:spLocks noGrp="1" noRot="1" noChangeAspect="1"/>
           </p:cNvSpPr>
@@ -3865,7 +3865,7 @@
       </p:sp>
       <p:sp>
         <p:nvSpPr>
-          <p:cNvPr id="154" name="Shape 154"/>
+          <p:cNvPr id="191" name="Shape 191"/>
           <p:cNvSpPr txBox="1">
             <a:spLocks noGrp="1"/>
           </p:cNvSpPr>
@@ -3901,7 +3901,7 @@
               </a:spcAft>
               <a:buNone/>
             </a:pPr>
-            <a:endParaRPr sz="1200" b="0" i="0" u="none" strike="noStrike" cap="none" dirty="0">
+            <a:endParaRPr sz="1200" b="0" i="0" u="none" strike="noStrike" cap="none">
               <a:solidFill>
                 <a:schemeClr val="dk1"/>
               </a:solidFill>
@@ -3915,7 +3915,7 @@
       </p:sp>
       <p:sp>
         <p:nvSpPr>
-          <p:cNvPr id="155" name="Shape 155"/>
+          <p:cNvPr id="192" name="Shape 192"/>
           <p:cNvSpPr txBox="1">
             <a:spLocks noGrp="1"/>
           </p:cNvSpPr>
@@ -3978,7 +3978,7 @@
     </p:spTree>
     <p:extLst>
       <p:ext uri="{BB962C8B-B14F-4D97-AF65-F5344CB8AC3E}">
-        <p14:creationId xmlns:p14="http://schemas.microsoft.com/office/powerpoint/2010/main" val="3711252314"/>
+        <p14:creationId xmlns:p14="http://schemas.microsoft.com/office/powerpoint/2010/main" val="2213883695"/>
       </p:ext>
     </p:extLst>
   </p:cSld>
@@ -4171,7 +4171,7 @@
     </p:spTree>
     <p:extLst>
       <p:ext uri="{BB962C8B-B14F-4D97-AF65-F5344CB8AC3E}">
-        <p14:creationId xmlns:p14="http://schemas.microsoft.com/office/powerpoint/2010/main" val="552973598"/>
+        <p14:creationId xmlns:p14="http://schemas.microsoft.com/office/powerpoint/2010/main" val="1597839827"/>
       </p:ext>
     </p:extLst>
   </p:cSld>
@@ -4364,7 +4364,7 @@
     </p:spTree>
     <p:extLst>
       <p:ext uri="{BB962C8B-B14F-4D97-AF65-F5344CB8AC3E}">
-        <p14:creationId xmlns:p14="http://schemas.microsoft.com/office/powerpoint/2010/main" val="2693897894"/>
+        <p14:creationId xmlns:p14="http://schemas.microsoft.com/office/powerpoint/2010/main" val="3515786875"/>
       </p:ext>
     </p:extLst>
   </p:cSld>
@@ -21147,8 +21147,8 @@
         </p:nvSpPr>
         <p:spPr>
           <a:xfrm>
-            <a:off x="440675" y="1765007"/>
-            <a:ext cx="8555545" cy="762818"/>
+            <a:off x="514564" y="1765007"/>
+            <a:ext cx="8229600" cy="762818"/>
           </a:xfrm>
           <a:prstGeom prst="rect">
             <a:avLst/>
@@ -21179,7 +21179,7 @@
               <a:buNone/>
             </a:pPr>
             <a:r>
-              <a:rPr lang="en-US" sz="4100" b="1" i="0" u="none" strike="noStrike" cap="none" dirty="0">
+              <a:rPr lang="en-US" sz="4100" b="1" i="0" u="none" strike="noStrike" cap="none" dirty="0" err="1">
                 <a:solidFill>
                   <a:srgbClr val="262626"/>
                 </a:solidFill>
@@ -21188,10 +21188,10 @@
                 <a:cs typeface="Roboto"/>
                 <a:sym typeface="Roboto"/>
               </a:rPr>
-              <a:t>Code on Demand (</a:t>
+              <a:t>Cach</a:t>
             </a:r>
             <a:r>
-              <a:rPr lang="ru-RU" sz="4100" b="1" dirty="0">
+              <a:rPr lang="en-US" sz="4100" b="1" dirty="0" err="1">
                 <a:solidFill>
                   <a:srgbClr val="262626"/>
                 </a:solidFill>
@@ -21200,19 +21200,7 @@
                 <a:cs typeface="Roboto"/>
                 <a:sym typeface="Roboto"/>
               </a:rPr>
-              <a:t>необязательно</a:t>
-            </a:r>
-            <a:r>
-              <a:rPr lang="en-US" sz="4100" b="1" i="0" u="none" strike="noStrike" cap="none" dirty="0">
-                <a:solidFill>
-                  <a:srgbClr val="262626"/>
-                </a:solidFill>
-                <a:latin typeface="Roboto"/>
-                <a:ea typeface="Roboto"/>
-                <a:cs typeface="Roboto"/>
-                <a:sym typeface="Roboto"/>
-              </a:rPr>
-              <a:t>)</a:t>
+              <a:t>able</a:t>
             </a:r>
             <a:endParaRPr lang="ru-RU" sz="4100" b="1" i="0" u="none" strike="noStrike" cap="none" dirty="0">
               <a:solidFill>
@@ -21455,6 +21443,2860 @@
                 <a:cs typeface="Calibri"/>
                 <a:sym typeface="Calibri"/>
               </a:rPr>
+              <a:t>Клиент должен иметь возможность кэшировать запросы сервера.</a:t>
+            </a:r>
+            <a:endParaRPr lang="ru-RU" sz="2000" dirty="0">
+              <a:latin typeface="Roboto"/>
+              <a:ea typeface="Roboto"/>
+              <a:sym typeface="Roboto"/>
+            </a:endParaRPr>
+          </a:p>
+          <a:p>
+            <a:pPr marL="0" marR="0" lvl="0" indent="-12700" algn="l" rtl="0">
+              <a:spcBef>
+                <a:spcPts val="0"/>
+              </a:spcBef>
+              <a:spcAft>
+                <a:spcPts val="0"/>
+              </a:spcAft>
+              <a:buSzPts val="2000"/>
+              <a:buFont typeface="Noto Sans Symbols"/>
+              <a:buChar char="▪"/>
+            </a:pPr>
+            <a:endParaRPr lang="ru-RU" sz="2000" dirty="0">
+              <a:solidFill>
+                <a:schemeClr val="tx1"/>
+              </a:solidFill>
+              <a:latin typeface="Roboto"/>
+              <a:ea typeface="Roboto"/>
+              <a:cs typeface="Calibri"/>
+              <a:sym typeface="Roboto"/>
+            </a:endParaRPr>
+          </a:p>
+          <a:p>
+            <a:pPr marL="0" marR="0" lvl="0" indent="-12700" algn="l" rtl="0">
+              <a:spcBef>
+                <a:spcPts val="0"/>
+              </a:spcBef>
+              <a:spcAft>
+                <a:spcPts val="0"/>
+              </a:spcAft>
+              <a:buSzPts val="2000"/>
+              <a:buFont typeface="Noto Sans Symbols"/>
+              <a:buChar char="▪"/>
+            </a:pPr>
+            <a:r>
+              <a:rPr lang="ru-RU" sz="2000" dirty="0">
+                <a:solidFill>
+                  <a:schemeClr val="tx1"/>
+                </a:solidFill>
+                <a:latin typeface="Roboto"/>
+                <a:ea typeface="Roboto"/>
+                <a:cs typeface="Calibri"/>
+                <a:sym typeface="Roboto"/>
+              </a:rPr>
+              <a:t> О</a:t>
+            </a:r>
+            <a:r>
+              <a:rPr lang="ru-RU" sz="2000" dirty="0">
+                <a:solidFill>
+                  <a:schemeClr val="tx1"/>
+                </a:solidFill>
+                <a:latin typeface="Roboto"/>
+                <a:ea typeface="Roboto"/>
+                <a:cs typeface="Calibri"/>
+              </a:rPr>
+              <a:t>тветы сервера должны быть помечены как кэшируемые или нет.</a:t>
+            </a:r>
+          </a:p>
+          <a:p>
+            <a:pPr lvl="0" indent="-12700">
+              <a:buSzPts val="2000"/>
+              <a:buFont typeface="Noto Sans Symbols"/>
+              <a:buChar char="▪"/>
+            </a:pPr>
+            <a:endParaRPr lang="ru-RU" sz="2000" dirty="0">
+              <a:solidFill>
+                <a:schemeClr val="tx1"/>
+              </a:solidFill>
+              <a:latin typeface="Roboto"/>
+              <a:ea typeface="Roboto"/>
+              <a:cs typeface="Calibri"/>
+              <a:sym typeface="Calibri"/>
+            </a:endParaRPr>
+          </a:p>
+          <a:p>
+            <a:pPr indent="-12700">
+              <a:buSzPts val="2000"/>
+              <a:buFont typeface="Noto Sans Symbols"/>
+              <a:buChar char="▪"/>
+            </a:pPr>
+            <a:r>
+              <a:rPr lang="ru-RU" sz="2000" dirty="0">
+                <a:solidFill>
+                  <a:schemeClr val="tx1"/>
+                </a:solidFill>
+                <a:latin typeface="Roboto"/>
+                <a:ea typeface="Roboto"/>
+                <a:cs typeface="Calibri"/>
+              </a:rPr>
+              <a:t> Благодаря правильно настроенному кешированию существенно возрастает производительность системы.</a:t>
+            </a:r>
+          </a:p>
+          <a:p>
+            <a:pPr lvl="0" indent="-12700">
+              <a:buSzPts val="2000"/>
+              <a:buFont typeface="Noto Sans Symbols"/>
+              <a:buChar char="▪"/>
+            </a:pPr>
+            <a:endParaRPr sz="2000" dirty="0">
+              <a:solidFill>
+                <a:schemeClr val="tx1"/>
+              </a:solidFill>
+              <a:latin typeface="Roboto"/>
+              <a:ea typeface="Roboto"/>
+              <a:sym typeface="Calibri"/>
+            </a:endParaRPr>
+          </a:p>
+        </p:txBody>
+      </p:sp>
+      <p:sp>
+        <p:nvSpPr>
+          <p:cNvPr id="9" name="Shape 158">
+            <a:extLst>
+              <a:ext uri="{FF2B5EF4-FFF2-40B4-BE49-F238E27FC236}">
+                <a16:creationId xmlns:a16="http://schemas.microsoft.com/office/drawing/2014/main" id="{DA1F2DC5-9F12-4607-9136-21409B1B8B4B}"/>
+              </a:ext>
+            </a:extLst>
+          </p:cNvPr>
+          <p:cNvSpPr txBox="1">
+            <a:spLocks/>
+          </p:cNvSpPr>
+          <p:nvPr/>
+        </p:nvSpPr>
+        <p:spPr>
+          <a:xfrm>
+            <a:off x="6498941" y="912754"/>
+            <a:ext cx="2400875" cy="458138"/>
+          </a:xfrm>
+          <a:prstGeom prst="rect">
+            <a:avLst/>
+          </a:prstGeom>
+          <a:noFill/>
+          <a:ln>
+            <a:noFill/>
+          </a:ln>
+        </p:spPr>
+        <p:txBody>
+          <a:bodyPr spcFirstLastPara="1" wrap="square" lIns="91425" tIns="45700" rIns="91425" bIns="45700" anchor="ctr" anchorCtr="0">
+            <a:noAutofit/>
+          </a:bodyPr>
+          <a:lstStyle>
+            <a:defPPr marR="0" lvl="0" algn="l" rtl="0">
+              <a:lnSpc>
+                <a:spcPct val="100000"/>
+              </a:lnSpc>
+              <a:spcBef>
+                <a:spcPts val="0"/>
+              </a:spcBef>
+              <a:spcAft>
+                <a:spcPts val="0"/>
+              </a:spcAft>
+            </a:defPPr>
+            <a:lvl1pPr marR="0" lvl="0" algn="ctr" rtl="0">
+              <a:lnSpc>
+                <a:spcPct val="100000"/>
+              </a:lnSpc>
+              <a:spcBef>
+                <a:spcPts val="0"/>
+              </a:spcBef>
+              <a:spcAft>
+                <a:spcPts val="0"/>
+              </a:spcAft>
+              <a:buClr>
+                <a:schemeClr val="dk1"/>
+              </a:buClr>
+              <a:buSzPts val="4400"/>
+              <a:buFont typeface="Calibri"/>
+              <a:buNone/>
+              <a:defRPr sz="4400" b="0" i="0" u="none" strike="noStrike" cap="none">
+                <a:solidFill>
+                  <a:schemeClr val="dk1"/>
+                </a:solidFill>
+                <a:latin typeface="Calibri"/>
+                <a:ea typeface="Calibri"/>
+                <a:cs typeface="Calibri"/>
+                <a:sym typeface="Calibri"/>
+              </a:defRPr>
+            </a:lvl1pPr>
+            <a:lvl2pPr lvl="1">
+              <a:spcBef>
+                <a:spcPts val="0"/>
+              </a:spcBef>
+              <a:spcAft>
+                <a:spcPts val="0"/>
+              </a:spcAft>
+              <a:buSzPts val="1400"/>
+              <a:buNone/>
+              <a:defRPr sz="1800"/>
+            </a:lvl2pPr>
+            <a:lvl3pPr lvl="2">
+              <a:spcBef>
+                <a:spcPts val="0"/>
+              </a:spcBef>
+              <a:spcAft>
+                <a:spcPts val="0"/>
+              </a:spcAft>
+              <a:buSzPts val="1400"/>
+              <a:buNone/>
+              <a:defRPr sz="1800"/>
+            </a:lvl3pPr>
+            <a:lvl4pPr lvl="3">
+              <a:spcBef>
+                <a:spcPts val="0"/>
+              </a:spcBef>
+              <a:spcAft>
+                <a:spcPts val="0"/>
+              </a:spcAft>
+              <a:buSzPts val="1400"/>
+              <a:buNone/>
+              <a:defRPr sz="1800"/>
+            </a:lvl4pPr>
+            <a:lvl5pPr lvl="4">
+              <a:spcBef>
+                <a:spcPts val="0"/>
+              </a:spcBef>
+              <a:spcAft>
+                <a:spcPts val="0"/>
+              </a:spcAft>
+              <a:buSzPts val="1400"/>
+              <a:buNone/>
+              <a:defRPr sz="1800"/>
+            </a:lvl5pPr>
+            <a:lvl6pPr lvl="5">
+              <a:spcBef>
+                <a:spcPts val="0"/>
+              </a:spcBef>
+              <a:spcAft>
+                <a:spcPts val="0"/>
+              </a:spcAft>
+              <a:buSzPts val="1400"/>
+              <a:buNone/>
+              <a:defRPr sz="1800"/>
+            </a:lvl6pPr>
+            <a:lvl7pPr lvl="6">
+              <a:spcBef>
+                <a:spcPts val="0"/>
+              </a:spcBef>
+              <a:spcAft>
+                <a:spcPts val="0"/>
+              </a:spcAft>
+              <a:buSzPts val="1400"/>
+              <a:buNone/>
+              <a:defRPr sz="1800"/>
+            </a:lvl7pPr>
+            <a:lvl8pPr lvl="7">
+              <a:spcBef>
+                <a:spcPts val="0"/>
+              </a:spcBef>
+              <a:spcAft>
+                <a:spcPts val="0"/>
+              </a:spcAft>
+              <a:buSzPts val="1400"/>
+              <a:buNone/>
+              <a:defRPr sz="1800"/>
+            </a:lvl8pPr>
+            <a:lvl9pPr lvl="8">
+              <a:spcBef>
+                <a:spcPts val="0"/>
+              </a:spcBef>
+              <a:spcAft>
+                <a:spcPts val="0"/>
+              </a:spcAft>
+              <a:buSzPts val="1400"/>
+              <a:buNone/>
+              <a:defRPr sz="1800"/>
+            </a:lvl9pPr>
+          </a:lstStyle>
+          <a:p>
+            <a:pPr algn="l"/>
+            <a:r>
+              <a:rPr lang="en-US" sz="2000" b="1" dirty="0">
+                <a:solidFill>
+                  <a:srgbClr val="262626"/>
+                </a:solidFill>
+                <a:latin typeface="Roboto"/>
+                <a:ea typeface="Roboto"/>
+                <a:cs typeface="Roboto"/>
+                <a:sym typeface="Roboto"/>
+              </a:rPr>
+              <a:t>REST constraints</a:t>
+            </a:r>
+            <a:endParaRPr lang="ru-RU" sz="2000" b="1" dirty="0">
+              <a:solidFill>
+                <a:srgbClr val="262626"/>
+              </a:solidFill>
+              <a:latin typeface="Roboto"/>
+              <a:ea typeface="Roboto"/>
+              <a:cs typeface="Roboto"/>
+              <a:sym typeface="Roboto"/>
+            </a:endParaRPr>
+          </a:p>
+        </p:txBody>
+      </p:sp>
+    </p:spTree>
+    <p:extLst>
+      <p:ext uri="{BB962C8B-B14F-4D97-AF65-F5344CB8AC3E}">
+        <p14:creationId xmlns:p14="http://schemas.microsoft.com/office/powerpoint/2010/main" val="1975297286"/>
+      </p:ext>
+    </p:extLst>
+  </p:cSld>
+  <p:clrMapOvr>
+    <a:masterClrMapping/>
+  </p:clrMapOvr>
+  <p:transition>
+    <p:fade/>
+  </p:transition>
+</p:sld>
+</file>
+
+<file path=ppt/slides/slide11.xml><?xml version="1.0" encoding="utf-8"?>
+<p:sld xmlns:a="http://schemas.openxmlformats.org/drawingml/2006/main" xmlns:r="http://schemas.openxmlformats.org/officeDocument/2006/relationships" xmlns:p="http://schemas.openxmlformats.org/presentationml/2006/main">
+  <p:cSld>
+    <p:spTree>
+      <p:nvGrpSpPr>
+        <p:cNvPr id="1" name="Shape 156"/>
+        <p:cNvGrpSpPr/>
+        <p:nvPr/>
+      </p:nvGrpSpPr>
+      <p:grpSpPr>
+        <a:xfrm>
+          <a:off x="0" y="0"/>
+          <a:ext cx="0" cy="0"/>
+          <a:chOff x="0" y="0"/>
+          <a:chExt cx="0" cy="0"/>
+        </a:xfrm>
+      </p:grpSpPr>
+      <p:sp>
+        <p:nvSpPr>
+          <p:cNvPr id="158" name="Shape 158"/>
+          <p:cNvSpPr txBox="1">
+            <a:spLocks noGrp="1"/>
+          </p:cNvSpPr>
+          <p:nvPr>
+            <p:ph type="title"/>
+          </p:nvPr>
+        </p:nvSpPr>
+        <p:spPr>
+          <a:xfrm>
+            <a:off x="514564" y="1765007"/>
+            <a:ext cx="8229600" cy="762818"/>
+          </a:xfrm>
+          <a:prstGeom prst="rect">
+            <a:avLst/>
+          </a:prstGeom>
+          <a:noFill/>
+          <a:ln>
+            <a:noFill/>
+          </a:ln>
+        </p:spPr>
+        <p:txBody>
+          <a:bodyPr spcFirstLastPara="1" wrap="square" lIns="91425" tIns="45700" rIns="91425" bIns="45700" anchor="ctr" anchorCtr="0">
+            <a:noAutofit/>
+          </a:bodyPr>
+          <a:lstStyle/>
+          <a:p>
+            <a:pPr marL="0" marR="0" lvl="0" indent="0" algn="l" rtl="0">
+              <a:spcBef>
+                <a:spcPts val="0"/>
+              </a:spcBef>
+              <a:spcAft>
+                <a:spcPts val="0"/>
+              </a:spcAft>
+              <a:buClr>
+                <a:schemeClr val="dk1"/>
+              </a:buClr>
+              <a:buSzPts val="4400"/>
+              <a:buFont typeface="Calibri"/>
+              <a:buNone/>
+            </a:pPr>
+            <a:r>
+              <a:rPr lang="en-US" sz="4100" b="1" i="0" u="none" strike="noStrike" cap="none" dirty="0">
+                <a:solidFill>
+                  <a:srgbClr val="262626"/>
+                </a:solidFill>
+                <a:latin typeface="Roboto"/>
+                <a:ea typeface="Roboto"/>
+                <a:cs typeface="Roboto"/>
+                <a:sym typeface="Roboto"/>
+              </a:rPr>
+              <a:t>Layered System</a:t>
+            </a:r>
+            <a:endParaRPr lang="ru-RU" sz="4100" b="1" i="0" u="none" strike="noStrike" cap="none" dirty="0">
+              <a:solidFill>
+                <a:srgbClr val="262626"/>
+              </a:solidFill>
+              <a:latin typeface="Roboto"/>
+              <a:ea typeface="Roboto"/>
+              <a:cs typeface="Roboto"/>
+              <a:sym typeface="Roboto"/>
+            </a:endParaRPr>
+          </a:p>
+        </p:txBody>
+      </p:sp>
+      <p:sp>
+        <p:nvSpPr>
+          <p:cNvPr id="159" name="Shape 159"/>
+          <p:cNvSpPr/>
+          <p:nvPr/>
+        </p:nvSpPr>
+        <p:spPr>
+          <a:xfrm>
+            <a:off x="7145316" y="408237"/>
+            <a:ext cx="1856100" cy="290400"/>
+          </a:xfrm>
+          <a:prstGeom prst="roundRect">
+            <a:avLst>
+              <a:gd name="adj" fmla="val 0"/>
+            </a:avLst>
+          </a:prstGeom>
+          <a:noFill/>
+          <a:ln>
+            <a:noFill/>
+          </a:ln>
+        </p:spPr>
+        <p:txBody>
+          <a:bodyPr spcFirstLastPara="1" wrap="square" lIns="91425" tIns="45700" rIns="91425" bIns="45700" anchor="ctr" anchorCtr="0">
+            <a:noAutofit/>
+          </a:bodyPr>
+          <a:lstStyle/>
+          <a:p>
+            <a:pPr marL="0" marR="0" lvl="0" indent="0" algn="ctr" rtl="0">
+              <a:spcBef>
+                <a:spcPts val="0"/>
+              </a:spcBef>
+              <a:spcAft>
+                <a:spcPts val="0"/>
+              </a:spcAft>
+              <a:buClr>
+                <a:schemeClr val="lt1"/>
+              </a:buClr>
+              <a:buSzPts val="1200"/>
+              <a:buFont typeface="Arial"/>
+              <a:buNone/>
+            </a:pPr>
+            <a:r>
+              <a:rPr lang="en-US" sz="1500" b="1" i="0" strike="noStrike" cap="none">
+                <a:solidFill>
+                  <a:srgbClr val="262626"/>
+                </a:solidFill>
+                <a:latin typeface="Roboto"/>
+                <a:ea typeface="Roboto"/>
+                <a:cs typeface="Roboto"/>
+                <a:sym typeface="Roboto"/>
+              </a:rPr>
+              <a:t>www.itea.ua</a:t>
+            </a:r>
+            <a:endParaRPr sz="1500" b="1" i="0" strike="noStrike" cap="none">
+              <a:solidFill>
+                <a:srgbClr val="262626"/>
+              </a:solidFill>
+              <a:latin typeface="Roboto"/>
+              <a:ea typeface="Roboto"/>
+              <a:cs typeface="Roboto"/>
+              <a:sym typeface="Roboto"/>
+            </a:endParaRPr>
+          </a:p>
+        </p:txBody>
+      </p:sp>
+      <p:sp>
+        <p:nvSpPr>
+          <p:cNvPr id="160" name="Shape 160"/>
+          <p:cNvSpPr/>
+          <p:nvPr/>
+        </p:nvSpPr>
+        <p:spPr>
+          <a:xfrm rot="10800000" flipH="1">
+            <a:off x="0" y="1127850"/>
+            <a:ext cx="3143100" cy="42300"/>
+          </a:xfrm>
+          <a:prstGeom prst="rect">
+            <a:avLst/>
+          </a:prstGeom>
+          <a:solidFill>
+            <a:srgbClr val="CC0000"/>
+          </a:solidFill>
+          <a:ln>
+            <a:noFill/>
+          </a:ln>
+        </p:spPr>
+        <p:txBody>
+          <a:bodyPr spcFirstLastPara="1" wrap="square" lIns="91425" tIns="91425" rIns="91425" bIns="91425" anchor="ctr" anchorCtr="0">
+            <a:noAutofit/>
+          </a:bodyPr>
+          <a:lstStyle/>
+          <a:p>
+            <a:pPr marL="0" lvl="0" indent="0">
+              <a:spcBef>
+                <a:spcPts val="0"/>
+              </a:spcBef>
+              <a:spcAft>
+                <a:spcPts val="0"/>
+              </a:spcAft>
+              <a:buNone/>
+            </a:pPr>
+            <a:r>
+              <a:rPr lang="en-US"/>
+              <a:t>                                                                                     </a:t>
+            </a:r>
+            <a:endParaRPr/>
+          </a:p>
+        </p:txBody>
+      </p:sp>
+      <p:sp>
+        <p:nvSpPr>
+          <p:cNvPr id="161" name="Shape 161"/>
+          <p:cNvSpPr/>
+          <p:nvPr/>
+        </p:nvSpPr>
+        <p:spPr>
+          <a:xfrm rot="10800000" flipH="1">
+            <a:off x="3067050" y="1127850"/>
+            <a:ext cx="3143100" cy="42300"/>
+          </a:xfrm>
+          <a:prstGeom prst="rect">
+            <a:avLst/>
+          </a:prstGeom>
+          <a:solidFill>
+            <a:srgbClr val="262626"/>
+          </a:solidFill>
+          <a:ln>
+            <a:noFill/>
+          </a:ln>
+        </p:spPr>
+        <p:txBody>
+          <a:bodyPr spcFirstLastPara="1" wrap="square" lIns="91425" tIns="91425" rIns="91425" bIns="91425" anchor="ctr" anchorCtr="0">
+            <a:noAutofit/>
+          </a:bodyPr>
+          <a:lstStyle/>
+          <a:p>
+            <a:pPr marL="0" lvl="0" indent="0">
+              <a:spcBef>
+                <a:spcPts val="0"/>
+              </a:spcBef>
+              <a:spcAft>
+                <a:spcPts val="0"/>
+              </a:spcAft>
+              <a:buNone/>
+            </a:pPr>
+            <a:endParaRPr/>
+          </a:p>
+        </p:txBody>
+      </p:sp>
+      <p:pic>
+        <p:nvPicPr>
+          <p:cNvPr id="162" name="Shape 162"/>
+          <p:cNvPicPr preferRelativeResize="0"/>
+          <p:nvPr/>
+        </p:nvPicPr>
+        <p:blipFill>
+          <a:blip r:embed="rId3">
+            <a:alphaModFix/>
+          </a:blip>
+          <a:stretch>
+            <a:fillRect/>
+          </a:stretch>
+        </p:blipFill>
+        <p:spPr>
+          <a:xfrm>
+            <a:off x="353700" y="302000"/>
+            <a:ext cx="1741800" cy="502875"/>
+          </a:xfrm>
+          <a:prstGeom prst="rect">
+            <a:avLst/>
+          </a:prstGeom>
+          <a:noFill/>
+          <a:ln>
+            <a:noFill/>
+          </a:ln>
+        </p:spPr>
+      </p:pic>
+      <p:sp>
+        <p:nvSpPr>
+          <p:cNvPr id="163" name="Shape 163"/>
+          <p:cNvSpPr txBox="1"/>
+          <p:nvPr/>
+        </p:nvSpPr>
+        <p:spPr>
+          <a:xfrm>
+            <a:off x="467326" y="2823381"/>
+            <a:ext cx="8181300" cy="3074100"/>
+          </a:xfrm>
+          <a:prstGeom prst="rect">
+            <a:avLst/>
+          </a:prstGeom>
+          <a:noFill/>
+          <a:ln>
+            <a:noFill/>
+          </a:ln>
+        </p:spPr>
+        <p:txBody>
+          <a:bodyPr spcFirstLastPara="1" wrap="square" lIns="91425" tIns="45700" rIns="91425" bIns="45700" anchor="ctr" anchorCtr="0">
+            <a:noAutofit/>
+          </a:bodyPr>
+          <a:lstStyle/>
+          <a:p>
+            <a:pPr lvl="0" indent="-12700">
+              <a:buSzPts val="2000"/>
+              <a:buFont typeface="Noto Sans Symbols"/>
+              <a:buChar char="▪"/>
+            </a:pPr>
+            <a:r>
+              <a:rPr lang="ru-RU" sz="2000" dirty="0">
+                <a:solidFill>
+                  <a:schemeClr val="tx1"/>
+                </a:solidFill>
+                <a:latin typeface="Calibri"/>
+                <a:ea typeface="Roboto"/>
+                <a:cs typeface="Calibri"/>
+                <a:sym typeface="Calibri"/>
+              </a:rPr>
+              <a:t> </a:t>
+            </a:r>
+            <a:r>
+              <a:rPr lang="ru-RU" sz="2000" dirty="0">
+                <a:solidFill>
+                  <a:schemeClr val="tx1"/>
+                </a:solidFill>
+                <a:latin typeface="Roboto"/>
+                <a:ea typeface="Roboto"/>
+                <a:cs typeface="Calibri"/>
+                <a:sym typeface="Calibri"/>
+              </a:rPr>
+              <a:t>Клиент может коммуницировать не с конечным а промежуточным сервером и ничего об этом не знать. </a:t>
+            </a:r>
+            <a:endParaRPr lang="ru-RU" sz="2000" dirty="0">
+              <a:latin typeface="Roboto"/>
+              <a:ea typeface="Roboto"/>
+              <a:sym typeface="Roboto"/>
+            </a:endParaRPr>
+          </a:p>
+          <a:p>
+            <a:pPr marL="0" marR="0" lvl="0" indent="-12700" algn="l" rtl="0">
+              <a:spcBef>
+                <a:spcPts val="0"/>
+              </a:spcBef>
+              <a:spcAft>
+                <a:spcPts val="0"/>
+              </a:spcAft>
+              <a:buSzPts val="2000"/>
+              <a:buFont typeface="Noto Sans Symbols"/>
+              <a:buChar char="▪"/>
+            </a:pPr>
+            <a:endParaRPr lang="ru-RU" sz="2000" dirty="0">
+              <a:solidFill>
+                <a:schemeClr val="tx1"/>
+              </a:solidFill>
+              <a:latin typeface="Roboto"/>
+              <a:ea typeface="Roboto"/>
+              <a:cs typeface="Calibri"/>
+              <a:sym typeface="Roboto"/>
+            </a:endParaRPr>
+          </a:p>
+          <a:p>
+            <a:pPr marL="0" marR="0" lvl="0" indent="-12700" algn="l" rtl="0">
+              <a:spcBef>
+                <a:spcPts val="0"/>
+              </a:spcBef>
+              <a:spcAft>
+                <a:spcPts val="0"/>
+              </a:spcAft>
+              <a:buSzPts val="2000"/>
+              <a:buFont typeface="Noto Sans Symbols"/>
+              <a:buChar char="▪"/>
+            </a:pPr>
+            <a:r>
+              <a:rPr lang="ru-RU" sz="2000" dirty="0">
+                <a:solidFill>
+                  <a:schemeClr val="tx1"/>
+                </a:solidFill>
+                <a:latin typeface="Roboto"/>
+                <a:ea typeface="Roboto"/>
+                <a:cs typeface="Calibri"/>
+                <a:sym typeface="Roboto"/>
+              </a:rPr>
+              <a:t> Промежуточные серверы могут расспределять нагрузку и предоставлять общие кэши для клиентов.</a:t>
+            </a:r>
+            <a:endParaRPr lang="ru-RU" sz="2000" dirty="0">
+              <a:solidFill>
+                <a:schemeClr val="tx1"/>
+              </a:solidFill>
+              <a:latin typeface="Roboto"/>
+              <a:ea typeface="Roboto"/>
+              <a:cs typeface="Calibri"/>
+            </a:endParaRPr>
+          </a:p>
+          <a:p>
+            <a:pPr lvl="0" indent="-12700">
+              <a:buSzPts val="2000"/>
+              <a:buFont typeface="Noto Sans Symbols"/>
+              <a:buChar char="▪"/>
+            </a:pPr>
+            <a:endParaRPr lang="ru-RU" sz="2000" dirty="0">
+              <a:solidFill>
+                <a:schemeClr val="tx1"/>
+              </a:solidFill>
+              <a:latin typeface="Roboto"/>
+              <a:ea typeface="Roboto"/>
+              <a:cs typeface="Calibri"/>
+              <a:sym typeface="Calibri"/>
+            </a:endParaRPr>
+          </a:p>
+          <a:p>
+            <a:pPr indent="-12700">
+              <a:buSzPts val="2000"/>
+              <a:buFont typeface="Noto Sans Symbols"/>
+              <a:buChar char="▪"/>
+            </a:pPr>
+            <a:r>
+              <a:rPr lang="ru-RU" sz="2000" dirty="0">
+                <a:solidFill>
+                  <a:schemeClr val="tx1"/>
+                </a:solidFill>
+                <a:latin typeface="Roboto"/>
+                <a:ea typeface="Roboto"/>
+                <a:cs typeface="Calibri"/>
+              </a:rPr>
+              <a:t> Благодаря промежуточным серверам можно устанавливать дополнительные политики безопасности.</a:t>
+            </a:r>
+          </a:p>
+          <a:p>
+            <a:pPr lvl="0" indent="-12700">
+              <a:buSzPts val="2000"/>
+              <a:buFont typeface="Noto Sans Symbols"/>
+              <a:buChar char="▪"/>
+            </a:pPr>
+            <a:endParaRPr sz="2000" dirty="0">
+              <a:solidFill>
+                <a:schemeClr val="tx1"/>
+              </a:solidFill>
+              <a:latin typeface="Roboto"/>
+              <a:ea typeface="Roboto"/>
+              <a:sym typeface="Calibri"/>
+            </a:endParaRPr>
+          </a:p>
+        </p:txBody>
+      </p:sp>
+      <p:sp>
+        <p:nvSpPr>
+          <p:cNvPr id="9" name="Shape 158">
+            <a:extLst>
+              <a:ext uri="{FF2B5EF4-FFF2-40B4-BE49-F238E27FC236}">
+                <a16:creationId xmlns:a16="http://schemas.microsoft.com/office/drawing/2014/main" id="{533593D9-98E7-4AF6-9D14-57F1955D42EA}"/>
+              </a:ext>
+            </a:extLst>
+          </p:cNvPr>
+          <p:cNvSpPr txBox="1">
+            <a:spLocks/>
+          </p:cNvSpPr>
+          <p:nvPr/>
+        </p:nvSpPr>
+        <p:spPr>
+          <a:xfrm>
+            <a:off x="6498941" y="912754"/>
+            <a:ext cx="2400875" cy="458138"/>
+          </a:xfrm>
+          <a:prstGeom prst="rect">
+            <a:avLst/>
+          </a:prstGeom>
+          <a:noFill/>
+          <a:ln>
+            <a:noFill/>
+          </a:ln>
+        </p:spPr>
+        <p:txBody>
+          <a:bodyPr spcFirstLastPara="1" wrap="square" lIns="91425" tIns="45700" rIns="91425" bIns="45700" anchor="ctr" anchorCtr="0">
+            <a:noAutofit/>
+          </a:bodyPr>
+          <a:lstStyle>
+            <a:defPPr marR="0" lvl="0" algn="l" rtl="0">
+              <a:lnSpc>
+                <a:spcPct val="100000"/>
+              </a:lnSpc>
+              <a:spcBef>
+                <a:spcPts val="0"/>
+              </a:spcBef>
+              <a:spcAft>
+                <a:spcPts val="0"/>
+              </a:spcAft>
+            </a:defPPr>
+            <a:lvl1pPr marR="0" lvl="0" algn="ctr" rtl="0">
+              <a:lnSpc>
+                <a:spcPct val="100000"/>
+              </a:lnSpc>
+              <a:spcBef>
+                <a:spcPts val="0"/>
+              </a:spcBef>
+              <a:spcAft>
+                <a:spcPts val="0"/>
+              </a:spcAft>
+              <a:buClr>
+                <a:schemeClr val="dk1"/>
+              </a:buClr>
+              <a:buSzPts val="4400"/>
+              <a:buFont typeface="Calibri"/>
+              <a:buNone/>
+              <a:defRPr sz="4400" b="0" i="0" u="none" strike="noStrike" cap="none">
+                <a:solidFill>
+                  <a:schemeClr val="dk1"/>
+                </a:solidFill>
+                <a:latin typeface="Calibri"/>
+                <a:ea typeface="Calibri"/>
+                <a:cs typeface="Calibri"/>
+                <a:sym typeface="Calibri"/>
+              </a:defRPr>
+            </a:lvl1pPr>
+            <a:lvl2pPr lvl="1">
+              <a:spcBef>
+                <a:spcPts val="0"/>
+              </a:spcBef>
+              <a:spcAft>
+                <a:spcPts val="0"/>
+              </a:spcAft>
+              <a:buSzPts val="1400"/>
+              <a:buNone/>
+              <a:defRPr sz="1800"/>
+            </a:lvl2pPr>
+            <a:lvl3pPr lvl="2">
+              <a:spcBef>
+                <a:spcPts val="0"/>
+              </a:spcBef>
+              <a:spcAft>
+                <a:spcPts val="0"/>
+              </a:spcAft>
+              <a:buSzPts val="1400"/>
+              <a:buNone/>
+              <a:defRPr sz="1800"/>
+            </a:lvl3pPr>
+            <a:lvl4pPr lvl="3">
+              <a:spcBef>
+                <a:spcPts val="0"/>
+              </a:spcBef>
+              <a:spcAft>
+                <a:spcPts val="0"/>
+              </a:spcAft>
+              <a:buSzPts val="1400"/>
+              <a:buNone/>
+              <a:defRPr sz="1800"/>
+            </a:lvl4pPr>
+            <a:lvl5pPr lvl="4">
+              <a:spcBef>
+                <a:spcPts val="0"/>
+              </a:spcBef>
+              <a:spcAft>
+                <a:spcPts val="0"/>
+              </a:spcAft>
+              <a:buSzPts val="1400"/>
+              <a:buNone/>
+              <a:defRPr sz="1800"/>
+            </a:lvl5pPr>
+            <a:lvl6pPr lvl="5">
+              <a:spcBef>
+                <a:spcPts val="0"/>
+              </a:spcBef>
+              <a:spcAft>
+                <a:spcPts val="0"/>
+              </a:spcAft>
+              <a:buSzPts val="1400"/>
+              <a:buNone/>
+              <a:defRPr sz="1800"/>
+            </a:lvl6pPr>
+            <a:lvl7pPr lvl="6">
+              <a:spcBef>
+                <a:spcPts val="0"/>
+              </a:spcBef>
+              <a:spcAft>
+                <a:spcPts val="0"/>
+              </a:spcAft>
+              <a:buSzPts val="1400"/>
+              <a:buNone/>
+              <a:defRPr sz="1800"/>
+            </a:lvl7pPr>
+            <a:lvl8pPr lvl="7">
+              <a:spcBef>
+                <a:spcPts val="0"/>
+              </a:spcBef>
+              <a:spcAft>
+                <a:spcPts val="0"/>
+              </a:spcAft>
+              <a:buSzPts val="1400"/>
+              <a:buNone/>
+              <a:defRPr sz="1800"/>
+            </a:lvl8pPr>
+            <a:lvl9pPr lvl="8">
+              <a:spcBef>
+                <a:spcPts val="0"/>
+              </a:spcBef>
+              <a:spcAft>
+                <a:spcPts val="0"/>
+              </a:spcAft>
+              <a:buSzPts val="1400"/>
+              <a:buNone/>
+              <a:defRPr sz="1800"/>
+            </a:lvl9pPr>
+          </a:lstStyle>
+          <a:p>
+            <a:pPr algn="l"/>
+            <a:r>
+              <a:rPr lang="en-US" sz="2000" b="1" dirty="0">
+                <a:solidFill>
+                  <a:srgbClr val="262626"/>
+                </a:solidFill>
+                <a:latin typeface="Roboto"/>
+                <a:ea typeface="Roboto"/>
+                <a:cs typeface="Roboto"/>
+                <a:sym typeface="Roboto"/>
+              </a:rPr>
+              <a:t>REST constraints</a:t>
+            </a:r>
+            <a:endParaRPr lang="ru-RU" sz="2000" b="1" dirty="0">
+              <a:solidFill>
+                <a:srgbClr val="262626"/>
+              </a:solidFill>
+              <a:latin typeface="Roboto"/>
+              <a:ea typeface="Roboto"/>
+              <a:cs typeface="Roboto"/>
+              <a:sym typeface="Roboto"/>
+            </a:endParaRPr>
+          </a:p>
+        </p:txBody>
+      </p:sp>
+    </p:spTree>
+    <p:extLst>
+      <p:ext uri="{BB962C8B-B14F-4D97-AF65-F5344CB8AC3E}">
+        <p14:creationId xmlns:p14="http://schemas.microsoft.com/office/powerpoint/2010/main" val="1718163694"/>
+      </p:ext>
+    </p:extLst>
+  </p:cSld>
+  <p:clrMapOvr>
+    <a:masterClrMapping/>
+  </p:clrMapOvr>
+  <p:transition>
+    <p:fade/>
+  </p:transition>
+</p:sld>
+</file>
+
+<file path=ppt/slides/slide12.xml><?xml version="1.0" encoding="utf-8"?>
+<p:sld xmlns:a="http://schemas.openxmlformats.org/drawingml/2006/main" xmlns:r="http://schemas.openxmlformats.org/officeDocument/2006/relationships" xmlns:p="http://schemas.openxmlformats.org/presentationml/2006/main">
+  <p:cSld>
+    <p:spTree>
+      <p:nvGrpSpPr>
+        <p:cNvPr id="1" name="Shape 156"/>
+        <p:cNvGrpSpPr/>
+        <p:nvPr/>
+      </p:nvGrpSpPr>
+      <p:grpSpPr>
+        <a:xfrm>
+          <a:off x="0" y="0"/>
+          <a:ext cx="0" cy="0"/>
+          <a:chOff x="0" y="0"/>
+          <a:chExt cx="0" cy="0"/>
+        </a:xfrm>
+      </p:grpSpPr>
+      <p:sp>
+        <p:nvSpPr>
+          <p:cNvPr id="158" name="Shape 158"/>
+          <p:cNvSpPr txBox="1">
+            <a:spLocks noGrp="1"/>
+          </p:cNvSpPr>
+          <p:nvPr>
+            <p:ph type="title"/>
+          </p:nvPr>
+        </p:nvSpPr>
+        <p:spPr>
+          <a:xfrm>
+            <a:off x="514564" y="1765007"/>
+            <a:ext cx="8229600" cy="762818"/>
+          </a:xfrm>
+          <a:prstGeom prst="rect">
+            <a:avLst/>
+          </a:prstGeom>
+          <a:noFill/>
+          <a:ln>
+            <a:noFill/>
+          </a:ln>
+        </p:spPr>
+        <p:txBody>
+          <a:bodyPr spcFirstLastPara="1" wrap="square" lIns="91425" tIns="45700" rIns="91425" bIns="45700" anchor="ctr" anchorCtr="0">
+            <a:noAutofit/>
+          </a:bodyPr>
+          <a:lstStyle/>
+          <a:p>
+            <a:pPr marL="0" marR="0" lvl="0" indent="0" algn="l" rtl="0">
+              <a:spcBef>
+                <a:spcPts val="0"/>
+              </a:spcBef>
+              <a:spcAft>
+                <a:spcPts val="0"/>
+              </a:spcAft>
+              <a:buClr>
+                <a:schemeClr val="dk1"/>
+              </a:buClr>
+              <a:buSzPts val="4400"/>
+              <a:buFont typeface="Calibri"/>
+              <a:buNone/>
+            </a:pPr>
+            <a:r>
+              <a:rPr lang="en-US" sz="4100" b="1" i="0" u="none" strike="noStrike" cap="none" dirty="0">
+                <a:solidFill>
+                  <a:srgbClr val="262626"/>
+                </a:solidFill>
+                <a:latin typeface="Roboto"/>
+                <a:ea typeface="Roboto"/>
+                <a:cs typeface="Roboto"/>
+                <a:sym typeface="Roboto"/>
+              </a:rPr>
+              <a:t>Uniform </a:t>
+            </a:r>
+            <a:r>
+              <a:rPr lang="en-US" sz="4100" b="1" dirty="0">
+                <a:solidFill>
+                  <a:srgbClr val="262626"/>
+                </a:solidFill>
+                <a:latin typeface="Roboto"/>
+                <a:ea typeface="Roboto"/>
+                <a:cs typeface="Roboto"/>
+                <a:sym typeface="Roboto"/>
+              </a:rPr>
+              <a:t>Interface</a:t>
+            </a:r>
+            <a:endParaRPr lang="ru-RU" sz="4100" b="1" i="0" u="none" strike="noStrike" cap="none" dirty="0">
+              <a:solidFill>
+                <a:srgbClr val="262626"/>
+              </a:solidFill>
+              <a:latin typeface="Roboto"/>
+              <a:ea typeface="Roboto"/>
+              <a:cs typeface="Roboto"/>
+              <a:sym typeface="Roboto"/>
+            </a:endParaRPr>
+          </a:p>
+        </p:txBody>
+      </p:sp>
+      <p:sp>
+        <p:nvSpPr>
+          <p:cNvPr id="159" name="Shape 159"/>
+          <p:cNvSpPr/>
+          <p:nvPr/>
+        </p:nvSpPr>
+        <p:spPr>
+          <a:xfrm>
+            <a:off x="7145316" y="408237"/>
+            <a:ext cx="1856100" cy="290400"/>
+          </a:xfrm>
+          <a:prstGeom prst="roundRect">
+            <a:avLst>
+              <a:gd name="adj" fmla="val 0"/>
+            </a:avLst>
+          </a:prstGeom>
+          <a:noFill/>
+          <a:ln>
+            <a:noFill/>
+          </a:ln>
+        </p:spPr>
+        <p:txBody>
+          <a:bodyPr spcFirstLastPara="1" wrap="square" lIns="91425" tIns="45700" rIns="91425" bIns="45700" anchor="ctr" anchorCtr="0">
+            <a:noAutofit/>
+          </a:bodyPr>
+          <a:lstStyle/>
+          <a:p>
+            <a:pPr marL="0" marR="0" lvl="0" indent="0" algn="ctr" rtl="0">
+              <a:spcBef>
+                <a:spcPts val="0"/>
+              </a:spcBef>
+              <a:spcAft>
+                <a:spcPts val="0"/>
+              </a:spcAft>
+              <a:buClr>
+                <a:schemeClr val="lt1"/>
+              </a:buClr>
+              <a:buSzPts val="1200"/>
+              <a:buFont typeface="Arial"/>
+              <a:buNone/>
+            </a:pPr>
+            <a:r>
+              <a:rPr lang="en-US" sz="1500" b="1" i="0" strike="noStrike" cap="none">
+                <a:solidFill>
+                  <a:srgbClr val="262626"/>
+                </a:solidFill>
+                <a:latin typeface="Roboto"/>
+                <a:ea typeface="Roboto"/>
+                <a:cs typeface="Roboto"/>
+                <a:sym typeface="Roboto"/>
+              </a:rPr>
+              <a:t>www.itea.ua</a:t>
+            </a:r>
+            <a:endParaRPr sz="1500" b="1" i="0" strike="noStrike" cap="none">
+              <a:solidFill>
+                <a:srgbClr val="262626"/>
+              </a:solidFill>
+              <a:latin typeface="Roboto"/>
+              <a:ea typeface="Roboto"/>
+              <a:cs typeface="Roboto"/>
+              <a:sym typeface="Roboto"/>
+            </a:endParaRPr>
+          </a:p>
+        </p:txBody>
+      </p:sp>
+      <p:sp>
+        <p:nvSpPr>
+          <p:cNvPr id="160" name="Shape 160"/>
+          <p:cNvSpPr/>
+          <p:nvPr/>
+        </p:nvSpPr>
+        <p:spPr>
+          <a:xfrm rot="10800000" flipH="1">
+            <a:off x="0" y="1127850"/>
+            <a:ext cx="3143100" cy="42300"/>
+          </a:xfrm>
+          <a:prstGeom prst="rect">
+            <a:avLst/>
+          </a:prstGeom>
+          <a:solidFill>
+            <a:srgbClr val="CC0000"/>
+          </a:solidFill>
+          <a:ln>
+            <a:noFill/>
+          </a:ln>
+        </p:spPr>
+        <p:txBody>
+          <a:bodyPr spcFirstLastPara="1" wrap="square" lIns="91425" tIns="91425" rIns="91425" bIns="91425" anchor="ctr" anchorCtr="0">
+            <a:noAutofit/>
+          </a:bodyPr>
+          <a:lstStyle/>
+          <a:p>
+            <a:pPr marL="0" lvl="0" indent="0">
+              <a:spcBef>
+                <a:spcPts val="0"/>
+              </a:spcBef>
+              <a:spcAft>
+                <a:spcPts val="0"/>
+              </a:spcAft>
+              <a:buNone/>
+            </a:pPr>
+            <a:r>
+              <a:rPr lang="en-US"/>
+              <a:t>                                                                                     </a:t>
+            </a:r>
+            <a:endParaRPr/>
+          </a:p>
+        </p:txBody>
+      </p:sp>
+      <p:sp>
+        <p:nvSpPr>
+          <p:cNvPr id="161" name="Shape 161"/>
+          <p:cNvSpPr/>
+          <p:nvPr/>
+        </p:nvSpPr>
+        <p:spPr>
+          <a:xfrm rot="10800000" flipH="1">
+            <a:off x="3067050" y="1127850"/>
+            <a:ext cx="3143100" cy="42300"/>
+          </a:xfrm>
+          <a:prstGeom prst="rect">
+            <a:avLst/>
+          </a:prstGeom>
+          <a:solidFill>
+            <a:srgbClr val="262626"/>
+          </a:solidFill>
+          <a:ln>
+            <a:noFill/>
+          </a:ln>
+        </p:spPr>
+        <p:txBody>
+          <a:bodyPr spcFirstLastPara="1" wrap="square" lIns="91425" tIns="91425" rIns="91425" bIns="91425" anchor="ctr" anchorCtr="0">
+            <a:noAutofit/>
+          </a:bodyPr>
+          <a:lstStyle/>
+          <a:p>
+            <a:pPr marL="0" lvl="0" indent="0">
+              <a:spcBef>
+                <a:spcPts val="0"/>
+              </a:spcBef>
+              <a:spcAft>
+                <a:spcPts val="0"/>
+              </a:spcAft>
+              <a:buNone/>
+            </a:pPr>
+            <a:endParaRPr/>
+          </a:p>
+        </p:txBody>
+      </p:sp>
+      <p:pic>
+        <p:nvPicPr>
+          <p:cNvPr id="162" name="Shape 162"/>
+          <p:cNvPicPr preferRelativeResize="0"/>
+          <p:nvPr/>
+        </p:nvPicPr>
+        <p:blipFill>
+          <a:blip r:embed="rId3">
+            <a:alphaModFix/>
+          </a:blip>
+          <a:stretch>
+            <a:fillRect/>
+          </a:stretch>
+        </p:blipFill>
+        <p:spPr>
+          <a:xfrm>
+            <a:off x="353700" y="302000"/>
+            <a:ext cx="1741800" cy="502875"/>
+          </a:xfrm>
+          <a:prstGeom prst="rect">
+            <a:avLst/>
+          </a:prstGeom>
+          <a:noFill/>
+          <a:ln>
+            <a:noFill/>
+          </a:ln>
+        </p:spPr>
+      </p:pic>
+      <p:sp>
+        <p:nvSpPr>
+          <p:cNvPr id="163" name="Shape 163"/>
+          <p:cNvSpPr txBox="1"/>
+          <p:nvPr/>
+        </p:nvSpPr>
+        <p:spPr>
+          <a:xfrm>
+            <a:off x="467326" y="2823381"/>
+            <a:ext cx="8181300" cy="3074100"/>
+          </a:xfrm>
+          <a:prstGeom prst="rect">
+            <a:avLst/>
+          </a:prstGeom>
+          <a:noFill/>
+          <a:ln>
+            <a:noFill/>
+          </a:ln>
+        </p:spPr>
+        <p:txBody>
+          <a:bodyPr spcFirstLastPara="1" wrap="square" lIns="91425" tIns="45700" rIns="91425" bIns="45700" anchor="ctr" anchorCtr="0">
+            <a:noAutofit/>
+          </a:bodyPr>
+          <a:lstStyle/>
+          <a:p>
+            <a:pPr lvl="0" indent="-12700">
+              <a:buSzPts val="2000"/>
+              <a:buFont typeface="Noto Sans Symbols"/>
+              <a:buChar char="▪"/>
+            </a:pPr>
+            <a:r>
+              <a:rPr lang="ru-RU" sz="2000" dirty="0">
+                <a:solidFill>
+                  <a:schemeClr val="tx1"/>
+                </a:solidFill>
+                <a:latin typeface="Roboto"/>
+                <a:ea typeface="Roboto"/>
+                <a:cs typeface="Calibri"/>
+                <a:sym typeface="Calibri"/>
+              </a:rPr>
+              <a:t> Устанавливает интерфейс взаимодействия между клиентом и сервером.</a:t>
+            </a:r>
+            <a:endParaRPr lang="ru-RU" sz="2000" dirty="0">
+              <a:latin typeface="Roboto"/>
+              <a:ea typeface="Roboto"/>
+              <a:sym typeface="Roboto"/>
+            </a:endParaRPr>
+          </a:p>
+          <a:p>
+            <a:pPr marL="0" marR="0" lvl="0" indent="-12700" algn="l" rtl="0">
+              <a:spcBef>
+                <a:spcPts val="0"/>
+              </a:spcBef>
+              <a:spcAft>
+                <a:spcPts val="0"/>
+              </a:spcAft>
+              <a:buSzPts val="2000"/>
+              <a:buFont typeface="Noto Sans Symbols"/>
+              <a:buChar char="▪"/>
+            </a:pPr>
+            <a:endParaRPr lang="ru-RU" sz="2000" dirty="0">
+              <a:solidFill>
+                <a:schemeClr val="tx1"/>
+              </a:solidFill>
+              <a:latin typeface="Roboto"/>
+              <a:ea typeface="Roboto"/>
+              <a:cs typeface="Calibri"/>
+              <a:sym typeface="Roboto"/>
+            </a:endParaRPr>
+          </a:p>
+          <a:p>
+            <a:pPr marL="0" marR="0" lvl="0" indent="-12700" algn="l" rtl="0">
+              <a:spcBef>
+                <a:spcPts val="0"/>
+              </a:spcBef>
+              <a:spcAft>
+                <a:spcPts val="0"/>
+              </a:spcAft>
+              <a:buSzPts val="2000"/>
+              <a:buFont typeface="Noto Sans Symbols"/>
+              <a:buChar char="▪"/>
+            </a:pPr>
+            <a:r>
+              <a:rPr lang="ru-RU" sz="2000" dirty="0">
+                <a:solidFill>
+                  <a:schemeClr val="tx1"/>
+                </a:solidFill>
+                <a:latin typeface="Roboto"/>
+                <a:ea typeface="Roboto"/>
+                <a:cs typeface="Calibri"/>
+                <a:sym typeface="Roboto"/>
+              </a:rPr>
+              <a:t> Благодаря определенному интерфейсу коммуникации клиент и сервер могут развиватся независимо.</a:t>
+            </a:r>
+            <a:endParaRPr lang="ru-RU" sz="2000" dirty="0">
+              <a:solidFill>
+                <a:schemeClr val="tx1"/>
+              </a:solidFill>
+              <a:latin typeface="Roboto"/>
+              <a:ea typeface="Roboto"/>
+              <a:cs typeface="Calibri"/>
+            </a:endParaRPr>
+          </a:p>
+          <a:p>
+            <a:pPr lvl="0" indent="-12700">
+              <a:buSzPts val="2000"/>
+              <a:buFont typeface="Noto Sans Symbols"/>
+              <a:buChar char="▪"/>
+            </a:pPr>
+            <a:endParaRPr lang="ru-RU" sz="2000" dirty="0">
+              <a:solidFill>
+                <a:schemeClr val="tx1"/>
+              </a:solidFill>
+              <a:latin typeface="Roboto"/>
+              <a:ea typeface="Roboto"/>
+              <a:cs typeface="Calibri"/>
+              <a:sym typeface="Calibri"/>
+            </a:endParaRPr>
+          </a:p>
+          <a:p>
+            <a:pPr indent="-12700">
+              <a:buSzPts val="2000"/>
+              <a:buFont typeface="Noto Sans Symbols"/>
+              <a:buChar char="▪"/>
+            </a:pPr>
+            <a:r>
+              <a:rPr lang="ru-RU" sz="2000" dirty="0">
+                <a:solidFill>
+                  <a:schemeClr val="tx1"/>
+                </a:solidFill>
+                <a:latin typeface="Roboto"/>
+                <a:ea typeface="Roboto"/>
+                <a:cs typeface="Calibri"/>
+              </a:rPr>
+              <a:t> Ограничение единого интерфейса определяет 4 принципа единого интерфейса.</a:t>
+            </a:r>
+          </a:p>
+          <a:p>
+            <a:pPr lvl="0" indent="-12700">
+              <a:buSzPts val="2000"/>
+              <a:buFont typeface="Noto Sans Symbols"/>
+              <a:buChar char="▪"/>
+            </a:pPr>
+            <a:endParaRPr sz="2000" dirty="0">
+              <a:solidFill>
+                <a:schemeClr val="tx1"/>
+              </a:solidFill>
+              <a:latin typeface="Roboto"/>
+              <a:ea typeface="Roboto"/>
+              <a:sym typeface="Calibri"/>
+            </a:endParaRPr>
+          </a:p>
+        </p:txBody>
+      </p:sp>
+      <p:sp>
+        <p:nvSpPr>
+          <p:cNvPr id="9" name="Shape 158">
+            <a:extLst>
+              <a:ext uri="{FF2B5EF4-FFF2-40B4-BE49-F238E27FC236}">
+                <a16:creationId xmlns:a16="http://schemas.microsoft.com/office/drawing/2014/main" id="{B205CF65-8177-4E03-8053-643E4C18B7C8}"/>
+              </a:ext>
+            </a:extLst>
+          </p:cNvPr>
+          <p:cNvSpPr txBox="1">
+            <a:spLocks/>
+          </p:cNvSpPr>
+          <p:nvPr/>
+        </p:nvSpPr>
+        <p:spPr>
+          <a:xfrm>
+            <a:off x="6498941" y="912754"/>
+            <a:ext cx="2400875" cy="458138"/>
+          </a:xfrm>
+          <a:prstGeom prst="rect">
+            <a:avLst/>
+          </a:prstGeom>
+          <a:noFill/>
+          <a:ln>
+            <a:noFill/>
+          </a:ln>
+        </p:spPr>
+        <p:txBody>
+          <a:bodyPr spcFirstLastPara="1" wrap="square" lIns="91425" tIns="45700" rIns="91425" bIns="45700" anchor="ctr" anchorCtr="0">
+            <a:noAutofit/>
+          </a:bodyPr>
+          <a:lstStyle>
+            <a:defPPr marR="0" lvl="0" algn="l" rtl="0">
+              <a:lnSpc>
+                <a:spcPct val="100000"/>
+              </a:lnSpc>
+              <a:spcBef>
+                <a:spcPts val="0"/>
+              </a:spcBef>
+              <a:spcAft>
+                <a:spcPts val="0"/>
+              </a:spcAft>
+            </a:defPPr>
+            <a:lvl1pPr marR="0" lvl="0" algn="ctr" rtl="0">
+              <a:lnSpc>
+                <a:spcPct val="100000"/>
+              </a:lnSpc>
+              <a:spcBef>
+                <a:spcPts val="0"/>
+              </a:spcBef>
+              <a:spcAft>
+                <a:spcPts val="0"/>
+              </a:spcAft>
+              <a:buClr>
+                <a:schemeClr val="dk1"/>
+              </a:buClr>
+              <a:buSzPts val="4400"/>
+              <a:buFont typeface="Calibri"/>
+              <a:buNone/>
+              <a:defRPr sz="4400" b="0" i="0" u="none" strike="noStrike" cap="none">
+                <a:solidFill>
+                  <a:schemeClr val="dk1"/>
+                </a:solidFill>
+                <a:latin typeface="Calibri"/>
+                <a:ea typeface="Calibri"/>
+                <a:cs typeface="Calibri"/>
+                <a:sym typeface="Calibri"/>
+              </a:defRPr>
+            </a:lvl1pPr>
+            <a:lvl2pPr lvl="1">
+              <a:spcBef>
+                <a:spcPts val="0"/>
+              </a:spcBef>
+              <a:spcAft>
+                <a:spcPts val="0"/>
+              </a:spcAft>
+              <a:buSzPts val="1400"/>
+              <a:buNone/>
+              <a:defRPr sz="1800"/>
+            </a:lvl2pPr>
+            <a:lvl3pPr lvl="2">
+              <a:spcBef>
+                <a:spcPts val="0"/>
+              </a:spcBef>
+              <a:spcAft>
+                <a:spcPts val="0"/>
+              </a:spcAft>
+              <a:buSzPts val="1400"/>
+              <a:buNone/>
+              <a:defRPr sz="1800"/>
+            </a:lvl3pPr>
+            <a:lvl4pPr lvl="3">
+              <a:spcBef>
+                <a:spcPts val="0"/>
+              </a:spcBef>
+              <a:spcAft>
+                <a:spcPts val="0"/>
+              </a:spcAft>
+              <a:buSzPts val="1400"/>
+              <a:buNone/>
+              <a:defRPr sz="1800"/>
+            </a:lvl4pPr>
+            <a:lvl5pPr lvl="4">
+              <a:spcBef>
+                <a:spcPts val="0"/>
+              </a:spcBef>
+              <a:spcAft>
+                <a:spcPts val="0"/>
+              </a:spcAft>
+              <a:buSzPts val="1400"/>
+              <a:buNone/>
+              <a:defRPr sz="1800"/>
+            </a:lvl5pPr>
+            <a:lvl6pPr lvl="5">
+              <a:spcBef>
+                <a:spcPts val="0"/>
+              </a:spcBef>
+              <a:spcAft>
+                <a:spcPts val="0"/>
+              </a:spcAft>
+              <a:buSzPts val="1400"/>
+              <a:buNone/>
+              <a:defRPr sz="1800"/>
+            </a:lvl6pPr>
+            <a:lvl7pPr lvl="6">
+              <a:spcBef>
+                <a:spcPts val="0"/>
+              </a:spcBef>
+              <a:spcAft>
+                <a:spcPts val="0"/>
+              </a:spcAft>
+              <a:buSzPts val="1400"/>
+              <a:buNone/>
+              <a:defRPr sz="1800"/>
+            </a:lvl7pPr>
+            <a:lvl8pPr lvl="7">
+              <a:spcBef>
+                <a:spcPts val="0"/>
+              </a:spcBef>
+              <a:spcAft>
+                <a:spcPts val="0"/>
+              </a:spcAft>
+              <a:buSzPts val="1400"/>
+              <a:buNone/>
+              <a:defRPr sz="1800"/>
+            </a:lvl8pPr>
+            <a:lvl9pPr lvl="8">
+              <a:spcBef>
+                <a:spcPts val="0"/>
+              </a:spcBef>
+              <a:spcAft>
+                <a:spcPts val="0"/>
+              </a:spcAft>
+              <a:buSzPts val="1400"/>
+              <a:buNone/>
+              <a:defRPr sz="1800"/>
+            </a:lvl9pPr>
+          </a:lstStyle>
+          <a:p>
+            <a:pPr algn="l"/>
+            <a:r>
+              <a:rPr lang="en-US" sz="2000" b="1" dirty="0">
+                <a:solidFill>
+                  <a:srgbClr val="262626"/>
+                </a:solidFill>
+                <a:latin typeface="Roboto"/>
+                <a:ea typeface="Roboto"/>
+                <a:cs typeface="Roboto"/>
+                <a:sym typeface="Roboto"/>
+              </a:rPr>
+              <a:t>REST constraints</a:t>
+            </a:r>
+            <a:endParaRPr lang="ru-RU" sz="2000" b="1" dirty="0">
+              <a:solidFill>
+                <a:srgbClr val="262626"/>
+              </a:solidFill>
+              <a:latin typeface="Roboto"/>
+              <a:ea typeface="Roboto"/>
+              <a:cs typeface="Roboto"/>
+              <a:sym typeface="Roboto"/>
+            </a:endParaRPr>
+          </a:p>
+        </p:txBody>
+      </p:sp>
+    </p:spTree>
+    <p:extLst>
+      <p:ext uri="{BB962C8B-B14F-4D97-AF65-F5344CB8AC3E}">
+        <p14:creationId xmlns:p14="http://schemas.microsoft.com/office/powerpoint/2010/main" val="2019257496"/>
+      </p:ext>
+    </p:extLst>
+  </p:cSld>
+  <p:clrMapOvr>
+    <a:masterClrMapping/>
+  </p:clrMapOvr>
+  <p:transition>
+    <p:fade/>
+  </p:transition>
+</p:sld>
+</file>
+
+<file path=ppt/slides/slide13.xml><?xml version="1.0" encoding="utf-8"?>
+<p:sld xmlns:a="http://schemas.openxmlformats.org/drawingml/2006/main" xmlns:r="http://schemas.openxmlformats.org/officeDocument/2006/relationships" xmlns:p="http://schemas.openxmlformats.org/presentationml/2006/main">
+  <p:cSld>
+    <p:spTree>
+      <p:nvGrpSpPr>
+        <p:cNvPr id="1" name="Shape 156"/>
+        <p:cNvGrpSpPr/>
+        <p:nvPr/>
+      </p:nvGrpSpPr>
+      <p:grpSpPr>
+        <a:xfrm>
+          <a:off x="0" y="0"/>
+          <a:ext cx="0" cy="0"/>
+          <a:chOff x="0" y="0"/>
+          <a:chExt cx="0" cy="0"/>
+        </a:xfrm>
+      </p:grpSpPr>
+      <p:sp>
+        <p:nvSpPr>
+          <p:cNvPr id="158" name="Shape 158"/>
+          <p:cNvSpPr txBox="1">
+            <a:spLocks noGrp="1"/>
+          </p:cNvSpPr>
+          <p:nvPr>
+            <p:ph type="title"/>
+          </p:nvPr>
+        </p:nvSpPr>
+        <p:spPr>
+          <a:xfrm>
+            <a:off x="496092" y="1450975"/>
+            <a:ext cx="8229600" cy="386119"/>
+          </a:xfrm>
+          <a:prstGeom prst="rect">
+            <a:avLst/>
+          </a:prstGeom>
+          <a:noFill/>
+          <a:ln>
+            <a:noFill/>
+          </a:ln>
+        </p:spPr>
+        <p:txBody>
+          <a:bodyPr spcFirstLastPara="1" wrap="square" lIns="91425" tIns="45700" rIns="91425" bIns="45700" anchor="ctr" anchorCtr="0">
+            <a:noAutofit/>
+          </a:bodyPr>
+          <a:lstStyle/>
+          <a:p>
+            <a:pPr marL="0" marR="0" lvl="0" indent="0" algn="l" rtl="0">
+              <a:spcBef>
+                <a:spcPts val="0"/>
+              </a:spcBef>
+              <a:spcAft>
+                <a:spcPts val="0"/>
+              </a:spcAft>
+              <a:buClr>
+                <a:schemeClr val="dk1"/>
+              </a:buClr>
+              <a:buSzPts val="4400"/>
+              <a:buFont typeface="Calibri"/>
+              <a:buNone/>
+            </a:pPr>
+            <a:r>
+              <a:rPr lang="ru-RU" sz="4100" b="1" dirty="0">
+                <a:solidFill>
+                  <a:srgbClr val="262626"/>
+                </a:solidFill>
+                <a:latin typeface="Roboto"/>
+                <a:ea typeface="Roboto"/>
+                <a:cs typeface="Roboto"/>
+                <a:sym typeface="Roboto"/>
+              </a:rPr>
+              <a:t>Принципы</a:t>
+            </a:r>
+            <a:r>
+              <a:rPr lang="ru-RU" sz="4100" b="1" i="0" u="none" strike="noStrike" cap="none" dirty="0">
+                <a:solidFill>
+                  <a:srgbClr val="262626"/>
+                </a:solidFill>
+                <a:latin typeface="Roboto"/>
+                <a:ea typeface="Roboto"/>
+                <a:cs typeface="Roboto"/>
+                <a:sym typeface="Roboto"/>
+              </a:rPr>
+              <a:t> </a:t>
+            </a:r>
+            <a:r>
+              <a:rPr lang="en-US" sz="4100" b="1" i="0" u="none" strike="noStrike" cap="none" dirty="0">
+                <a:solidFill>
+                  <a:srgbClr val="262626"/>
+                </a:solidFill>
+                <a:latin typeface="Roboto"/>
+                <a:ea typeface="Roboto"/>
+                <a:cs typeface="Roboto"/>
+                <a:sym typeface="Roboto"/>
+              </a:rPr>
+              <a:t>Uniform Interface</a:t>
+            </a:r>
+            <a:endParaRPr lang="ru-RU" sz="4100" b="1" i="0" u="none" strike="noStrike" cap="none" dirty="0">
+              <a:solidFill>
+                <a:srgbClr val="262626"/>
+              </a:solidFill>
+              <a:latin typeface="Roboto"/>
+              <a:ea typeface="Roboto"/>
+              <a:cs typeface="Roboto"/>
+              <a:sym typeface="Roboto"/>
+            </a:endParaRPr>
+          </a:p>
+        </p:txBody>
+      </p:sp>
+      <p:sp>
+        <p:nvSpPr>
+          <p:cNvPr id="159" name="Shape 159"/>
+          <p:cNvSpPr/>
+          <p:nvPr/>
+        </p:nvSpPr>
+        <p:spPr>
+          <a:xfrm>
+            <a:off x="7145316" y="408237"/>
+            <a:ext cx="1856100" cy="290400"/>
+          </a:xfrm>
+          <a:prstGeom prst="roundRect">
+            <a:avLst>
+              <a:gd name="adj" fmla="val 0"/>
+            </a:avLst>
+          </a:prstGeom>
+          <a:noFill/>
+          <a:ln>
+            <a:noFill/>
+          </a:ln>
+        </p:spPr>
+        <p:txBody>
+          <a:bodyPr spcFirstLastPara="1" wrap="square" lIns="91425" tIns="45700" rIns="91425" bIns="45700" anchor="ctr" anchorCtr="0">
+            <a:noAutofit/>
+          </a:bodyPr>
+          <a:lstStyle/>
+          <a:p>
+            <a:pPr marL="0" marR="0" lvl="0" indent="0" algn="ctr" rtl="0">
+              <a:spcBef>
+                <a:spcPts val="0"/>
+              </a:spcBef>
+              <a:spcAft>
+                <a:spcPts val="0"/>
+              </a:spcAft>
+              <a:buClr>
+                <a:schemeClr val="lt1"/>
+              </a:buClr>
+              <a:buSzPts val="1200"/>
+              <a:buFont typeface="Arial"/>
+              <a:buNone/>
+            </a:pPr>
+            <a:r>
+              <a:rPr lang="en-US" sz="1500" b="1" i="0" strike="noStrike" cap="none">
+                <a:solidFill>
+                  <a:srgbClr val="262626"/>
+                </a:solidFill>
+                <a:latin typeface="Roboto"/>
+                <a:ea typeface="Roboto"/>
+                <a:cs typeface="Roboto"/>
+                <a:sym typeface="Roboto"/>
+              </a:rPr>
+              <a:t>www.itea.ua</a:t>
+            </a:r>
+            <a:endParaRPr sz="1500" b="1" i="0" strike="noStrike" cap="none">
+              <a:solidFill>
+                <a:srgbClr val="262626"/>
+              </a:solidFill>
+              <a:latin typeface="Roboto"/>
+              <a:ea typeface="Roboto"/>
+              <a:cs typeface="Roboto"/>
+              <a:sym typeface="Roboto"/>
+            </a:endParaRPr>
+          </a:p>
+        </p:txBody>
+      </p:sp>
+      <p:sp>
+        <p:nvSpPr>
+          <p:cNvPr id="160" name="Shape 160"/>
+          <p:cNvSpPr/>
+          <p:nvPr/>
+        </p:nvSpPr>
+        <p:spPr>
+          <a:xfrm rot="10800000" flipH="1">
+            <a:off x="0" y="1127850"/>
+            <a:ext cx="3143100" cy="42300"/>
+          </a:xfrm>
+          <a:prstGeom prst="rect">
+            <a:avLst/>
+          </a:prstGeom>
+          <a:solidFill>
+            <a:srgbClr val="CC0000"/>
+          </a:solidFill>
+          <a:ln>
+            <a:noFill/>
+          </a:ln>
+        </p:spPr>
+        <p:txBody>
+          <a:bodyPr spcFirstLastPara="1" wrap="square" lIns="91425" tIns="91425" rIns="91425" bIns="91425" anchor="ctr" anchorCtr="0">
+            <a:noAutofit/>
+          </a:bodyPr>
+          <a:lstStyle/>
+          <a:p>
+            <a:pPr marL="0" lvl="0" indent="0">
+              <a:spcBef>
+                <a:spcPts val="0"/>
+              </a:spcBef>
+              <a:spcAft>
+                <a:spcPts val="0"/>
+              </a:spcAft>
+              <a:buNone/>
+            </a:pPr>
+            <a:r>
+              <a:rPr lang="en-US"/>
+              <a:t>                                                                                     </a:t>
+            </a:r>
+            <a:endParaRPr/>
+          </a:p>
+        </p:txBody>
+      </p:sp>
+      <p:sp>
+        <p:nvSpPr>
+          <p:cNvPr id="161" name="Shape 161"/>
+          <p:cNvSpPr/>
+          <p:nvPr/>
+        </p:nvSpPr>
+        <p:spPr>
+          <a:xfrm rot="10800000" flipH="1">
+            <a:off x="3067050" y="1127850"/>
+            <a:ext cx="3143100" cy="42300"/>
+          </a:xfrm>
+          <a:prstGeom prst="rect">
+            <a:avLst/>
+          </a:prstGeom>
+          <a:solidFill>
+            <a:srgbClr val="262626"/>
+          </a:solidFill>
+          <a:ln>
+            <a:noFill/>
+          </a:ln>
+        </p:spPr>
+        <p:txBody>
+          <a:bodyPr spcFirstLastPara="1" wrap="square" lIns="91425" tIns="91425" rIns="91425" bIns="91425" anchor="ctr" anchorCtr="0">
+            <a:noAutofit/>
+          </a:bodyPr>
+          <a:lstStyle/>
+          <a:p>
+            <a:pPr marL="0" lvl="0" indent="0">
+              <a:spcBef>
+                <a:spcPts val="0"/>
+              </a:spcBef>
+              <a:spcAft>
+                <a:spcPts val="0"/>
+              </a:spcAft>
+              <a:buNone/>
+            </a:pPr>
+            <a:endParaRPr/>
+          </a:p>
+        </p:txBody>
+      </p:sp>
+      <p:pic>
+        <p:nvPicPr>
+          <p:cNvPr id="162" name="Shape 162"/>
+          <p:cNvPicPr preferRelativeResize="0"/>
+          <p:nvPr/>
+        </p:nvPicPr>
+        <p:blipFill>
+          <a:blip r:embed="rId3">
+            <a:alphaModFix/>
+          </a:blip>
+          <a:stretch>
+            <a:fillRect/>
+          </a:stretch>
+        </p:blipFill>
+        <p:spPr>
+          <a:xfrm>
+            <a:off x="353700" y="302000"/>
+            <a:ext cx="1741800" cy="502875"/>
+          </a:xfrm>
+          <a:prstGeom prst="rect">
+            <a:avLst/>
+          </a:prstGeom>
+          <a:noFill/>
+          <a:ln>
+            <a:noFill/>
+          </a:ln>
+        </p:spPr>
+      </p:pic>
+      <p:sp>
+        <p:nvSpPr>
+          <p:cNvPr id="163" name="Shape 163"/>
+          <p:cNvSpPr txBox="1"/>
+          <p:nvPr/>
+        </p:nvSpPr>
+        <p:spPr>
+          <a:xfrm>
+            <a:off x="467326" y="1917177"/>
+            <a:ext cx="8181300" cy="4871550"/>
+          </a:xfrm>
+          <a:prstGeom prst="rect">
+            <a:avLst/>
+          </a:prstGeom>
+          <a:noFill/>
+          <a:ln>
+            <a:noFill/>
+          </a:ln>
+        </p:spPr>
+        <p:txBody>
+          <a:bodyPr spcFirstLastPara="1" wrap="square" lIns="91425" tIns="45700" rIns="91425" bIns="45700" anchor="ctr" anchorCtr="0">
+            <a:noAutofit/>
+          </a:bodyPr>
+          <a:lstStyle/>
+          <a:p>
+            <a:pPr lvl="0" indent="-12700">
+              <a:buSzPts val="2000"/>
+              <a:buFont typeface="Noto Sans Symbols"/>
+              <a:buChar char="▪"/>
+            </a:pPr>
+            <a:r>
+              <a:rPr lang="ru-RU" sz="2000" dirty="0">
+                <a:solidFill>
+                  <a:schemeClr val="tx1"/>
+                </a:solidFill>
+                <a:latin typeface="Calibri"/>
+                <a:ea typeface="Roboto"/>
+                <a:cs typeface="Calibri"/>
+                <a:sym typeface="Calibri"/>
+              </a:rPr>
+              <a:t> </a:t>
+            </a:r>
+            <a:r>
+              <a:rPr lang="en-US" sz="2000" b="1" dirty="0">
+                <a:solidFill>
+                  <a:schemeClr val="tx1"/>
+                </a:solidFill>
+                <a:latin typeface="Roboto"/>
+                <a:ea typeface="Roboto"/>
+                <a:cs typeface="Calibri"/>
+                <a:sym typeface="Calibri"/>
+              </a:rPr>
+              <a:t>Resource-Based</a:t>
+            </a:r>
+            <a:r>
+              <a:rPr lang="en-US" sz="2000" dirty="0">
+                <a:solidFill>
+                  <a:schemeClr val="tx1"/>
+                </a:solidFill>
+                <a:latin typeface="Roboto"/>
+                <a:ea typeface="Roboto"/>
+                <a:cs typeface="Calibri"/>
+                <a:sym typeface="Calibri"/>
+              </a:rPr>
+              <a:t> – </a:t>
+            </a:r>
+            <a:r>
+              <a:rPr lang="ru-RU" sz="2000" dirty="0">
+                <a:solidFill>
+                  <a:schemeClr val="tx1"/>
+                </a:solidFill>
+                <a:latin typeface="Roboto"/>
+                <a:ea typeface="Roboto"/>
+                <a:cs typeface="Calibri"/>
+                <a:sym typeface="Calibri"/>
+              </a:rPr>
+              <a:t>ресурсы должны быть идентифицированы при помощи </a:t>
+            </a:r>
+            <a:r>
+              <a:rPr lang="en-US" sz="2000" dirty="0">
+                <a:solidFill>
+                  <a:schemeClr val="tx1"/>
+                </a:solidFill>
+                <a:latin typeface="Roboto"/>
+                <a:ea typeface="Roboto"/>
+                <a:cs typeface="Calibri"/>
+                <a:sym typeface="Calibri"/>
+              </a:rPr>
+              <a:t>URI</a:t>
+            </a:r>
+            <a:r>
+              <a:rPr lang="ru-RU" sz="2000" dirty="0">
+                <a:solidFill>
+                  <a:schemeClr val="tx1"/>
+                </a:solidFill>
+                <a:latin typeface="Roboto"/>
+                <a:ea typeface="Roboto"/>
+                <a:cs typeface="Calibri"/>
+                <a:sym typeface="Calibri"/>
+              </a:rPr>
+              <a:t>. При обращении к </a:t>
+            </a:r>
+            <a:r>
+              <a:rPr lang="en-US" sz="2000" dirty="0">
+                <a:solidFill>
+                  <a:schemeClr val="tx1"/>
+                </a:solidFill>
+                <a:latin typeface="Roboto"/>
+                <a:ea typeface="Roboto"/>
+                <a:cs typeface="Calibri"/>
+                <a:sym typeface="Calibri"/>
+              </a:rPr>
+              <a:t>URI </a:t>
+            </a:r>
+            <a:r>
+              <a:rPr lang="ru-RU" sz="2000" dirty="0">
+                <a:solidFill>
+                  <a:schemeClr val="tx1"/>
+                </a:solidFill>
+                <a:latin typeface="Roboto"/>
+                <a:ea typeface="Roboto"/>
+                <a:cs typeface="Calibri"/>
+                <a:sym typeface="Calibri"/>
+              </a:rPr>
+              <a:t>предостваляется репрезентация ресурса.</a:t>
+            </a:r>
+            <a:endParaRPr lang="en-US" sz="2000" dirty="0">
+              <a:solidFill>
+                <a:schemeClr val="tx1"/>
+              </a:solidFill>
+              <a:latin typeface="Roboto"/>
+              <a:ea typeface="Roboto"/>
+              <a:cs typeface="Calibri"/>
+              <a:sym typeface="Calibri"/>
+            </a:endParaRPr>
+          </a:p>
+          <a:p>
+            <a:pPr lvl="0">
+              <a:buSzPts val="2000"/>
+            </a:pPr>
+            <a:endParaRPr lang="en-US" sz="900" dirty="0">
+              <a:solidFill>
+                <a:schemeClr val="tx1"/>
+              </a:solidFill>
+              <a:latin typeface="Roboto"/>
+              <a:ea typeface="Roboto"/>
+              <a:cs typeface="Calibri"/>
+              <a:sym typeface="Calibri"/>
+            </a:endParaRPr>
+          </a:p>
+          <a:p>
+            <a:pPr lvl="0" indent="-12700">
+              <a:buSzPts val="2000"/>
+              <a:buFont typeface="Noto Sans Symbols"/>
+              <a:buChar char="▪"/>
+            </a:pPr>
+            <a:r>
+              <a:rPr lang="en-US" sz="2000" dirty="0">
+                <a:latin typeface="Roboto"/>
+                <a:ea typeface="Roboto"/>
+                <a:sym typeface="Roboto"/>
+              </a:rPr>
+              <a:t> </a:t>
+            </a:r>
+            <a:r>
+              <a:rPr lang="en-US" sz="2000" b="1" dirty="0">
+                <a:latin typeface="Roboto"/>
+                <a:ea typeface="Roboto"/>
+                <a:sym typeface="Roboto"/>
+              </a:rPr>
+              <a:t>Manipulation of Resources Through Representations</a:t>
+            </a:r>
+            <a:r>
+              <a:rPr lang="en-US" sz="2000" dirty="0">
+                <a:latin typeface="Roboto"/>
+                <a:ea typeface="Roboto"/>
+                <a:sym typeface="Roboto"/>
+              </a:rPr>
+              <a:t> – </a:t>
+            </a:r>
+            <a:r>
+              <a:rPr lang="ru-RU" sz="2000" dirty="0">
+                <a:latin typeface="Roboto"/>
+                <a:ea typeface="Roboto"/>
+                <a:sym typeface="Roboto"/>
+              </a:rPr>
+              <a:t>имея репрезентацию ресурса клиент может изменить или удалить ресурс, если имеет на то доступ.</a:t>
+            </a:r>
+          </a:p>
+          <a:p>
+            <a:pPr marL="0" marR="0" lvl="0" indent="-12700" algn="l" rtl="0">
+              <a:spcBef>
+                <a:spcPts val="0"/>
+              </a:spcBef>
+              <a:spcAft>
+                <a:spcPts val="0"/>
+              </a:spcAft>
+              <a:buSzPts val="2000"/>
+              <a:buFont typeface="Noto Sans Symbols"/>
+              <a:buChar char="▪"/>
+            </a:pPr>
+            <a:endParaRPr lang="ru-RU" sz="900" dirty="0">
+              <a:solidFill>
+                <a:schemeClr val="tx1"/>
+              </a:solidFill>
+              <a:latin typeface="Roboto"/>
+              <a:ea typeface="Roboto"/>
+              <a:cs typeface="Calibri"/>
+              <a:sym typeface="Roboto"/>
+            </a:endParaRPr>
+          </a:p>
+          <a:p>
+            <a:pPr marL="0" marR="0" lvl="0" indent="-12700" algn="l" rtl="0">
+              <a:spcBef>
+                <a:spcPts val="0"/>
+              </a:spcBef>
+              <a:spcAft>
+                <a:spcPts val="0"/>
+              </a:spcAft>
+              <a:buSzPts val="2000"/>
+              <a:buFont typeface="Noto Sans Symbols"/>
+              <a:buChar char="▪"/>
+            </a:pPr>
+            <a:r>
+              <a:rPr lang="en-US" sz="2000" dirty="0">
+                <a:solidFill>
+                  <a:schemeClr val="tx1"/>
+                </a:solidFill>
+                <a:latin typeface="Roboto"/>
+                <a:ea typeface="Roboto"/>
+                <a:cs typeface="Calibri"/>
+                <a:sym typeface="Roboto"/>
+              </a:rPr>
+              <a:t> </a:t>
+            </a:r>
+            <a:r>
+              <a:rPr lang="en-US" sz="2000" b="1" dirty="0">
+                <a:solidFill>
+                  <a:schemeClr val="tx1"/>
+                </a:solidFill>
+                <a:latin typeface="Roboto"/>
+                <a:ea typeface="Roboto"/>
+                <a:cs typeface="Calibri"/>
+                <a:sym typeface="Roboto"/>
+              </a:rPr>
+              <a:t>Self-</a:t>
+            </a:r>
+            <a:r>
+              <a:rPr lang="en-US" sz="2000" b="1" dirty="0" err="1">
+                <a:solidFill>
+                  <a:schemeClr val="tx1"/>
+                </a:solidFill>
+                <a:latin typeface="Roboto"/>
+                <a:ea typeface="Roboto"/>
+                <a:cs typeface="Calibri"/>
+                <a:sym typeface="Roboto"/>
+              </a:rPr>
+              <a:t>descritive</a:t>
+            </a:r>
+            <a:r>
+              <a:rPr lang="en-US" sz="2000" b="1" dirty="0">
+                <a:solidFill>
+                  <a:schemeClr val="tx1"/>
+                </a:solidFill>
+                <a:latin typeface="Roboto"/>
+                <a:ea typeface="Roboto"/>
+                <a:cs typeface="Calibri"/>
+                <a:sym typeface="Roboto"/>
+              </a:rPr>
+              <a:t> Messages</a:t>
+            </a:r>
+            <a:r>
+              <a:rPr lang="en-US" sz="2000" dirty="0">
+                <a:solidFill>
+                  <a:schemeClr val="tx1"/>
+                </a:solidFill>
+                <a:latin typeface="Roboto"/>
+                <a:ea typeface="Roboto"/>
+                <a:cs typeface="Calibri"/>
+                <a:sym typeface="Roboto"/>
+              </a:rPr>
+              <a:t> – </a:t>
+            </a:r>
+            <a:r>
+              <a:rPr lang="ru-RU" sz="2000" dirty="0">
+                <a:solidFill>
+                  <a:schemeClr val="tx1"/>
+                </a:solidFill>
+                <a:latin typeface="Roboto"/>
+                <a:ea typeface="Roboto"/>
+                <a:cs typeface="Calibri"/>
+                <a:sym typeface="Roboto"/>
+              </a:rPr>
+              <a:t>каждый запрос или ответ должен содержать достаточно информации для его обработки. Например какие </a:t>
+            </a:r>
+            <a:r>
+              <a:rPr lang="en-US" sz="2000" dirty="0">
+                <a:solidFill>
+                  <a:schemeClr val="tx1"/>
+                </a:solidFill>
+                <a:latin typeface="Roboto"/>
+                <a:ea typeface="Roboto"/>
+                <a:cs typeface="Calibri"/>
+                <a:sym typeface="Roboto"/>
+              </a:rPr>
+              <a:t>Mime </a:t>
+            </a:r>
+            <a:r>
+              <a:rPr lang="ru-RU" sz="2000" dirty="0">
+                <a:solidFill>
+                  <a:schemeClr val="tx1"/>
+                </a:solidFill>
+                <a:latin typeface="Roboto"/>
+                <a:ea typeface="Roboto"/>
+                <a:cs typeface="Calibri"/>
+                <a:sym typeface="Roboto"/>
+              </a:rPr>
+              <a:t>типы должны быть использованы для его обработки</a:t>
+            </a:r>
+            <a:endParaRPr lang="ru-RU" sz="2000" dirty="0">
+              <a:solidFill>
+                <a:schemeClr val="tx1"/>
+              </a:solidFill>
+              <a:latin typeface="Roboto"/>
+              <a:ea typeface="Roboto"/>
+              <a:cs typeface="Calibri"/>
+            </a:endParaRPr>
+          </a:p>
+          <a:p>
+            <a:pPr lvl="0" indent="-12700">
+              <a:buSzPts val="2000"/>
+              <a:buFont typeface="Noto Sans Symbols"/>
+              <a:buChar char="▪"/>
+            </a:pPr>
+            <a:endParaRPr lang="ru-RU" sz="900" dirty="0">
+              <a:solidFill>
+                <a:schemeClr val="tx1"/>
+              </a:solidFill>
+              <a:latin typeface="Roboto"/>
+              <a:ea typeface="Roboto"/>
+              <a:cs typeface="Calibri"/>
+              <a:sym typeface="Calibri"/>
+            </a:endParaRPr>
+          </a:p>
+          <a:p>
+            <a:pPr indent="-12700">
+              <a:buSzPts val="2000"/>
+              <a:buFont typeface="Noto Sans Symbols"/>
+              <a:buChar char="▪"/>
+            </a:pPr>
+            <a:r>
+              <a:rPr lang="ru-RU" sz="2000" dirty="0">
+                <a:solidFill>
+                  <a:schemeClr val="tx1"/>
+                </a:solidFill>
+                <a:latin typeface="Roboto"/>
+                <a:ea typeface="Roboto"/>
+                <a:cs typeface="Calibri"/>
+              </a:rPr>
+              <a:t> </a:t>
+            </a:r>
+            <a:r>
+              <a:rPr lang="en-US" sz="2000" b="1" dirty="0">
+                <a:solidFill>
+                  <a:schemeClr val="tx1"/>
+                </a:solidFill>
+                <a:latin typeface="Roboto"/>
+                <a:ea typeface="Roboto"/>
+                <a:cs typeface="Calibri"/>
+              </a:rPr>
+              <a:t>Hypermedia as the Engine of Application State (HATEOAS) </a:t>
+            </a:r>
+            <a:r>
+              <a:rPr lang="en-US" sz="2000" dirty="0">
+                <a:solidFill>
+                  <a:schemeClr val="tx1"/>
+                </a:solidFill>
+                <a:latin typeface="Roboto"/>
+                <a:ea typeface="Roboto"/>
+                <a:cs typeface="Calibri"/>
+              </a:rPr>
+              <a:t>– (</a:t>
+            </a:r>
+            <a:r>
+              <a:rPr lang="en-US" sz="2000" i="1" dirty="0">
+                <a:solidFill>
+                  <a:schemeClr val="tx1"/>
+                </a:solidFill>
+                <a:latin typeface="Roboto"/>
+                <a:ea typeface="Roboto"/>
+                <a:cs typeface="Calibri"/>
+              </a:rPr>
+              <a:t>hyperlink within hypertext) –</a:t>
+            </a:r>
+            <a:r>
+              <a:rPr lang="ru-RU" sz="2000" i="1" dirty="0">
+                <a:solidFill>
+                  <a:schemeClr val="tx1"/>
+                </a:solidFill>
+                <a:latin typeface="Roboto"/>
+                <a:ea typeface="Roboto"/>
+                <a:cs typeface="Calibri"/>
+              </a:rPr>
+              <a:t> </a:t>
+            </a:r>
+            <a:r>
+              <a:rPr lang="ru-RU" sz="2000" dirty="0">
+                <a:solidFill>
+                  <a:schemeClr val="tx1"/>
+                </a:solidFill>
+                <a:latin typeface="Roboto"/>
+                <a:ea typeface="Roboto"/>
+                <a:cs typeface="Calibri"/>
+              </a:rPr>
+              <a:t>когда необходимо, тело или </a:t>
+            </a:r>
+            <a:r>
+              <a:rPr lang="en-US" sz="2000" dirty="0">
+                <a:solidFill>
+                  <a:schemeClr val="tx1"/>
+                </a:solidFill>
+                <a:latin typeface="Roboto"/>
+                <a:ea typeface="Roboto"/>
+                <a:cs typeface="Calibri"/>
+              </a:rPr>
+              <a:t>header </a:t>
+            </a:r>
+            <a:r>
+              <a:rPr lang="ru-RU" sz="2000" dirty="0">
+                <a:solidFill>
+                  <a:schemeClr val="tx1"/>
+                </a:solidFill>
+                <a:latin typeface="Roboto"/>
+                <a:ea typeface="Roboto"/>
+                <a:cs typeface="Calibri"/>
+              </a:rPr>
+              <a:t>ответа должены содержать ссылки на </a:t>
+            </a:r>
+            <a:r>
+              <a:rPr lang="ru-RU" sz="2000" dirty="0">
+                <a:solidFill>
+                  <a:schemeClr val="tx1"/>
+                </a:solidFill>
+                <a:latin typeface="Roboto"/>
+                <a:ea typeface="Roboto"/>
+                <a:cs typeface="Calibri"/>
+                <a:sym typeface="Calibri"/>
+              </a:rPr>
+              <a:t>ресурс или ресурсы которые связяны с ним.</a:t>
+            </a:r>
+            <a:endParaRPr lang="ru-RU" sz="2000" dirty="0">
+              <a:solidFill>
+                <a:schemeClr val="tx1"/>
+              </a:solidFill>
+              <a:latin typeface="Roboto"/>
+              <a:ea typeface="Roboto"/>
+              <a:cs typeface="Calibri"/>
+            </a:endParaRPr>
+          </a:p>
+        </p:txBody>
+      </p:sp>
+      <p:sp>
+        <p:nvSpPr>
+          <p:cNvPr id="9" name="Shape 158">
+            <a:extLst>
+              <a:ext uri="{FF2B5EF4-FFF2-40B4-BE49-F238E27FC236}">
+                <a16:creationId xmlns:a16="http://schemas.microsoft.com/office/drawing/2014/main" id="{C158162A-923F-46A3-8B1A-E069EED32834}"/>
+              </a:ext>
+            </a:extLst>
+          </p:cNvPr>
+          <p:cNvSpPr txBox="1">
+            <a:spLocks/>
+          </p:cNvSpPr>
+          <p:nvPr/>
+        </p:nvSpPr>
+        <p:spPr>
+          <a:xfrm>
+            <a:off x="6498941" y="912754"/>
+            <a:ext cx="2400875" cy="458138"/>
+          </a:xfrm>
+          <a:prstGeom prst="rect">
+            <a:avLst/>
+          </a:prstGeom>
+          <a:noFill/>
+          <a:ln>
+            <a:noFill/>
+          </a:ln>
+        </p:spPr>
+        <p:txBody>
+          <a:bodyPr spcFirstLastPara="1" wrap="square" lIns="91425" tIns="45700" rIns="91425" bIns="45700" anchor="ctr" anchorCtr="0">
+            <a:noAutofit/>
+          </a:bodyPr>
+          <a:lstStyle>
+            <a:defPPr marR="0" lvl="0" algn="l" rtl="0">
+              <a:lnSpc>
+                <a:spcPct val="100000"/>
+              </a:lnSpc>
+              <a:spcBef>
+                <a:spcPts val="0"/>
+              </a:spcBef>
+              <a:spcAft>
+                <a:spcPts val="0"/>
+              </a:spcAft>
+            </a:defPPr>
+            <a:lvl1pPr marR="0" lvl="0" algn="ctr" rtl="0">
+              <a:lnSpc>
+                <a:spcPct val="100000"/>
+              </a:lnSpc>
+              <a:spcBef>
+                <a:spcPts val="0"/>
+              </a:spcBef>
+              <a:spcAft>
+                <a:spcPts val="0"/>
+              </a:spcAft>
+              <a:buClr>
+                <a:schemeClr val="dk1"/>
+              </a:buClr>
+              <a:buSzPts val="4400"/>
+              <a:buFont typeface="Calibri"/>
+              <a:buNone/>
+              <a:defRPr sz="4400" b="0" i="0" u="none" strike="noStrike" cap="none">
+                <a:solidFill>
+                  <a:schemeClr val="dk1"/>
+                </a:solidFill>
+                <a:latin typeface="Calibri"/>
+                <a:ea typeface="Calibri"/>
+                <a:cs typeface="Calibri"/>
+                <a:sym typeface="Calibri"/>
+              </a:defRPr>
+            </a:lvl1pPr>
+            <a:lvl2pPr lvl="1">
+              <a:spcBef>
+                <a:spcPts val="0"/>
+              </a:spcBef>
+              <a:spcAft>
+                <a:spcPts val="0"/>
+              </a:spcAft>
+              <a:buSzPts val="1400"/>
+              <a:buNone/>
+              <a:defRPr sz="1800"/>
+            </a:lvl2pPr>
+            <a:lvl3pPr lvl="2">
+              <a:spcBef>
+                <a:spcPts val="0"/>
+              </a:spcBef>
+              <a:spcAft>
+                <a:spcPts val="0"/>
+              </a:spcAft>
+              <a:buSzPts val="1400"/>
+              <a:buNone/>
+              <a:defRPr sz="1800"/>
+            </a:lvl3pPr>
+            <a:lvl4pPr lvl="3">
+              <a:spcBef>
+                <a:spcPts val="0"/>
+              </a:spcBef>
+              <a:spcAft>
+                <a:spcPts val="0"/>
+              </a:spcAft>
+              <a:buSzPts val="1400"/>
+              <a:buNone/>
+              <a:defRPr sz="1800"/>
+            </a:lvl4pPr>
+            <a:lvl5pPr lvl="4">
+              <a:spcBef>
+                <a:spcPts val="0"/>
+              </a:spcBef>
+              <a:spcAft>
+                <a:spcPts val="0"/>
+              </a:spcAft>
+              <a:buSzPts val="1400"/>
+              <a:buNone/>
+              <a:defRPr sz="1800"/>
+            </a:lvl5pPr>
+            <a:lvl6pPr lvl="5">
+              <a:spcBef>
+                <a:spcPts val="0"/>
+              </a:spcBef>
+              <a:spcAft>
+                <a:spcPts val="0"/>
+              </a:spcAft>
+              <a:buSzPts val="1400"/>
+              <a:buNone/>
+              <a:defRPr sz="1800"/>
+            </a:lvl6pPr>
+            <a:lvl7pPr lvl="6">
+              <a:spcBef>
+                <a:spcPts val="0"/>
+              </a:spcBef>
+              <a:spcAft>
+                <a:spcPts val="0"/>
+              </a:spcAft>
+              <a:buSzPts val="1400"/>
+              <a:buNone/>
+              <a:defRPr sz="1800"/>
+            </a:lvl7pPr>
+            <a:lvl8pPr lvl="7">
+              <a:spcBef>
+                <a:spcPts val="0"/>
+              </a:spcBef>
+              <a:spcAft>
+                <a:spcPts val="0"/>
+              </a:spcAft>
+              <a:buSzPts val="1400"/>
+              <a:buNone/>
+              <a:defRPr sz="1800"/>
+            </a:lvl8pPr>
+            <a:lvl9pPr lvl="8">
+              <a:spcBef>
+                <a:spcPts val="0"/>
+              </a:spcBef>
+              <a:spcAft>
+                <a:spcPts val="0"/>
+              </a:spcAft>
+              <a:buSzPts val="1400"/>
+              <a:buNone/>
+              <a:defRPr sz="1800"/>
+            </a:lvl9pPr>
+          </a:lstStyle>
+          <a:p>
+            <a:pPr algn="l"/>
+            <a:r>
+              <a:rPr lang="en-US" sz="2000" b="1" dirty="0">
+                <a:solidFill>
+                  <a:srgbClr val="262626"/>
+                </a:solidFill>
+                <a:latin typeface="Roboto"/>
+                <a:ea typeface="Roboto"/>
+                <a:cs typeface="Roboto"/>
+                <a:sym typeface="Roboto"/>
+              </a:rPr>
+              <a:t>REST constraints</a:t>
+            </a:r>
+            <a:endParaRPr lang="ru-RU" sz="2000" b="1" dirty="0">
+              <a:solidFill>
+                <a:srgbClr val="262626"/>
+              </a:solidFill>
+              <a:latin typeface="Roboto"/>
+              <a:ea typeface="Roboto"/>
+              <a:cs typeface="Roboto"/>
+              <a:sym typeface="Roboto"/>
+            </a:endParaRPr>
+          </a:p>
+        </p:txBody>
+      </p:sp>
+    </p:spTree>
+    <p:extLst>
+      <p:ext uri="{BB962C8B-B14F-4D97-AF65-F5344CB8AC3E}">
+        <p14:creationId xmlns:p14="http://schemas.microsoft.com/office/powerpoint/2010/main" val="1412204411"/>
+      </p:ext>
+    </p:extLst>
+  </p:cSld>
+  <p:clrMapOvr>
+    <a:masterClrMapping/>
+  </p:clrMapOvr>
+  <p:transition>
+    <p:fade/>
+  </p:transition>
+</p:sld>
+</file>
+
+<file path=ppt/slides/slide14.xml><?xml version="1.0" encoding="utf-8"?>
+<p:sld xmlns:a="http://schemas.openxmlformats.org/drawingml/2006/main" xmlns:r="http://schemas.openxmlformats.org/officeDocument/2006/relationships" xmlns:p="http://schemas.openxmlformats.org/presentationml/2006/main">
+  <p:cSld>
+    <p:spTree>
+      <p:nvGrpSpPr>
+        <p:cNvPr id="1" name="Shape 156"/>
+        <p:cNvGrpSpPr/>
+        <p:nvPr/>
+      </p:nvGrpSpPr>
+      <p:grpSpPr>
+        <a:xfrm>
+          <a:off x="0" y="0"/>
+          <a:ext cx="0" cy="0"/>
+          <a:chOff x="0" y="0"/>
+          <a:chExt cx="0" cy="0"/>
+        </a:xfrm>
+      </p:grpSpPr>
+      <p:sp>
+        <p:nvSpPr>
+          <p:cNvPr id="158" name="Shape 158"/>
+          <p:cNvSpPr txBox="1">
+            <a:spLocks noGrp="1"/>
+          </p:cNvSpPr>
+          <p:nvPr>
+            <p:ph type="title"/>
+          </p:nvPr>
+        </p:nvSpPr>
+        <p:spPr>
+          <a:xfrm>
+            <a:off x="440675" y="1765007"/>
+            <a:ext cx="8555545" cy="762818"/>
+          </a:xfrm>
+          <a:prstGeom prst="rect">
+            <a:avLst/>
+          </a:prstGeom>
+          <a:noFill/>
+          <a:ln>
+            <a:noFill/>
+          </a:ln>
+        </p:spPr>
+        <p:txBody>
+          <a:bodyPr spcFirstLastPara="1" wrap="square" lIns="91425" tIns="45700" rIns="91425" bIns="45700" anchor="ctr" anchorCtr="0">
+            <a:noAutofit/>
+          </a:bodyPr>
+          <a:lstStyle/>
+          <a:p>
+            <a:pPr marL="0" marR="0" lvl="0" indent="0" algn="l" rtl="0">
+              <a:spcBef>
+                <a:spcPts val="0"/>
+              </a:spcBef>
+              <a:spcAft>
+                <a:spcPts val="0"/>
+              </a:spcAft>
+              <a:buClr>
+                <a:schemeClr val="dk1"/>
+              </a:buClr>
+              <a:buSzPts val="4400"/>
+              <a:buFont typeface="Calibri"/>
+              <a:buNone/>
+            </a:pPr>
+            <a:r>
+              <a:rPr lang="en-US" sz="4100" b="1" i="0" u="none" strike="noStrike" cap="none" dirty="0">
+                <a:solidFill>
+                  <a:srgbClr val="262626"/>
+                </a:solidFill>
+                <a:latin typeface="Roboto"/>
+                <a:ea typeface="Roboto"/>
+                <a:cs typeface="Roboto"/>
+                <a:sym typeface="Roboto"/>
+              </a:rPr>
+              <a:t>Code on Demand (</a:t>
+            </a:r>
+            <a:r>
+              <a:rPr lang="ru-RU" sz="4100" b="1" dirty="0">
+                <a:solidFill>
+                  <a:srgbClr val="262626"/>
+                </a:solidFill>
+                <a:latin typeface="Roboto"/>
+                <a:ea typeface="Roboto"/>
+                <a:cs typeface="Roboto"/>
+                <a:sym typeface="Roboto"/>
+              </a:rPr>
+              <a:t>необязательно</a:t>
+            </a:r>
+            <a:r>
+              <a:rPr lang="en-US" sz="4100" b="1" i="0" u="none" strike="noStrike" cap="none" dirty="0">
+                <a:solidFill>
+                  <a:srgbClr val="262626"/>
+                </a:solidFill>
+                <a:latin typeface="Roboto"/>
+                <a:ea typeface="Roboto"/>
+                <a:cs typeface="Roboto"/>
+                <a:sym typeface="Roboto"/>
+              </a:rPr>
+              <a:t>)</a:t>
+            </a:r>
+            <a:endParaRPr lang="ru-RU" sz="4100" b="1" i="0" u="none" strike="noStrike" cap="none" dirty="0">
+              <a:solidFill>
+                <a:srgbClr val="262626"/>
+              </a:solidFill>
+              <a:latin typeface="Roboto"/>
+              <a:ea typeface="Roboto"/>
+              <a:cs typeface="Roboto"/>
+              <a:sym typeface="Roboto"/>
+            </a:endParaRPr>
+          </a:p>
+        </p:txBody>
+      </p:sp>
+      <p:sp>
+        <p:nvSpPr>
+          <p:cNvPr id="159" name="Shape 159"/>
+          <p:cNvSpPr/>
+          <p:nvPr/>
+        </p:nvSpPr>
+        <p:spPr>
+          <a:xfrm>
+            <a:off x="7145316" y="408237"/>
+            <a:ext cx="1856100" cy="290400"/>
+          </a:xfrm>
+          <a:prstGeom prst="roundRect">
+            <a:avLst>
+              <a:gd name="adj" fmla="val 0"/>
+            </a:avLst>
+          </a:prstGeom>
+          <a:noFill/>
+          <a:ln>
+            <a:noFill/>
+          </a:ln>
+        </p:spPr>
+        <p:txBody>
+          <a:bodyPr spcFirstLastPara="1" wrap="square" lIns="91425" tIns="45700" rIns="91425" bIns="45700" anchor="ctr" anchorCtr="0">
+            <a:noAutofit/>
+          </a:bodyPr>
+          <a:lstStyle/>
+          <a:p>
+            <a:pPr marL="0" marR="0" lvl="0" indent="0" algn="ctr" rtl="0">
+              <a:spcBef>
+                <a:spcPts val="0"/>
+              </a:spcBef>
+              <a:spcAft>
+                <a:spcPts val="0"/>
+              </a:spcAft>
+              <a:buClr>
+                <a:schemeClr val="lt1"/>
+              </a:buClr>
+              <a:buSzPts val="1200"/>
+              <a:buFont typeface="Arial"/>
+              <a:buNone/>
+            </a:pPr>
+            <a:r>
+              <a:rPr lang="en-US" sz="1500" b="1" i="0" strike="noStrike" cap="none">
+                <a:solidFill>
+                  <a:srgbClr val="262626"/>
+                </a:solidFill>
+                <a:latin typeface="Roboto"/>
+                <a:ea typeface="Roboto"/>
+                <a:cs typeface="Roboto"/>
+                <a:sym typeface="Roboto"/>
+              </a:rPr>
+              <a:t>www.itea.ua</a:t>
+            </a:r>
+            <a:endParaRPr sz="1500" b="1" i="0" strike="noStrike" cap="none">
+              <a:solidFill>
+                <a:srgbClr val="262626"/>
+              </a:solidFill>
+              <a:latin typeface="Roboto"/>
+              <a:ea typeface="Roboto"/>
+              <a:cs typeface="Roboto"/>
+              <a:sym typeface="Roboto"/>
+            </a:endParaRPr>
+          </a:p>
+        </p:txBody>
+      </p:sp>
+      <p:sp>
+        <p:nvSpPr>
+          <p:cNvPr id="160" name="Shape 160"/>
+          <p:cNvSpPr/>
+          <p:nvPr/>
+        </p:nvSpPr>
+        <p:spPr>
+          <a:xfrm rot="10800000" flipH="1">
+            <a:off x="0" y="1127850"/>
+            <a:ext cx="3143100" cy="42300"/>
+          </a:xfrm>
+          <a:prstGeom prst="rect">
+            <a:avLst/>
+          </a:prstGeom>
+          <a:solidFill>
+            <a:srgbClr val="CC0000"/>
+          </a:solidFill>
+          <a:ln>
+            <a:noFill/>
+          </a:ln>
+        </p:spPr>
+        <p:txBody>
+          <a:bodyPr spcFirstLastPara="1" wrap="square" lIns="91425" tIns="91425" rIns="91425" bIns="91425" anchor="ctr" anchorCtr="0">
+            <a:noAutofit/>
+          </a:bodyPr>
+          <a:lstStyle/>
+          <a:p>
+            <a:pPr marL="0" lvl="0" indent="0">
+              <a:spcBef>
+                <a:spcPts val="0"/>
+              </a:spcBef>
+              <a:spcAft>
+                <a:spcPts val="0"/>
+              </a:spcAft>
+              <a:buNone/>
+            </a:pPr>
+            <a:r>
+              <a:rPr lang="en-US"/>
+              <a:t>                                                                                     </a:t>
+            </a:r>
+            <a:endParaRPr/>
+          </a:p>
+        </p:txBody>
+      </p:sp>
+      <p:sp>
+        <p:nvSpPr>
+          <p:cNvPr id="161" name="Shape 161"/>
+          <p:cNvSpPr/>
+          <p:nvPr/>
+        </p:nvSpPr>
+        <p:spPr>
+          <a:xfrm rot="10800000" flipH="1">
+            <a:off x="3067050" y="1127850"/>
+            <a:ext cx="3143100" cy="42300"/>
+          </a:xfrm>
+          <a:prstGeom prst="rect">
+            <a:avLst/>
+          </a:prstGeom>
+          <a:solidFill>
+            <a:srgbClr val="262626"/>
+          </a:solidFill>
+          <a:ln>
+            <a:noFill/>
+          </a:ln>
+        </p:spPr>
+        <p:txBody>
+          <a:bodyPr spcFirstLastPara="1" wrap="square" lIns="91425" tIns="91425" rIns="91425" bIns="91425" anchor="ctr" anchorCtr="0">
+            <a:noAutofit/>
+          </a:bodyPr>
+          <a:lstStyle/>
+          <a:p>
+            <a:pPr marL="0" lvl="0" indent="0">
+              <a:spcBef>
+                <a:spcPts val="0"/>
+              </a:spcBef>
+              <a:spcAft>
+                <a:spcPts val="0"/>
+              </a:spcAft>
+              <a:buNone/>
+            </a:pPr>
+            <a:endParaRPr/>
+          </a:p>
+        </p:txBody>
+      </p:sp>
+      <p:pic>
+        <p:nvPicPr>
+          <p:cNvPr id="162" name="Shape 162"/>
+          <p:cNvPicPr preferRelativeResize="0"/>
+          <p:nvPr/>
+        </p:nvPicPr>
+        <p:blipFill>
+          <a:blip r:embed="rId3">
+            <a:alphaModFix/>
+          </a:blip>
+          <a:stretch>
+            <a:fillRect/>
+          </a:stretch>
+        </p:blipFill>
+        <p:spPr>
+          <a:xfrm>
+            <a:off x="353700" y="302000"/>
+            <a:ext cx="1741800" cy="502875"/>
+          </a:xfrm>
+          <a:prstGeom prst="rect">
+            <a:avLst/>
+          </a:prstGeom>
+          <a:noFill/>
+          <a:ln>
+            <a:noFill/>
+          </a:ln>
+        </p:spPr>
+      </p:pic>
+      <p:sp>
+        <p:nvSpPr>
+          <p:cNvPr id="163" name="Shape 163"/>
+          <p:cNvSpPr txBox="1"/>
+          <p:nvPr/>
+        </p:nvSpPr>
+        <p:spPr>
+          <a:xfrm>
+            <a:off x="467326" y="2823381"/>
+            <a:ext cx="8181300" cy="3074100"/>
+          </a:xfrm>
+          <a:prstGeom prst="rect">
+            <a:avLst/>
+          </a:prstGeom>
+          <a:noFill/>
+          <a:ln>
+            <a:noFill/>
+          </a:ln>
+        </p:spPr>
+        <p:txBody>
+          <a:bodyPr spcFirstLastPara="1" wrap="square" lIns="91425" tIns="45700" rIns="91425" bIns="45700" anchor="ctr" anchorCtr="0">
+            <a:noAutofit/>
+          </a:bodyPr>
+          <a:lstStyle/>
+          <a:p>
+            <a:pPr lvl="0" indent="-12700">
+              <a:buSzPts val="2000"/>
+              <a:buFont typeface="Noto Sans Symbols"/>
+              <a:buChar char="▪"/>
+            </a:pPr>
+            <a:r>
+              <a:rPr lang="ru-RU" sz="2000" dirty="0">
+                <a:solidFill>
+                  <a:schemeClr val="tx1"/>
+                </a:solidFill>
+                <a:latin typeface="Calibri"/>
+                <a:ea typeface="Roboto"/>
+                <a:cs typeface="Calibri"/>
+                <a:sym typeface="Calibri"/>
+              </a:rPr>
+              <a:t> </a:t>
+            </a:r>
+            <a:r>
+              <a:rPr lang="ru-RU" sz="2000" dirty="0">
+                <a:solidFill>
+                  <a:schemeClr val="tx1"/>
+                </a:solidFill>
+                <a:latin typeface="Roboto"/>
+                <a:ea typeface="Roboto"/>
+                <a:cs typeface="Calibri"/>
+                <a:sym typeface="Calibri"/>
+              </a:rPr>
               <a:t>Фунциональность клиента может быть расширена путем скачивания и выполнения кода на клиента.</a:t>
             </a:r>
             <a:endParaRPr lang="ru-RU" sz="2000" dirty="0">
@@ -21854,7 +24696,1452 @@
 </p:sld>
 </file>
 
-<file path=ppt/slides/slide11.xml><?xml version="1.0" encoding="utf-8"?>
+<file path=ppt/slides/slide15.xml><?xml version="1.0" encoding="utf-8"?>
+<p:sld xmlns:a="http://schemas.openxmlformats.org/drawingml/2006/main" xmlns:r="http://schemas.openxmlformats.org/officeDocument/2006/relationships" xmlns:p="http://schemas.openxmlformats.org/presentationml/2006/main">
+  <p:cSld>
+    <p:spTree>
+      <p:nvGrpSpPr>
+        <p:cNvPr id="1" name="Shape 156"/>
+        <p:cNvGrpSpPr/>
+        <p:nvPr/>
+      </p:nvGrpSpPr>
+      <p:grpSpPr>
+        <a:xfrm>
+          <a:off x="0" y="0"/>
+          <a:ext cx="0" cy="0"/>
+          <a:chOff x="0" y="0"/>
+          <a:chExt cx="0" cy="0"/>
+        </a:xfrm>
+      </p:grpSpPr>
+      <p:sp>
+        <p:nvSpPr>
+          <p:cNvPr id="158" name="Shape 158"/>
+          <p:cNvSpPr txBox="1">
+            <a:spLocks noGrp="1"/>
+          </p:cNvSpPr>
+          <p:nvPr>
+            <p:ph type="title"/>
+          </p:nvPr>
+        </p:nvSpPr>
+        <p:spPr>
+          <a:xfrm>
+            <a:off x="447074" y="1628543"/>
+            <a:ext cx="8229600" cy="527411"/>
+          </a:xfrm>
+          <a:prstGeom prst="rect">
+            <a:avLst/>
+          </a:prstGeom>
+          <a:noFill/>
+          <a:ln>
+            <a:noFill/>
+          </a:ln>
+        </p:spPr>
+        <p:txBody>
+          <a:bodyPr spcFirstLastPara="1" wrap="square" lIns="91425" tIns="45700" rIns="91425" bIns="45700" anchor="ctr" anchorCtr="0">
+            <a:noAutofit/>
+          </a:bodyPr>
+          <a:lstStyle/>
+          <a:p>
+            <a:pPr marL="0" marR="0" lvl="0" indent="0" algn="l" rtl="0">
+              <a:spcBef>
+                <a:spcPts val="0"/>
+              </a:spcBef>
+              <a:spcAft>
+                <a:spcPts val="0"/>
+              </a:spcAft>
+              <a:buClr>
+                <a:schemeClr val="dk1"/>
+              </a:buClr>
+              <a:buSzPts val="4400"/>
+              <a:buFont typeface="Calibri"/>
+              <a:buNone/>
+            </a:pPr>
+            <a:r>
+              <a:rPr lang="en-US" sz="4100" b="1" dirty="0">
+                <a:solidFill>
+                  <a:srgbClr val="262626"/>
+                </a:solidFill>
+                <a:latin typeface="Roboto"/>
+                <a:ea typeface="Roboto"/>
+                <a:cs typeface="Roboto"/>
+                <a:sym typeface="Roboto"/>
+              </a:rPr>
+              <a:t>HTTP verbs</a:t>
+            </a:r>
+            <a:endParaRPr lang="ru-RU" sz="4100" b="1" i="0" u="none" strike="noStrike" cap="none" dirty="0">
+              <a:solidFill>
+                <a:srgbClr val="262626"/>
+              </a:solidFill>
+              <a:latin typeface="Roboto"/>
+              <a:ea typeface="Roboto"/>
+              <a:cs typeface="Roboto"/>
+              <a:sym typeface="Roboto"/>
+            </a:endParaRPr>
+          </a:p>
+        </p:txBody>
+      </p:sp>
+      <p:sp>
+        <p:nvSpPr>
+          <p:cNvPr id="159" name="Shape 159"/>
+          <p:cNvSpPr/>
+          <p:nvPr/>
+        </p:nvSpPr>
+        <p:spPr>
+          <a:xfrm>
+            <a:off x="7145316" y="408237"/>
+            <a:ext cx="1856100" cy="290400"/>
+          </a:xfrm>
+          <a:prstGeom prst="roundRect">
+            <a:avLst>
+              <a:gd name="adj" fmla="val 0"/>
+            </a:avLst>
+          </a:prstGeom>
+          <a:noFill/>
+          <a:ln>
+            <a:noFill/>
+          </a:ln>
+        </p:spPr>
+        <p:txBody>
+          <a:bodyPr spcFirstLastPara="1" wrap="square" lIns="91425" tIns="45700" rIns="91425" bIns="45700" anchor="ctr" anchorCtr="0">
+            <a:noAutofit/>
+          </a:bodyPr>
+          <a:lstStyle/>
+          <a:p>
+            <a:pPr marL="0" marR="0" lvl="0" indent="0" algn="ctr" rtl="0">
+              <a:spcBef>
+                <a:spcPts val="0"/>
+              </a:spcBef>
+              <a:spcAft>
+                <a:spcPts val="0"/>
+              </a:spcAft>
+              <a:buClr>
+                <a:schemeClr val="lt1"/>
+              </a:buClr>
+              <a:buSzPts val="1200"/>
+              <a:buFont typeface="Arial"/>
+              <a:buNone/>
+            </a:pPr>
+            <a:r>
+              <a:rPr lang="en-US" sz="1500" b="1" i="0" strike="noStrike" cap="none">
+                <a:solidFill>
+                  <a:srgbClr val="262626"/>
+                </a:solidFill>
+                <a:latin typeface="Roboto"/>
+                <a:ea typeface="Roboto"/>
+                <a:cs typeface="Roboto"/>
+                <a:sym typeface="Roboto"/>
+              </a:rPr>
+              <a:t>www.itea.ua</a:t>
+            </a:r>
+            <a:endParaRPr sz="1500" b="1" i="0" strike="noStrike" cap="none">
+              <a:solidFill>
+                <a:srgbClr val="262626"/>
+              </a:solidFill>
+              <a:latin typeface="Roboto"/>
+              <a:ea typeface="Roboto"/>
+              <a:cs typeface="Roboto"/>
+              <a:sym typeface="Roboto"/>
+            </a:endParaRPr>
+          </a:p>
+        </p:txBody>
+      </p:sp>
+      <p:sp>
+        <p:nvSpPr>
+          <p:cNvPr id="160" name="Shape 160"/>
+          <p:cNvSpPr/>
+          <p:nvPr/>
+        </p:nvSpPr>
+        <p:spPr>
+          <a:xfrm rot="10800000" flipH="1">
+            <a:off x="0" y="1127850"/>
+            <a:ext cx="3143100" cy="42300"/>
+          </a:xfrm>
+          <a:prstGeom prst="rect">
+            <a:avLst/>
+          </a:prstGeom>
+          <a:solidFill>
+            <a:srgbClr val="CC0000"/>
+          </a:solidFill>
+          <a:ln>
+            <a:noFill/>
+          </a:ln>
+        </p:spPr>
+        <p:txBody>
+          <a:bodyPr spcFirstLastPara="1" wrap="square" lIns="91425" tIns="91425" rIns="91425" bIns="91425" anchor="ctr" anchorCtr="0">
+            <a:noAutofit/>
+          </a:bodyPr>
+          <a:lstStyle/>
+          <a:p>
+            <a:pPr marL="0" lvl="0" indent="0">
+              <a:spcBef>
+                <a:spcPts val="0"/>
+              </a:spcBef>
+              <a:spcAft>
+                <a:spcPts val="0"/>
+              </a:spcAft>
+              <a:buNone/>
+            </a:pPr>
+            <a:r>
+              <a:rPr lang="en-US"/>
+              <a:t>                                                                                     </a:t>
+            </a:r>
+            <a:endParaRPr/>
+          </a:p>
+        </p:txBody>
+      </p:sp>
+      <p:sp>
+        <p:nvSpPr>
+          <p:cNvPr id="161" name="Shape 161"/>
+          <p:cNvSpPr/>
+          <p:nvPr/>
+        </p:nvSpPr>
+        <p:spPr>
+          <a:xfrm rot="10800000" flipH="1">
+            <a:off x="3067050" y="1127850"/>
+            <a:ext cx="3143100" cy="42300"/>
+          </a:xfrm>
+          <a:prstGeom prst="rect">
+            <a:avLst/>
+          </a:prstGeom>
+          <a:solidFill>
+            <a:srgbClr val="262626"/>
+          </a:solidFill>
+          <a:ln>
+            <a:noFill/>
+          </a:ln>
+        </p:spPr>
+        <p:txBody>
+          <a:bodyPr spcFirstLastPara="1" wrap="square" lIns="91425" tIns="91425" rIns="91425" bIns="91425" anchor="ctr" anchorCtr="0">
+            <a:noAutofit/>
+          </a:bodyPr>
+          <a:lstStyle/>
+          <a:p>
+            <a:pPr marL="0" lvl="0" indent="0">
+              <a:spcBef>
+                <a:spcPts val="0"/>
+              </a:spcBef>
+              <a:spcAft>
+                <a:spcPts val="0"/>
+              </a:spcAft>
+              <a:buNone/>
+            </a:pPr>
+            <a:endParaRPr/>
+          </a:p>
+        </p:txBody>
+      </p:sp>
+      <p:pic>
+        <p:nvPicPr>
+          <p:cNvPr id="162" name="Shape 162"/>
+          <p:cNvPicPr preferRelativeResize="0"/>
+          <p:nvPr/>
+        </p:nvPicPr>
+        <p:blipFill>
+          <a:blip r:embed="rId3">
+            <a:alphaModFix/>
+          </a:blip>
+          <a:stretch>
+            <a:fillRect/>
+          </a:stretch>
+        </p:blipFill>
+        <p:spPr>
+          <a:xfrm>
+            <a:off x="353700" y="302000"/>
+            <a:ext cx="1741800" cy="502875"/>
+          </a:xfrm>
+          <a:prstGeom prst="rect">
+            <a:avLst/>
+          </a:prstGeom>
+          <a:noFill/>
+          <a:ln>
+            <a:noFill/>
+          </a:ln>
+        </p:spPr>
+      </p:pic>
+      <p:sp>
+        <p:nvSpPr>
+          <p:cNvPr id="163" name="Shape 163"/>
+          <p:cNvSpPr txBox="1"/>
+          <p:nvPr/>
+        </p:nvSpPr>
+        <p:spPr>
+          <a:xfrm>
+            <a:off x="481350" y="2202739"/>
+            <a:ext cx="8181300" cy="4353261"/>
+          </a:xfrm>
+          <a:prstGeom prst="rect">
+            <a:avLst/>
+          </a:prstGeom>
+          <a:noFill/>
+          <a:ln>
+            <a:noFill/>
+          </a:ln>
+        </p:spPr>
+        <p:txBody>
+          <a:bodyPr spcFirstLastPara="1" wrap="square" lIns="91425" tIns="45700" rIns="91425" bIns="45700" anchor="ctr" anchorCtr="0">
+            <a:noAutofit/>
+          </a:bodyPr>
+          <a:lstStyle/>
+          <a:p>
+            <a:pPr marL="0" marR="0" lvl="0" indent="-12700" algn="l" rtl="0">
+              <a:spcBef>
+                <a:spcPts val="1500"/>
+              </a:spcBef>
+              <a:spcAft>
+                <a:spcPts val="0"/>
+              </a:spcAft>
+              <a:buSzPts val="2000"/>
+              <a:buFont typeface="Noto Sans Symbols"/>
+              <a:buChar char="▪"/>
+            </a:pPr>
+            <a:r>
+              <a:rPr lang="en-US" sz="2000" b="0" i="0" u="none" strike="noStrike" cap="none" dirty="0">
+                <a:solidFill>
+                  <a:srgbClr val="424C53"/>
+                </a:solidFill>
+                <a:latin typeface="Calibri"/>
+                <a:ea typeface="Calibri"/>
+                <a:cs typeface="Calibri"/>
+                <a:sym typeface="Calibri"/>
+              </a:rPr>
+              <a:t> </a:t>
+            </a:r>
+            <a:r>
+              <a:rPr lang="en-US" sz="2000" b="1" dirty="0">
+                <a:latin typeface="Roboto"/>
+                <a:ea typeface="Roboto"/>
+                <a:cs typeface="Roboto"/>
+                <a:sym typeface="Roboto"/>
+              </a:rPr>
+              <a:t>GET</a:t>
+            </a:r>
+            <a:r>
+              <a:rPr lang="en-US" sz="2000" dirty="0">
+                <a:latin typeface="Roboto"/>
+                <a:ea typeface="Roboto"/>
+                <a:cs typeface="Roboto"/>
+                <a:sym typeface="Roboto"/>
+              </a:rPr>
+              <a:t> –</a:t>
+            </a:r>
+            <a:r>
+              <a:rPr lang="ru-RU" sz="2000" dirty="0">
+                <a:latin typeface="Roboto"/>
+                <a:ea typeface="Roboto"/>
+                <a:cs typeface="Roboto"/>
+                <a:sym typeface="Roboto"/>
+              </a:rPr>
+              <a:t> используется для предоставления репрезентаций ресурса. </a:t>
+            </a:r>
+          </a:p>
+          <a:p>
+            <a:pPr marL="0" marR="0" lvl="0" indent="-12700" algn="l" rtl="0">
+              <a:spcBef>
+                <a:spcPts val="1500"/>
+              </a:spcBef>
+              <a:spcAft>
+                <a:spcPts val="0"/>
+              </a:spcAft>
+              <a:buSzPts val="2000"/>
+              <a:buFont typeface="Noto Sans Symbols"/>
+              <a:buChar char="▪"/>
+            </a:pPr>
+            <a:r>
+              <a:rPr lang="ru-RU" sz="2000" b="0" i="0" u="none" strike="noStrike" cap="none" dirty="0">
+                <a:latin typeface="Roboto"/>
+                <a:ea typeface="Roboto"/>
+                <a:cs typeface="Calibri"/>
+                <a:sym typeface="Roboto"/>
+              </a:rPr>
+              <a:t> </a:t>
+            </a:r>
+            <a:r>
+              <a:rPr lang="en-US" sz="2000" b="1" dirty="0">
+                <a:latin typeface="Roboto"/>
+                <a:ea typeface="Roboto"/>
+                <a:cs typeface="Calibri"/>
+                <a:sym typeface="Roboto"/>
+              </a:rPr>
+              <a:t>POST</a:t>
+            </a:r>
+            <a:r>
+              <a:rPr lang="en-US" sz="2000" dirty="0">
+                <a:latin typeface="Roboto"/>
+                <a:ea typeface="Roboto"/>
+                <a:cs typeface="Calibri"/>
+                <a:sym typeface="Roboto"/>
+              </a:rPr>
+              <a:t> – </a:t>
+            </a:r>
+            <a:r>
+              <a:rPr lang="ru-RU" sz="2000" dirty="0">
+                <a:latin typeface="Roboto"/>
+                <a:ea typeface="Roboto"/>
+                <a:cs typeface="Calibri"/>
+                <a:sym typeface="Roboto"/>
+              </a:rPr>
+              <a:t>используется для добавления сущности к ресурсу.</a:t>
+            </a:r>
+          </a:p>
+          <a:p>
+            <a:pPr marL="0" marR="0" lvl="0" indent="-12700" algn="l" rtl="0">
+              <a:spcBef>
+                <a:spcPts val="1500"/>
+              </a:spcBef>
+              <a:spcAft>
+                <a:spcPts val="0"/>
+              </a:spcAft>
+              <a:buSzPts val="2000"/>
+              <a:buFont typeface="Noto Sans Symbols"/>
+              <a:buChar char="▪"/>
+            </a:pPr>
+            <a:r>
+              <a:rPr lang="ru-RU" sz="2000" b="0" i="0" u="none" strike="noStrike" cap="none" dirty="0">
+                <a:latin typeface="Roboto"/>
+                <a:ea typeface="Roboto"/>
+                <a:cs typeface="Calibri"/>
+                <a:sym typeface="Roboto"/>
+              </a:rPr>
+              <a:t> </a:t>
+            </a:r>
+            <a:r>
+              <a:rPr lang="en-US" sz="2000" b="1" dirty="0">
+                <a:latin typeface="Roboto"/>
+                <a:ea typeface="Roboto"/>
+                <a:cs typeface="Calibri"/>
+                <a:sym typeface="Roboto"/>
+              </a:rPr>
+              <a:t>HEAD</a:t>
+            </a:r>
+            <a:r>
+              <a:rPr lang="en-US" sz="2000" dirty="0">
+                <a:latin typeface="Roboto"/>
+                <a:ea typeface="Roboto"/>
+                <a:cs typeface="Calibri"/>
+                <a:sym typeface="Roboto"/>
+              </a:rPr>
+              <a:t> – </a:t>
+            </a:r>
+            <a:r>
+              <a:rPr lang="ru-RU" sz="2000" dirty="0">
+                <a:latin typeface="Roboto"/>
+                <a:ea typeface="Roboto"/>
+                <a:cs typeface="Calibri"/>
+                <a:sym typeface="Roboto"/>
+              </a:rPr>
+              <a:t>идентично </a:t>
+            </a:r>
+            <a:r>
+              <a:rPr lang="en-US" sz="2000" dirty="0">
+                <a:latin typeface="Roboto"/>
+                <a:ea typeface="Roboto"/>
+                <a:cs typeface="Calibri"/>
+                <a:sym typeface="Roboto"/>
+              </a:rPr>
+              <a:t>GET, </a:t>
+            </a:r>
+            <a:r>
+              <a:rPr lang="ru-RU" sz="2000" dirty="0">
+                <a:latin typeface="Roboto"/>
+                <a:ea typeface="Roboto"/>
+                <a:cs typeface="Calibri"/>
+                <a:sym typeface="Roboto"/>
+              </a:rPr>
+              <a:t>но без тела ответа.</a:t>
+            </a:r>
+          </a:p>
+          <a:p>
+            <a:pPr marL="0" marR="0" lvl="0" indent="-12700" algn="l" rtl="0">
+              <a:spcBef>
+                <a:spcPts val="1500"/>
+              </a:spcBef>
+              <a:spcAft>
+                <a:spcPts val="0"/>
+              </a:spcAft>
+              <a:buSzPts val="2000"/>
+              <a:buFont typeface="Noto Sans Symbols"/>
+              <a:buChar char="▪"/>
+            </a:pPr>
+            <a:r>
+              <a:rPr lang="ru-RU" sz="2000" b="0" i="0" u="none" strike="noStrike" cap="none" dirty="0">
+                <a:latin typeface="Roboto"/>
+                <a:ea typeface="Roboto"/>
+                <a:cs typeface="Calibri"/>
+                <a:sym typeface="Roboto"/>
+              </a:rPr>
+              <a:t> </a:t>
+            </a:r>
+            <a:r>
+              <a:rPr lang="en-US" sz="2000" b="1" dirty="0">
+                <a:latin typeface="Roboto"/>
+                <a:ea typeface="Roboto"/>
+                <a:cs typeface="Calibri"/>
+                <a:sym typeface="Roboto"/>
+              </a:rPr>
+              <a:t>PUT</a:t>
+            </a:r>
+            <a:r>
+              <a:rPr lang="en-US" sz="2000" dirty="0">
+                <a:latin typeface="Roboto"/>
+                <a:ea typeface="Roboto"/>
+                <a:cs typeface="Calibri"/>
+                <a:sym typeface="Roboto"/>
+              </a:rPr>
+              <a:t> – </a:t>
+            </a:r>
+            <a:r>
+              <a:rPr lang="ru-RU" sz="2000" dirty="0">
+                <a:latin typeface="Roboto"/>
+                <a:ea typeface="Roboto"/>
+                <a:cs typeface="Calibri"/>
+                <a:sym typeface="Roboto"/>
+              </a:rPr>
+              <a:t>используется для полной замены ресурса содержанием запроса </a:t>
+            </a:r>
+            <a:r>
+              <a:rPr lang="en-US" sz="2000" dirty="0">
+                <a:latin typeface="Roboto"/>
+                <a:ea typeface="Roboto"/>
+                <a:cs typeface="Calibri"/>
+                <a:sym typeface="Roboto"/>
+              </a:rPr>
+              <a:t>PUT.</a:t>
+            </a:r>
+          </a:p>
+          <a:p>
+            <a:pPr marL="0" marR="0" lvl="0" indent="-12700" algn="l" rtl="0">
+              <a:spcBef>
+                <a:spcPts val="1500"/>
+              </a:spcBef>
+              <a:spcAft>
+                <a:spcPts val="0"/>
+              </a:spcAft>
+              <a:buSzPts val="2000"/>
+              <a:buFont typeface="Noto Sans Symbols"/>
+              <a:buChar char="▪"/>
+            </a:pPr>
+            <a:r>
+              <a:rPr lang="en-US" sz="2000" dirty="0">
+                <a:latin typeface="Roboto"/>
+                <a:ea typeface="Roboto"/>
+                <a:cs typeface="Calibri"/>
+                <a:sym typeface="Roboto"/>
+              </a:rPr>
+              <a:t> </a:t>
+            </a:r>
+            <a:r>
+              <a:rPr lang="en-US" sz="2000" b="1" dirty="0">
+                <a:latin typeface="Roboto"/>
+                <a:ea typeface="Roboto"/>
+                <a:cs typeface="Calibri"/>
+                <a:sym typeface="Roboto"/>
+              </a:rPr>
+              <a:t>PATCH</a:t>
+            </a:r>
+            <a:r>
+              <a:rPr lang="en-US" sz="2000" dirty="0">
+                <a:latin typeface="Roboto"/>
+                <a:ea typeface="Roboto"/>
+                <a:cs typeface="Calibri"/>
+                <a:sym typeface="Roboto"/>
+              </a:rPr>
+              <a:t> – </a:t>
+            </a:r>
+            <a:r>
+              <a:rPr lang="ru-RU" sz="2000" dirty="0">
+                <a:latin typeface="Roboto"/>
+                <a:ea typeface="Roboto"/>
+                <a:cs typeface="Calibri"/>
+                <a:sym typeface="Roboto"/>
+              </a:rPr>
+              <a:t>используется для частичного обновления ресурса.</a:t>
+            </a:r>
+            <a:endParaRPr lang="en-US" sz="2000" dirty="0">
+              <a:latin typeface="Roboto"/>
+              <a:ea typeface="Roboto"/>
+              <a:cs typeface="Calibri"/>
+              <a:sym typeface="Roboto"/>
+            </a:endParaRPr>
+          </a:p>
+          <a:p>
+            <a:pPr marL="0" marR="0" lvl="0" indent="-12700" algn="l" rtl="0">
+              <a:spcBef>
+                <a:spcPts val="1500"/>
+              </a:spcBef>
+              <a:spcAft>
+                <a:spcPts val="0"/>
+              </a:spcAft>
+              <a:buSzPts val="2000"/>
+              <a:buFont typeface="Noto Sans Symbols"/>
+              <a:buChar char="▪"/>
+            </a:pPr>
+            <a:r>
+              <a:rPr lang="en-US" sz="2000" b="0" i="0" u="none" strike="noStrike" cap="none" dirty="0">
+                <a:latin typeface="Roboto"/>
+                <a:ea typeface="Roboto"/>
+                <a:cs typeface="Calibri"/>
+                <a:sym typeface="Roboto"/>
+              </a:rPr>
+              <a:t> </a:t>
+            </a:r>
+            <a:r>
+              <a:rPr lang="en-US" sz="2000" b="1" i="0" u="none" strike="noStrike" cap="none" dirty="0">
+                <a:latin typeface="Roboto"/>
+                <a:ea typeface="Roboto"/>
+                <a:cs typeface="Calibri"/>
+                <a:sym typeface="Roboto"/>
+              </a:rPr>
+              <a:t>DELETE</a:t>
+            </a:r>
+            <a:r>
+              <a:rPr lang="en-US" sz="2000" b="0" i="0" u="none" strike="noStrike" cap="none" dirty="0">
+                <a:latin typeface="Roboto"/>
+                <a:ea typeface="Roboto"/>
+                <a:cs typeface="Calibri"/>
+                <a:sym typeface="Roboto"/>
+              </a:rPr>
+              <a:t> – </a:t>
+            </a:r>
+            <a:r>
+              <a:rPr lang="ru-RU" sz="2000" b="0" i="0" u="none" strike="noStrike" cap="none" dirty="0">
+                <a:latin typeface="Roboto"/>
+                <a:ea typeface="Roboto"/>
+                <a:cs typeface="Calibri"/>
+                <a:sym typeface="Roboto"/>
+              </a:rPr>
+              <a:t>используется для удаления ресурса.</a:t>
+            </a:r>
+          </a:p>
+          <a:p>
+            <a:pPr marL="0" marR="0" lvl="0" indent="-12700" algn="l" rtl="0">
+              <a:spcBef>
+                <a:spcPts val="1500"/>
+              </a:spcBef>
+              <a:spcAft>
+                <a:spcPts val="0"/>
+              </a:spcAft>
+              <a:buSzPts val="2000"/>
+              <a:buFont typeface="Noto Sans Symbols"/>
+              <a:buChar char="▪"/>
+            </a:pPr>
+            <a:r>
+              <a:rPr lang="ru-RU" sz="2000" dirty="0">
+                <a:latin typeface="Roboto"/>
+                <a:ea typeface="Roboto"/>
+                <a:cs typeface="Calibri"/>
+                <a:sym typeface="Roboto"/>
+              </a:rPr>
+              <a:t> </a:t>
+            </a:r>
+            <a:r>
+              <a:rPr lang="en-US" sz="2000" b="1" dirty="0">
+                <a:latin typeface="Roboto"/>
+                <a:ea typeface="Roboto"/>
+                <a:cs typeface="Calibri"/>
+                <a:sym typeface="Roboto"/>
+              </a:rPr>
+              <a:t>OPTIONS</a:t>
+            </a:r>
+            <a:r>
+              <a:rPr lang="en-US" sz="2000" dirty="0">
+                <a:latin typeface="Roboto"/>
+                <a:ea typeface="Roboto"/>
+                <a:cs typeface="Calibri"/>
+                <a:sym typeface="Roboto"/>
+              </a:rPr>
+              <a:t> – </a:t>
+            </a:r>
+            <a:r>
+              <a:rPr lang="ru-RU" sz="2000" dirty="0">
+                <a:latin typeface="Roboto"/>
+                <a:ea typeface="Roboto"/>
+                <a:cs typeface="Calibri"/>
+                <a:sym typeface="Roboto"/>
+              </a:rPr>
+              <a:t>возвращает информаицию о других операциях или </a:t>
+            </a:r>
+            <a:r>
+              <a:rPr lang="en-US" sz="2000" dirty="0">
+                <a:latin typeface="Roboto"/>
+                <a:ea typeface="Roboto"/>
+                <a:cs typeface="Calibri"/>
+                <a:sym typeface="Roboto"/>
+              </a:rPr>
+              <a:t>HTTP verbs</a:t>
+            </a:r>
+            <a:r>
+              <a:rPr lang="ru-RU" sz="2000" dirty="0">
+                <a:latin typeface="Roboto"/>
+                <a:ea typeface="Roboto"/>
+                <a:cs typeface="Calibri"/>
+                <a:sym typeface="Roboto"/>
+              </a:rPr>
+              <a:t>, которые можно применить для данного </a:t>
+            </a:r>
+            <a:r>
+              <a:rPr lang="en-US" sz="2000" dirty="0">
+                <a:latin typeface="Roboto"/>
+                <a:ea typeface="Roboto"/>
+                <a:cs typeface="Calibri"/>
+                <a:sym typeface="Roboto"/>
+              </a:rPr>
+              <a:t>URL.</a:t>
+            </a:r>
+            <a:endParaRPr sz="2000" i="0" u="none" strike="noStrike" cap="none" dirty="0">
+              <a:latin typeface="Roboto"/>
+              <a:ea typeface="Roboto"/>
+              <a:cs typeface="Roboto"/>
+              <a:sym typeface="Roboto"/>
+            </a:endParaRPr>
+          </a:p>
+        </p:txBody>
+      </p:sp>
+    </p:spTree>
+    <p:extLst>
+      <p:ext uri="{BB962C8B-B14F-4D97-AF65-F5344CB8AC3E}">
+        <p14:creationId xmlns:p14="http://schemas.microsoft.com/office/powerpoint/2010/main" val="1586901878"/>
+      </p:ext>
+    </p:extLst>
+  </p:cSld>
+  <p:clrMapOvr>
+    <a:masterClrMapping/>
+  </p:clrMapOvr>
+  <p:transition>
+    <p:fade/>
+  </p:transition>
+</p:sld>
+</file>
+
+<file path=ppt/slides/slide16.xml><?xml version="1.0" encoding="utf-8"?>
+<p:sld xmlns:a="http://schemas.openxmlformats.org/drawingml/2006/main" xmlns:r="http://schemas.openxmlformats.org/officeDocument/2006/relationships" xmlns:p="http://schemas.openxmlformats.org/presentationml/2006/main">
+  <p:cSld>
+    <p:spTree>
+      <p:nvGrpSpPr>
+        <p:cNvPr id="1" name="Shape 156"/>
+        <p:cNvGrpSpPr/>
+        <p:nvPr/>
+      </p:nvGrpSpPr>
+      <p:grpSpPr>
+        <a:xfrm>
+          <a:off x="0" y="0"/>
+          <a:ext cx="0" cy="0"/>
+          <a:chOff x="0" y="0"/>
+          <a:chExt cx="0" cy="0"/>
+        </a:xfrm>
+      </p:grpSpPr>
+      <p:sp>
+        <p:nvSpPr>
+          <p:cNvPr id="158" name="Shape 158"/>
+          <p:cNvSpPr txBox="1">
+            <a:spLocks noGrp="1"/>
+          </p:cNvSpPr>
+          <p:nvPr>
+            <p:ph type="title"/>
+          </p:nvPr>
+        </p:nvSpPr>
+        <p:spPr>
+          <a:xfrm>
+            <a:off x="457200" y="1523063"/>
+            <a:ext cx="8229600" cy="1143000"/>
+          </a:xfrm>
+          <a:prstGeom prst="rect">
+            <a:avLst/>
+          </a:prstGeom>
+          <a:noFill/>
+          <a:ln>
+            <a:noFill/>
+          </a:ln>
+        </p:spPr>
+        <p:txBody>
+          <a:bodyPr spcFirstLastPara="1" wrap="square" lIns="91425" tIns="45700" rIns="91425" bIns="45700" anchor="ctr" anchorCtr="0">
+            <a:noAutofit/>
+          </a:bodyPr>
+          <a:lstStyle/>
+          <a:p>
+            <a:pPr marL="0" marR="0" lvl="0" indent="0" algn="l" rtl="0">
+              <a:spcBef>
+                <a:spcPts val="0"/>
+              </a:spcBef>
+              <a:spcAft>
+                <a:spcPts val="0"/>
+              </a:spcAft>
+              <a:buClr>
+                <a:schemeClr val="dk1"/>
+              </a:buClr>
+              <a:buSzPts val="4400"/>
+              <a:buFont typeface="Calibri"/>
+              <a:buNone/>
+            </a:pPr>
+            <a:r>
+              <a:rPr lang="ru-RU" sz="4100" b="1" i="0" u="none" strike="noStrike" cap="none" dirty="0">
+                <a:solidFill>
+                  <a:srgbClr val="262626"/>
+                </a:solidFill>
+                <a:latin typeface="Roboto"/>
+                <a:ea typeface="Roboto"/>
+                <a:cs typeface="Roboto"/>
+                <a:sym typeface="Roboto"/>
+              </a:rPr>
+              <a:t>Атрибуты указывающие на источник параметра</a:t>
+            </a:r>
+          </a:p>
+        </p:txBody>
+      </p:sp>
+      <p:sp>
+        <p:nvSpPr>
+          <p:cNvPr id="159" name="Shape 159"/>
+          <p:cNvSpPr/>
+          <p:nvPr/>
+        </p:nvSpPr>
+        <p:spPr>
+          <a:xfrm>
+            <a:off x="7145316" y="408237"/>
+            <a:ext cx="1856100" cy="290400"/>
+          </a:xfrm>
+          <a:prstGeom prst="roundRect">
+            <a:avLst>
+              <a:gd name="adj" fmla="val 0"/>
+            </a:avLst>
+          </a:prstGeom>
+          <a:noFill/>
+          <a:ln>
+            <a:noFill/>
+          </a:ln>
+        </p:spPr>
+        <p:txBody>
+          <a:bodyPr spcFirstLastPara="1" wrap="square" lIns="91425" tIns="45700" rIns="91425" bIns="45700" anchor="ctr" anchorCtr="0">
+            <a:noAutofit/>
+          </a:bodyPr>
+          <a:lstStyle/>
+          <a:p>
+            <a:pPr marL="0" marR="0" lvl="0" indent="0" algn="ctr" rtl="0">
+              <a:spcBef>
+                <a:spcPts val="0"/>
+              </a:spcBef>
+              <a:spcAft>
+                <a:spcPts val="0"/>
+              </a:spcAft>
+              <a:buClr>
+                <a:schemeClr val="lt1"/>
+              </a:buClr>
+              <a:buSzPts val="1200"/>
+              <a:buFont typeface="Arial"/>
+              <a:buNone/>
+            </a:pPr>
+            <a:r>
+              <a:rPr lang="en-US" sz="1500" b="1" i="0" strike="noStrike" cap="none">
+                <a:solidFill>
+                  <a:srgbClr val="262626"/>
+                </a:solidFill>
+                <a:latin typeface="Roboto"/>
+                <a:ea typeface="Roboto"/>
+                <a:cs typeface="Roboto"/>
+                <a:sym typeface="Roboto"/>
+              </a:rPr>
+              <a:t>www.itea.ua</a:t>
+            </a:r>
+            <a:endParaRPr sz="1500" b="1" i="0" strike="noStrike" cap="none">
+              <a:solidFill>
+                <a:srgbClr val="262626"/>
+              </a:solidFill>
+              <a:latin typeface="Roboto"/>
+              <a:ea typeface="Roboto"/>
+              <a:cs typeface="Roboto"/>
+              <a:sym typeface="Roboto"/>
+            </a:endParaRPr>
+          </a:p>
+        </p:txBody>
+      </p:sp>
+      <p:sp>
+        <p:nvSpPr>
+          <p:cNvPr id="160" name="Shape 160"/>
+          <p:cNvSpPr/>
+          <p:nvPr/>
+        </p:nvSpPr>
+        <p:spPr>
+          <a:xfrm rot="10800000" flipH="1">
+            <a:off x="0" y="1127850"/>
+            <a:ext cx="3143100" cy="42300"/>
+          </a:xfrm>
+          <a:prstGeom prst="rect">
+            <a:avLst/>
+          </a:prstGeom>
+          <a:solidFill>
+            <a:srgbClr val="CC0000"/>
+          </a:solidFill>
+          <a:ln>
+            <a:noFill/>
+          </a:ln>
+        </p:spPr>
+        <p:txBody>
+          <a:bodyPr spcFirstLastPara="1" wrap="square" lIns="91425" tIns="91425" rIns="91425" bIns="91425" anchor="ctr" anchorCtr="0">
+            <a:noAutofit/>
+          </a:bodyPr>
+          <a:lstStyle/>
+          <a:p>
+            <a:pPr marL="0" lvl="0" indent="0">
+              <a:spcBef>
+                <a:spcPts val="0"/>
+              </a:spcBef>
+              <a:spcAft>
+                <a:spcPts val="0"/>
+              </a:spcAft>
+              <a:buNone/>
+            </a:pPr>
+            <a:r>
+              <a:rPr lang="en-US"/>
+              <a:t>                                                                                     </a:t>
+            </a:r>
+            <a:endParaRPr/>
+          </a:p>
+        </p:txBody>
+      </p:sp>
+      <p:sp>
+        <p:nvSpPr>
+          <p:cNvPr id="161" name="Shape 161"/>
+          <p:cNvSpPr/>
+          <p:nvPr/>
+        </p:nvSpPr>
+        <p:spPr>
+          <a:xfrm rot="10800000" flipH="1">
+            <a:off x="3067050" y="1127850"/>
+            <a:ext cx="3143100" cy="42300"/>
+          </a:xfrm>
+          <a:prstGeom prst="rect">
+            <a:avLst/>
+          </a:prstGeom>
+          <a:solidFill>
+            <a:srgbClr val="262626"/>
+          </a:solidFill>
+          <a:ln>
+            <a:noFill/>
+          </a:ln>
+        </p:spPr>
+        <p:txBody>
+          <a:bodyPr spcFirstLastPara="1" wrap="square" lIns="91425" tIns="91425" rIns="91425" bIns="91425" anchor="ctr" anchorCtr="0">
+            <a:noAutofit/>
+          </a:bodyPr>
+          <a:lstStyle/>
+          <a:p>
+            <a:pPr marL="0" lvl="0" indent="0">
+              <a:spcBef>
+                <a:spcPts val="0"/>
+              </a:spcBef>
+              <a:spcAft>
+                <a:spcPts val="0"/>
+              </a:spcAft>
+              <a:buNone/>
+            </a:pPr>
+            <a:endParaRPr/>
+          </a:p>
+        </p:txBody>
+      </p:sp>
+      <p:pic>
+        <p:nvPicPr>
+          <p:cNvPr id="162" name="Shape 162"/>
+          <p:cNvPicPr preferRelativeResize="0"/>
+          <p:nvPr/>
+        </p:nvPicPr>
+        <p:blipFill>
+          <a:blip r:embed="rId3">
+            <a:alphaModFix/>
+          </a:blip>
+          <a:stretch>
+            <a:fillRect/>
+          </a:stretch>
+        </p:blipFill>
+        <p:spPr>
+          <a:xfrm>
+            <a:off x="353700" y="302000"/>
+            <a:ext cx="1741800" cy="502875"/>
+          </a:xfrm>
+          <a:prstGeom prst="rect">
+            <a:avLst/>
+          </a:prstGeom>
+          <a:noFill/>
+          <a:ln>
+            <a:noFill/>
+          </a:ln>
+        </p:spPr>
+      </p:pic>
+      <p:sp>
+        <p:nvSpPr>
+          <p:cNvPr id="163" name="Shape 163"/>
+          <p:cNvSpPr txBox="1"/>
+          <p:nvPr/>
+        </p:nvSpPr>
+        <p:spPr>
+          <a:xfrm>
+            <a:off x="457200" y="2915752"/>
+            <a:ext cx="8181300" cy="3074100"/>
+          </a:xfrm>
+          <a:prstGeom prst="rect">
+            <a:avLst/>
+          </a:prstGeom>
+          <a:noFill/>
+          <a:ln>
+            <a:noFill/>
+          </a:ln>
+        </p:spPr>
+        <p:txBody>
+          <a:bodyPr spcFirstLastPara="1" wrap="square" lIns="91425" tIns="45700" rIns="91425" bIns="45700" anchor="ctr" anchorCtr="0">
+            <a:noAutofit/>
+          </a:bodyPr>
+          <a:lstStyle/>
+          <a:p>
+            <a:pPr marL="0" marR="0" lvl="0" indent="-12700" algn="l" rtl="0">
+              <a:spcBef>
+                <a:spcPts val="1500"/>
+              </a:spcBef>
+              <a:spcAft>
+                <a:spcPts val="0"/>
+              </a:spcAft>
+              <a:buSzPts val="2000"/>
+              <a:buFont typeface="Noto Sans Symbols"/>
+              <a:buChar char="▪"/>
+            </a:pPr>
+            <a:r>
+              <a:rPr lang="en-US" sz="2000" b="0" i="0" u="none" strike="noStrike" cap="none" dirty="0">
+                <a:solidFill>
+                  <a:srgbClr val="424C53"/>
+                </a:solidFill>
+                <a:latin typeface="Calibri"/>
+                <a:ea typeface="Calibri"/>
+                <a:cs typeface="Calibri"/>
+                <a:sym typeface="Calibri"/>
+              </a:rPr>
+              <a:t> </a:t>
+            </a:r>
+            <a:r>
+              <a:rPr lang="en-US" sz="2000" b="1" dirty="0">
+                <a:latin typeface="Roboto"/>
+                <a:ea typeface="Roboto"/>
+                <a:cs typeface="Roboto"/>
+                <a:sym typeface="Roboto"/>
+              </a:rPr>
+              <a:t>[</a:t>
+            </a:r>
+            <a:r>
+              <a:rPr lang="en-US" sz="2000" b="1" dirty="0" err="1">
+                <a:latin typeface="Roboto"/>
+                <a:ea typeface="Roboto"/>
+                <a:cs typeface="Roboto"/>
+                <a:sym typeface="Roboto"/>
+              </a:rPr>
+              <a:t>FromBody</a:t>
+            </a:r>
+            <a:r>
+              <a:rPr lang="en-US" sz="2000" b="1" dirty="0">
+                <a:latin typeface="Roboto"/>
+                <a:ea typeface="Roboto"/>
+                <a:cs typeface="Roboto"/>
+                <a:sym typeface="Roboto"/>
+              </a:rPr>
+              <a:t>] </a:t>
+            </a:r>
+            <a:r>
+              <a:rPr lang="en-US" sz="2000" dirty="0">
+                <a:latin typeface="Roboto"/>
+                <a:ea typeface="Roboto"/>
+                <a:cs typeface="Roboto"/>
+                <a:sym typeface="Roboto"/>
+              </a:rPr>
+              <a:t>– </a:t>
+            </a:r>
+            <a:r>
+              <a:rPr lang="ru-RU" sz="2000" dirty="0">
+                <a:latin typeface="Roboto"/>
+                <a:ea typeface="Roboto"/>
+                <a:cs typeface="Roboto"/>
+                <a:sym typeface="Roboto"/>
+              </a:rPr>
+              <a:t>из тела запроса.</a:t>
+            </a:r>
+            <a:endParaRPr sz="2000" b="0" i="0" u="none" strike="noStrike" cap="none" dirty="0">
+              <a:latin typeface="Calibri"/>
+              <a:ea typeface="Calibri"/>
+              <a:cs typeface="Calibri"/>
+              <a:sym typeface="Calibri"/>
+            </a:endParaRPr>
+          </a:p>
+          <a:p>
+            <a:pPr marL="0" marR="0" lvl="0" indent="-12700" algn="l" rtl="0">
+              <a:spcBef>
+                <a:spcPts val="1500"/>
+              </a:spcBef>
+              <a:spcAft>
+                <a:spcPts val="0"/>
+              </a:spcAft>
+              <a:buSzPts val="2000"/>
+              <a:buFont typeface="Noto Sans Symbols"/>
+              <a:buChar char="▪"/>
+            </a:pPr>
+            <a:r>
+              <a:rPr lang="en-US" sz="2000" b="0" i="0" u="none" strike="noStrike" cap="none" dirty="0">
+                <a:latin typeface="Calibri"/>
+                <a:ea typeface="Calibri"/>
+                <a:cs typeface="Calibri"/>
+                <a:sym typeface="Calibri"/>
+              </a:rPr>
+              <a:t> </a:t>
+            </a:r>
+            <a:r>
+              <a:rPr lang="en-US" sz="2000" b="1" i="0" u="none" strike="noStrike" cap="none" dirty="0">
+                <a:latin typeface="Roboto"/>
+                <a:ea typeface="Roboto"/>
+                <a:cs typeface="Calibri"/>
+                <a:sym typeface="Roboto"/>
+              </a:rPr>
+              <a:t>[</a:t>
+            </a:r>
+            <a:r>
+              <a:rPr lang="en-US" sz="2000" b="1" i="0" u="none" strike="noStrike" cap="none" dirty="0" err="1">
+                <a:latin typeface="Roboto"/>
+                <a:ea typeface="Roboto"/>
+                <a:cs typeface="Calibri"/>
+                <a:sym typeface="Roboto"/>
+              </a:rPr>
+              <a:t>FromForm</a:t>
+            </a:r>
+            <a:r>
+              <a:rPr lang="en-US" sz="2000" b="1" i="0" u="none" strike="noStrike" cap="none" dirty="0">
+                <a:latin typeface="Roboto"/>
+                <a:ea typeface="Roboto"/>
+                <a:cs typeface="Calibri"/>
+                <a:sym typeface="Roboto"/>
+              </a:rPr>
+              <a:t>] </a:t>
+            </a:r>
+            <a:r>
+              <a:rPr lang="en-US" sz="2000" b="0" i="0" u="none" strike="noStrike" cap="none" dirty="0">
+                <a:latin typeface="Roboto"/>
+                <a:ea typeface="Roboto"/>
+                <a:cs typeface="Calibri"/>
+                <a:sym typeface="Roboto"/>
+              </a:rPr>
+              <a:t>– </a:t>
+            </a:r>
+            <a:r>
+              <a:rPr lang="ru-RU" sz="2000" b="0" i="0" u="none" strike="noStrike" cap="none" dirty="0">
+                <a:latin typeface="Roboto"/>
+                <a:ea typeface="Roboto"/>
+                <a:cs typeface="Calibri"/>
+                <a:sym typeface="Roboto"/>
+              </a:rPr>
+              <a:t>из формы в теле запроса</a:t>
+            </a:r>
+          </a:p>
+          <a:p>
+            <a:pPr marL="0" marR="0" lvl="0" indent="-12700" algn="l" rtl="0">
+              <a:spcBef>
+                <a:spcPts val="1500"/>
+              </a:spcBef>
+              <a:spcAft>
+                <a:spcPts val="0"/>
+              </a:spcAft>
+              <a:buSzPts val="2000"/>
+              <a:buFont typeface="Noto Sans Symbols"/>
+              <a:buChar char="▪"/>
+            </a:pPr>
+            <a:r>
+              <a:rPr lang="ru-RU" sz="2000" dirty="0">
+                <a:latin typeface="Roboto"/>
+                <a:ea typeface="Roboto"/>
+                <a:cs typeface="Calibri"/>
+                <a:sym typeface="Roboto"/>
+              </a:rPr>
+              <a:t> </a:t>
+            </a:r>
+            <a:r>
+              <a:rPr lang="en-US" sz="2000" b="1" dirty="0">
+                <a:latin typeface="Roboto"/>
+                <a:ea typeface="Roboto"/>
+                <a:cs typeface="Calibri"/>
+                <a:sym typeface="Roboto"/>
+              </a:rPr>
+              <a:t>[</a:t>
+            </a:r>
+            <a:r>
+              <a:rPr lang="en-US" sz="2000" b="1" dirty="0" err="1">
+                <a:latin typeface="Roboto"/>
+                <a:ea typeface="Roboto"/>
+                <a:cs typeface="Calibri"/>
+                <a:sym typeface="Roboto"/>
+              </a:rPr>
+              <a:t>FromHeader</a:t>
+            </a:r>
+            <a:r>
+              <a:rPr lang="en-US" sz="2000" b="1" dirty="0">
+                <a:latin typeface="Roboto"/>
+                <a:ea typeface="Roboto"/>
+                <a:cs typeface="Calibri"/>
+                <a:sym typeface="Roboto"/>
+              </a:rPr>
+              <a:t>] </a:t>
+            </a:r>
+            <a:r>
+              <a:rPr lang="en-US" sz="2000" dirty="0">
+                <a:latin typeface="Roboto"/>
+                <a:ea typeface="Roboto"/>
+                <a:cs typeface="Calibri"/>
+                <a:sym typeface="Roboto"/>
+              </a:rPr>
+              <a:t>– </a:t>
+            </a:r>
+            <a:r>
+              <a:rPr lang="ru-RU" sz="2000" dirty="0">
+                <a:latin typeface="Roboto"/>
+                <a:ea typeface="Roboto"/>
+                <a:cs typeface="Calibri"/>
+                <a:sym typeface="Roboto"/>
+              </a:rPr>
+              <a:t>из заголовка запроса</a:t>
+            </a:r>
+          </a:p>
+          <a:p>
+            <a:pPr marL="0" marR="0" lvl="0" indent="-12700" algn="l" rtl="0">
+              <a:spcBef>
+                <a:spcPts val="1500"/>
+              </a:spcBef>
+              <a:spcAft>
+                <a:spcPts val="0"/>
+              </a:spcAft>
+              <a:buSzPts val="2000"/>
+              <a:buFont typeface="Noto Sans Symbols"/>
+              <a:buChar char="▪"/>
+            </a:pPr>
+            <a:r>
+              <a:rPr lang="ru-RU" sz="2000" b="0" i="0" u="none" strike="noStrike" cap="none" dirty="0">
+                <a:latin typeface="Roboto"/>
+                <a:ea typeface="Roboto"/>
+                <a:cs typeface="Calibri"/>
+                <a:sym typeface="Roboto"/>
+              </a:rPr>
+              <a:t> </a:t>
+            </a:r>
+            <a:r>
+              <a:rPr lang="en-US" sz="2000" b="1" dirty="0">
+                <a:latin typeface="Roboto"/>
+                <a:ea typeface="Roboto"/>
+                <a:cs typeface="Calibri"/>
+                <a:sym typeface="Roboto"/>
+              </a:rPr>
+              <a:t>[</a:t>
+            </a:r>
+            <a:r>
+              <a:rPr lang="en-US" sz="2000" b="1" dirty="0" err="1">
+                <a:latin typeface="Roboto"/>
+                <a:ea typeface="Roboto"/>
+                <a:cs typeface="Calibri"/>
+                <a:sym typeface="Roboto"/>
+              </a:rPr>
+              <a:t>FromQuery</a:t>
+            </a:r>
+            <a:r>
+              <a:rPr lang="en-US" sz="2000" b="1" dirty="0">
+                <a:latin typeface="Roboto"/>
+                <a:ea typeface="Roboto"/>
+                <a:cs typeface="Calibri"/>
+                <a:sym typeface="Roboto"/>
+              </a:rPr>
+              <a:t>] </a:t>
+            </a:r>
+            <a:r>
+              <a:rPr lang="en-US" sz="2000" dirty="0">
+                <a:latin typeface="Roboto"/>
+                <a:ea typeface="Roboto"/>
+                <a:cs typeface="Calibri"/>
+                <a:sym typeface="Roboto"/>
+              </a:rPr>
+              <a:t>– </a:t>
+            </a:r>
+            <a:r>
+              <a:rPr lang="ru-RU" sz="2000" dirty="0">
+                <a:latin typeface="Roboto"/>
+                <a:ea typeface="Roboto"/>
+                <a:cs typeface="Calibri"/>
+                <a:sym typeface="Roboto"/>
+              </a:rPr>
+              <a:t>из параметров в </a:t>
+            </a:r>
+            <a:r>
+              <a:rPr lang="en-US" sz="2000" dirty="0">
+                <a:latin typeface="Roboto"/>
+                <a:ea typeface="Roboto"/>
+                <a:cs typeface="Calibri"/>
+                <a:sym typeface="Roboto"/>
+              </a:rPr>
+              <a:t>URL</a:t>
+            </a:r>
+            <a:endParaRPr lang="ru-RU" sz="2000" dirty="0">
+              <a:latin typeface="Roboto"/>
+              <a:ea typeface="Roboto"/>
+              <a:cs typeface="Calibri"/>
+              <a:sym typeface="Roboto"/>
+            </a:endParaRPr>
+          </a:p>
+          <a:p>
+            <a:pPr marL="0" marR="0" lvl="0" indent="-12700" algn="l" rtl="0">
+              <a:spcBef>
+                <a:spcPts val="1500"/>
+              </a:spcBef>
+              <a:spcAft>
+                <a:spcPts val="0"/>
+              </a:spcAft>
+              <a:buSzPts val="2000"/>
+              <a:buFont typeface="Noto Sans Symbols"/>
+              <a:buChar char="▪"/>
+            </a:pPr>
+            <a:r>
+              <a:rPr lang="ru-RU" sz="2000" b="0" i="0" u="none" strike="noStrike" cap="none" dirty="0">
+                <a:latin typeface="Roboto"/>
+                <a:ea typeface="Roboto"/>
+                <a:cs typeface="Calibri"/>
+                <a:sym typeface="Roboto"/>
+              </a:rPr>
+              <a:t> </a:t>
+            </a:r>
+            <a:r>
+              <a:rPr lang="en-US" sz="2000" b="1" dirty="0">
+                <a:latin typeface="Roboto"/>
+                <a:ea typeface="Roboto"/>
+                <a:cs typeface="Calibri"/>
+                <a:sym typeface="Roboto"/>
+              </a:rPr>
+              <a:t>[</a:t>
+            </a:r>
+            <a:r>
+              <a:rPr lang="en-US" sz="2000" b="1" dirty="0" err="1">
+                <a:latin typeface="Roboto"/>
+                <a:ea typeface="Roboto"/>
+                <a:cs typeface="Calibri"/>
+                <a:sym typeface="Roboto"/>
+              </a:rPr>
+              <a:t>FromRoute</a:t>
+            </a:r>
+            <a:r>
+              <a:rPr lang="en-US" sz="2000" b="1" dirty="0">
+                <a:latin typeface="Roboto"/>
+                <a:ea typeface="Roboto"/>
+                <a:cs typeface="Calibri"/>
+                <a:sym typeface="Roboto"/>
+              </a:rPr>
+              <a:t>] </a:t>
+            </a:r>
+            <a:r>
+              <a:rPr lang="en-US" sz="2000" dirty="0">
+                <a:latin typeface="Roboto"/>
+                <a:ea typeface="Roboto"/>
+                <a:cs typeface="Calibri"/>
+                <a:sym typeface="Roboto"/>
+              </a:rPr>
+              <a:t>– </a:t>
+            </a:r>
+            <a:r>
+              <a:rPr lang="ru-RU" sz="2000" dirty="0">
+                <a:latin typeface="Roboto"/>
+                <a:ea typeface="Roboto"/>
+                <a:cs typeface="Calibri"/>
+                <a:sym typeface="Roboto"/>
+              </a:rPr>
+              <a:t>из </a:t>
+            </a:r>
+            <a:r>
+              <a:rPr lang="en-US" sz="2000" dirty="0">
+                <a:latin typeface="Roboto"/>
+                <a:ea typeface="Roboto"/>
+                <a:cs typeface="Calibri"/>
+                <a:sym typeface="Roboto"/>
+              </a:rPr>
+              <a:t>URL</a:t>
+            </a:r>
+          </a:p>
+          <a:p>
+            <a:pPr marL="0" marR="0" lvl="0" indent="-12700" algn="l" rtl="0">
+              <a:spcBef>
+                <a:spcPts val="1500"/>
+              </a:spcBef>
+              <a:spcAft>
+                <a:spcPts val="0"/>
+              </a:spcAft>
+              <a:buSzPts val="2000"/>
+              <a:buFont typeface="Noto Sans Symbols"/>
+              <a:buChar char="▪"/>
+            </a:pPr>
+            <a:r>
+              <a:rPr lang="en-US" sz="2000" b="0" i="0" u="none" strike="noStrike" cap="none" dirty="0">
+                <a:latin typeface="Roboto"/>
+                <a:ea typeface="Roboto"/>
+                <a:cs typeface="Calibri"/>
+                <a:sym typeface="Roboto"/>
+              </a:rPr>
+              <a:t> </a:t>
+            </a:r>
+            <a:r>
+              <a:rPr lang="en-US" sz="2000" b="1" i="0" u="none" strike="noStrike" cap="none" dirty="0">
+                <a:latin typeface="Roboto"/>
+                <a:ea typeface="Roboto"/>
+                <a:cs typeface="Calibri"/>
+                <a:sym typeface="Roboto"/>
+              </a:rPr>
+              <a:t>[</a:t>
+            </a:r>
+            <a:r>
+              <a:rPr lang="en-US" sz="2000" b="1" i="0" u="none" strike="noStrike" cap="none" dirty="0" err="1">
+                <a:latin typeface="Roboto"/>
+                <a:ea typeface="Roboto"/>
+                <a:cs typeface="Calibri"/>
+                <a:sym typeface="Roboto"/>
+              </a:rPr>
+              <a:t>FromServices</a:t>
+            </a:r>
+            <a:r>
+              <a:rPr lang="en-US" sz="2000" b="1" i="0" u="none" strike="noStrike" cap="none" dirty="0">
+                <a:latin typeface="Roboto"/>
+                <a:ea typeface="Roboto"/>
+                <a:cs typeface="Calibri"/>
+                <a:sym typeface="Roboto"/>
+              </a:rPr>
+              <a:t>] </a:t>
+            </a:r>
+            <a:r>
+              <a:rPr lang="en-US" sz="2000" b="0" i="0" u="none" strike="noStrike" cap="none" dirty="0">
+                <a:latin typeface="Roboto"/>
+                <a:ea typeface="Roboto"/>
+                <a:cs typeface="Calibri"/>
+                <a:sym typeface="Roboto"/>
+              </a:rPr>
+              <a:t>– </a:t>
+            </a:r>
+            <a:r>
+              <a:rPr lang="ru-RU" sz="2000" b="0" i="0" u="none" strike="noStrike" cap="none" dirty="0">
+                <a:latin typeface="Roboto"/>
+                <a:ea typeface="Roboto"/>
+                <a:cs typeface="Calibri"/>
+                <a:sym typeface="Roboto"/>
+              </a:rPr>
+              <a:t>из зарегестрированых сервисов</a:t>
+            </a:r>
+            <a:endParaRPr sz="2000" i="0" u="none" strike="noStrike" cap="none" dirty="0">
+              <a:latin typeface="Roboto"/>
+              <a:ea typeface="Roboto"/>
+              <a:cs typeface="Roboto"/>
+              <a:sym typeface="Roboto"/>
+            </a:endParaRPr>
+          </a:p>
+        </p:txBody>
+      </p:sp>
+    </p:spTree>
+  </p:cSld>
+  <p:clrMapOvr>
+    <a:masterClrMapping/>
+  </p:clrMapOvr>
+  <p:transition>
+    <p:fade/>
+  </p:transition>
+</p:sld>
+</file>
+
+<file path=ppt/slides/slide2.xml><?xml version="1.0" encoding="utf-8"?>
 <p:sld xmlns:a="http://schemas.openxmlformats.org/drawingml/2006/main" xmlns:r="http://schemas.openxmlformats.org/officeDocument/2006/relationships" xmlns:p="http://schemas.openxmlformats.org/presentationml/2006/main">
   <p:cSld>
     <p:spTree>
@@ -22571,7 +26858,7 @@
 </p:sld>
 </file>
 
-<file path=ppt/slides/slide12.xml><?xml version="1.0" encoding="utf-8"?>
+<file path=ppt/slides/slide3.xml><?xml version="1.0" encoding="utf-8"?>
 <p:sld xmlns:a="http://schemas.openxmlformats.org/drawingml/2006/main" xmlns:r="http://schemas.openxmlformats.org/officeDocument/2006/relationships" xmlns:p="http://schemas.openxmlformats.org/presentationml/2006/main">
   <p:cSld>
     <p:spTree>
@@ -23012,7 +27299,7 @@
 </p:sld>
 </file>
 
-<file path=ppt/slides/slide13.xml><?xml version="1.0" encoding="utf-8"?>
+<file path=ppt/slides/slide4.xml><?xml version="1.0" encoding="utf-8"?>
 <p:sld xmlns:a="http://schemas.openxmlformats.org/drawingml/2006/main" xmlns:r="http://schemas.openxmlformats.org/officeDocument/2006/relationships" xmlns:p="http://schemas.openxmlformats.org/presentationml/2006/main">
   <p:cSld>
     <p:spTree>
@@ -23617,7 +27904,7 @@
 </p:sld>
 </file>
 
-<file path=ppt/slides/slide14.xml><?xml version="1.0" encoding="utf-8"?>
+<file path=ppt/slides/slide5.xml><?xml version="1.0" encoding="utf-8"?>
 <p:sld xmlns:a="http://schemas.openxmlformats.org/drawingml/2006/main" xmlns:r="http://schemas.openxmlformats.org/officeDocument/2006/relationships" xmlns:p="http://schemas.openxmlformats.org/presentationml/2006/main">
   <p:cSld>
     <p:spTree>
@@ -24274,1452 +28561,7 @@
 </p:sld>
 </file>
 
-<file path=ppt/slides/slide15.xml><?xml version="1.0" encoding="utf-8"?>
-<p:sld xmlns:a="http://schemas.openxmlformats.org/drawingml/2006/main" xmlns:r="http://schemas.openxmlformats.org/officeDocument/2006/relationships" xmlns:p="http://schemas.openxmlformats.org/presentationml/2006/main">
-  <p:cSld>
-    <p:spTree>
-      <p:nvGrpSpPr>
-        <p:cNvPr id="1" name="Shape 156"/>
-        <p:cNvGrpSpPr/>
-        <p:nvPr/>
-      </p:nvGrpSpPr>
-      <p:grpSpPr>
-        <a:xfrm>
-          <a:off x="0" y="0"/>
-          <a:ext cx="0" cy="0"/>
-          <a:chOff x="0" y="0"/>
-          <a:chExt cx="0" cy="0"/>
-        </a:xfrm>
-      </p:grpSpPr>
-      <p:sp>
-        <p:nvSpPr>
-          <p:cNvPr id="158" name="Shape 158"/>
-          <p:cNvSpPr txBox="1">
-            <a:spLocks noGrp="1"/>
-          </p:cNvSpPr>
-          <p:nvPr>
-            <p:ph type="title"/>
-          </p:nvPr>
-        </p:nvSpPr>
-        <p:spPr>
-          <a:xfrm>
-            <a:off x="447074" y="1628543"/>
-            <a:ext cx="8229600" cy="527411"/>
-          </a:xfrm>
-          <a:prstGeom prst="rect">
-            <a:avLst/>
-          </a:prstGeom>
-          <a:noFill/>
-          <a:ln>
-            <a:noFill/>
-          </a:ln>
-        </p:spPr>
-        <p:txBody>
-          <a:bodyPr spcFirstLastPara="1" wrap="square" lIns="91425" tIns="45700" rIns="91425" bIns="45700" anchor="ctr" anchorCtr="0">
-            <a:noAutofit/>
-          </a:bodyPr>
-          <a:lstStyle/>
-          <a:p>
-            <a:pPr marL="0" marR="0" lvl="0" indent="0" algn="l" rtl="0">
-              <a:spcBef>
-                <a:spcPts val="0"/>
-              </a:spcBef>
-              <a:spcAft>
-                <a:spcPts val="0"/>
-              </a:spcAft>
-              <a:buClr>
-                <a:schemeClr val="dk1"/>
-              </a:buClr>
-              <a:buSzPts val="4400"/>
-              <a:buFont typeface="Calibri"/>
-              <a:buNone/>
-            </a:pPr>
-            <a:r>
-              <a:rPr lang="en-US" sz="4100" b="1" dirty="0">
-                <a:solidFill>
-                  <a:srgbClr val="262626"/>
-                </a:solidFill>
-                <a:latin typeface="Roboto"/>
-                <a:ea typeface="Roboto"/>
-                <a:cs typeface="Roboto"/>
-                <a:sym typeface="Roboto"/>
-              </a:rPr>
-              <a:t>HTTP verbs</a:t>
-            </a:r>
-            <a:endParaRPr lang="ru-RU" sz="4100" b="1" i="0" u="none" strike="noStrike" cap="none" dirty="0">
-              <a:solidFill>
-                <a:srgbClr val="262626"/>
-              </a:solidFill>
-              <a:latin typeface="Roboto"/>
-              <a:ea typeface="Roboto"/>
-              <a:cs typeface="Roboto"/>
-              <a:sym typeface="Roboto"/>
-            </a:endParaRPr>
-          </a:p>
-        </p:txBody>
-      </p:sp>
-      <p:sp>
-        <p:nvSpPr>
-          <p:cNvPr id="159" name="Shape 159"/>
-          <p:cNvSpPr/>
-          <p:nvPr/>
-        </p:nvSpPr>
-        <p:spPr>
-          <a:xfrm>
-            <a:off x="7145316" y="408237"/>
-            <a:ext cx="1856100" cy="290400"/>
-          </a:xfrm>
-          <a:prstGeom prst="roundRect">
-            <a:avLst>
-              <a:gd name="adj" fmla="val 0"/>
-            </a:avLst>
-          </a:prstGeom>
-          <a:noFill/>
-          <a:ln>
-            <a:noFill/>
-          </a:ln>
-        </p:spPr>
-        <p:txBody>
-          <a:bodyPr spcFirstLastPara="1" wrap="square" lIns="91425" tIns="45700" rIns="91425" bIns="45700" anchor="ctr" anchorCtr="0">
-            <a:noAutofit/>
-          </a:bodyPr>
-          <a:lstStyle/>
-          <a:p>
-            <a:pPr marL="0" marR="0" lvl="0" indent="0" algn="ctr" rtl="0">
-              <a:spcBef>
-                <a:spcPts val="0"/>
-              </a:spcBef>
-              <a:spcAft>
-                <a:spcPts val="0"/>
-              </a:spcAft>
-              <a:buClr>
-                <a:schemeClr val="lt1"/>
-              </a:buClr>
-              <a:buSzPts val="1200"/>
-              <a:buFont typeface="Arial"/>
-              <a:buNone/>
-            </a:pPr>
-            <a:r>
-              <a:rPr lang="en-US" sz="1500" b="1" i="0" strike="noStrike" cap="none">
-                <a:solidFill>
-                  <a:srgbClr val="262626"/>
-                </a:solidFill>
-                <a:latin typeface="Roboto"/>
-                <a:ea typeface="Roboto"/>
-                <a:cs typeface="Roboto"/>
-                <a:sym typeface="Roboto"/>
-              </a:rPr>
-              <a:t>www.itea.ua</a:t>
-            </a:r>
-            <a:endParaRPr sz="1500" b="1" i="0" strike="noStrike" cap="none">
-              <a:solidFill>
-                <a:srgbClr val="262626"/>
-              </a:solidFill>
-              <a:latin typeface="Roboto"/>
-              <a:ea typeface="Roboto"/>
-              <a:cs typeface="Roboto"/>
-              <a:sym typeface="Roboto"/>
-            </a:endParaRPr>
-          </a:p>
-        </p:txBody>
-      </p:sp>
-      <p:sp>
-        <p:nvSpPr>
-          <p:cNvPr id="160" name="Shape 160"/>
-          <p:cNvSpPr/>
-          <p:nvPr/>
-        </p:nvSpPr>
-        <p:spPr>
-          <a:xfrm rot="10800000" flipH="1">
-            <a:off x="0" y="1127850"/>
-            <a:ext cx="3143100" cy="42300"/>
-          </a:xfrm>
-          <a:prstGeom prst="rect">
-            <a:avLst/>
-          </a:prstGeom>
-          <a:solidFill>
-            <a:srgbClr val="CC0000"/>
-          </a:solidFill>
-          <a:ln>
-            <a:noFill/>
-          </a:ln>
-        </p:spPr>
-        <p:txBody>
-          <a:bodyPr spcFirstLastPara="1" wrap="square" lIns="91425" tIns="91425" rIns="91425" bIns="91425" anchor="ctr" anchorCtr="0">
-            <a:noAutofit/>
-          </a:bodyPr>
-          <a:lstStyle/>
-          <a:p>
-            <a:pPr marL="0" lvl="0" indent="0">
-              <a:spcBef>
-                <a:spcPts val="0"/>
-              </a:spcBef>
-              <a:spcAft>
-                <a:spcPts val="0"/>
-              </a:spcAft>
-              <a:buNone/>
-            </a:pPr>
-            <a:r>
-              <a:rPr lang="en-US"/>
-              <a:t>                                                                                     </a:t>
-            </a:r>
-            <a:endParaRPr/>
-          </a:p>
-        </p:txBody>
-      </p:sp>
-      <p:sp>
-        <p:nvSpPr>
-          <p:cNvPr id="161" name="Shape 161"/>
-          <p:cNvSpPr/>
-          <p:nvPr/>
-        </p:nvSpPr>
-        <p:spPr>
-          <a:xfrm rot="10800000" flipH="1">
-            <a:off x="3067050" y="1127850"/>
-            <a:ext cx="3143100" cy="42300"/>
-          </a:xfrm>
-          <a:prstGeom prst="rect">
-            <a:avLst/>
-          </a:prstGeom>
-          <a:solidFill>
-            <a:srgbClr val="262626"/>
-          </a:solidFill>
-          <a:ln>
-            <a:noFill/>
-          </a:ln>
-        </p:spPr>
-        <p:txBody>
-          <a:bodyPr spcFirstLastPara="1" wrap="square" lIns="91425" tIns="91425" rIns="91425" bIns="91425" anchor="ctr" anchorCtr="0">
-            <a:noAutofit/>
-          </a:bodyPr>
-          <a:lstStyle/>
-          <a:p>
-            <a:pPr marL="0" lvl="0" indent="0">
-              <a:spcBef>
-                <a:spcPts val="0"/>
-              </a:spcBef>
-              <a:spcAft>
-                <a:spcPts val="0"/>
-              </a:spcAft>
-              <a:buNone/>
-            </a:pPr>
-            <a:endParaRPr/>
-          </a:p>
-        </p:txBody>
-      </p:sp>
-      <p:pic>
-        <p:nvPicPr>
-          <p:cNvPr id="162" name="Shape 162"/>
-          <p:cNvPicPr preferRelativeResize="0"/>
-          <p:nvPr/>
-        </p:nvPicPr>
-        <p:blipFill>
-          <a:blip r:embed="rId3">
-            <a:alphaModFix/>
-          </a:blip>
-          <a:stretch>
-            <a:fillRect/>
-          </a:stretch>
-        </p:blipFill>
-        <p:spPr>
-          <a:xfrm>
-            <a:off x="353700" y="302000"/>
-            <a:ext cx="1741800" cy="502875"/>
-          </a:xfrm>
-          <a:prstGeom prst="rect">
-            <a:avLst/>
-          </a:prstGeom>
-          <a:noFill/>
-          <a:ln>
-            <a:noFill/>
-          </a:ln>
-        </p:spPr>
-      </p:pic>
-      <p:sp>
-        <p:nvSpPr>
-          <p:cNvPr id="163" name="Shape 163"/>
-          <p:cNvSpPr txBox="1"/>
-          <p:nvPr/>
-        </p:nvSpPr>
-        <p:spPr>
-          <a:xfrm>
-            <a:off x="481350" y="2202739"/>
-            <a:ext cx="8181300" cy="4353261"/>
-          </a:xfrm>
-          <a:prstGeom prst="rect">
-            <a:avLst/>
-          </a:prstGeom>
-          <a:noFill/>
-          <a:ln>
-            <a:noFill/>
-          </a:ln>
-        </p:spPr>
-        <p:txBody>
-          <a:bodyPr spcFirstLastPara="1" wrap="square" lIns="91425" tIns="45700" rIns="91425" bIns="45700" anchor="ctr" anchorCtr="0">
-            <a:noAutofit/>
-          </a:bodyPr>
-          <a:lstStyle/>
-          <a:p>
-            <a:pPr marL="0" marR="0" lvl="0" indent="-12700" algn="l" rtl="0">
-              <a:spcBef>
-                <a:spcPts val="1500"/>
-              </a:spcBef>
-              <a:spcAft>
-                <a:spcPts val="0"/>
-              </a:spcAft>
-              <a:buSzPts val="2000"/>
-              <a:buFont typeface="Noto Sans Symbols"/>
-              <a:buChar char="▪"/>
-            </a:pPr>
-            <a:r>
-              <a:rPr lang="en-US" sz="2000" b="0" i="0" u="none" strike="noStrike" cap="none" dirty="0">
-                <a:solidFill>
-                  <a:srgbClr val="424C53"/>
-                </a:solidFill>
-                <a:latin typeface="Calibri"/>
-                <a:ea typeface="Calibri"/>
-                <a:cs typeface="Calibri"/>
-                <a:sym typeface="Calibri"/>
-              </a:rPr>
-              <a:t> </a:t>
-            </a:r>
-            <a:r>
-              <a:rPr lang="en-US" sz="2000" b="1" dirty="0">
-                <a:latin typeface="Roboto"/>
-                <a:ea typeface="Roboto"/>
-                <a:cs typeface="Roboto"/>
-                <a:sym typeface="Roboto"/>
-              </a:rPr>
-              <a:t>GET</a:t>
-            </a:r>
-            <a:r>
-              <a:rPr lang="en-US" sz="2000" dirty="0">
-                <a:latin typeface="Roboto"/>
-                <a:ea typeface="Roboto"/>
-                <a:cs typeface="Roboto"/>
-                <a:sym typeface="Roboto"/>
-              </a:rPr>
-              <a:t> –</a:t>
-            </a:r>
-            <a:r>
-              <a:rPr lang="ru-RU" sz="2000" dirty="0">
-                <a:latin typeface="Roboto"/>
-                <a:ea typeface="Roboto"/>
-                <a:cs typeface="Roboto"/>
-                <a:sym typeface="Roboto"/>
-              </a:rPr>
-              <a:t> используется для предоставления репрезентаций ресурса. </a:t>
-            </a:r>
-          </a:p>
-          <a:p>
-            <a:pPr marL="0" marR="0" lvl="0" indent="-12700" algn="l" rtl="0">
-              <a:spcBef>
-                <a:spcPts val="1500"/>
-              </a:spcBef>
-              <a:spcAft>
-                <a:spcPts val="0"/>
-              </a:spcAft>
-              <a:buSzPts val="2000"/>
-              <a:buFont typeface="Noto Sans Symbols"/>
-              <a:buChar char="▪"/>
-            </a:pPr>
-            <a:r>
-              <a:rPr lang="ru-RU" sz="2000" b="0" i="0" u="none" strike="noStrike" cap="none" dirty="0">
-                <a:latin typeface="Roboto"/>
-                <a:ea typeface="Roboto"/>
-                <a:cs typeface="Calibri"/>
-                <a:sym typeface="Roboto"/>
-              </a:rPr>
-              <a:t> </a:t>
-            </a:r>
-            <a:r>
-              <a:rPr lang="en-US" sz="2000" b="1" dirty="0">
-                <a:latin typeface="Roboto"/>
-                <a:ea typeface="Roboto"/>
-                <a:cs typeface="Calibri"/>
-                <a:sym typeface="Roboto"/>
-              </a:rPr>
-              <a:t>POST</a:t>
-            </a:r>
-            <a:r>
-              <a:rPr lang="en-US" sz="2000" dirty="0">
-                <a:latin typeface="Roboto"/>
-                <a:ea typeface="Roboto"/>
-                <a:cs typeface="Calibri"/>
-                <a:sym typeface="Roboto"/>
-              </a:rPr>
-              <a:t> – </a:t>
-            </a:r>
-            <a:r>
-              <a:rPr lang="ru-RU" sz="2000" dirty="0">
-                <a:latin typeface="Roboto"/>
-                <a:ea typeface="Roboto"/>
-                <a:cs typeface="Calibri"/>
-                <a:sym typeface="Roboto"/>
-              </a:rPr>
-              <a:t>используется для добавления сущности к ресурсу.</a:t>
-            </a:r>
-          </a:p>
-          <a:p>
-            <a:pPr marL="0" marR="0" lvl="0" indent="-12700" algn="l" rtl="0">
-              <a:spcBef>
-                <a:spcPts val="1500"/>
-              </a:spcBef>
-              <a:spcAft>
-                <a:spcPts val="0"/>
-              </a:spcAft>
-              <a:buSzPts val="2000"/>
-              <a:buFont typeface="Noto Sans Symbols"/>
-              <a:buChar char="▪"/>
-            </a:pPr>
-            <a:r>
-              <a:rPr lang="ru-RU" sz="2000" b="0" i="0" u="none" strike="noStrike" cap="none" dirty="0">
-                <a:latin typeface="Roboto"/>
-                <a:ea typeface="Roboto"/>
-                <a:cs typeface="Calibri"/>
-                <a:sym typeface="Roboto"/>
-              </a:rPr>
-              <a:t> </a:t>
-            </a:r>
-            <a:r>
-              <a:rPr lang="en-US" sz="2000" b="1" dirty="0">
-                <a:latin typeface="Roboto"/>
-                <a:ea typeface="Roboto"/>
-                <a:cs typeface="Calibri"/>
-                <a:sym typeface="Roboto"/>
-              </a:rPr>
-              <a:t>HEAD</a:t>
-            </a:r>
-            <a:r>
-              <a:rPr lang="en-US" sz="2000" dirty="0">
-                <a:latin typeface="Roboto"/>
-                <a:ea typeface="Roboto"/>
-                <a:cs typeface="Calibri"/>
-                <a:sym typeface="Roboto"/>
-              </a:rPr>
-              <a:t> – </a:t>
-            </a:r>
-            <a:r>
-              <a:rPr lang="ru-RU" sz="2000" dirty="0">
-                <a:latin typeface="Roboto"/>
-                <a:ea typeface="Roboto"/>
-                <a:cs typeface="Calibri"/>
-                <a:sym typeface="Roboto"/>
-              </a:rPr>
-              <a:t>идентично </a:t>
-            </a:r>
-            <a:r>
-              <a:rPr lang="en-US" sz="2000" dirty="0">
-                <a:latin typeface="Roboto"/>
-                <a:ea typeface="Roboto"/>
-                <a:cs typeface="Calibri"/>
-                <a:sym typeface="Roboto"/>
-              </a:rPr>
-              <a:t>GET, </a:t>
-            </a:r>
-            <a:r>
-              <a:rPr lang="ru-RU" sz="2000" dirty="0">
-                <a:latin typeface="Roboto"/>
-                <a:ea typeface="Roboto"/>
-                <a:cs typeface="Calibri"/>
-                <a:sym typeface="Roboto"/>
-              </a:rPr>
-              <a:t>но без тела ответа.</a:t>
-            </a:r>
-          </a:p>
-          <a:p>
-            <a:pPr marL="0" marR="0" lvl="0" indent="-12700" algn="l" rtl="0">
-              <a:spcBef>
-                <a:spcPts val="1500"/>
-              </a:spcBef>
-              <a:spcAft>
-                <a:spcPts val="0"/>
-              </a:spcAft>
-              <a:buSzPts val="2000"/>
-              <a:buFont typeface="Noto Sans Symbols"/>
-              <a:buChar char="▪"/>
-            </a:pPr>
-            <a:r>
-              <a:rPr lang="ru-RU" sz="2000" b="0" i="0" u="none" strike="noStrike" cap="none" dirty="0">
-                <a:latin typeface="Roboto"/>
-                <a:ea typeface="Roboto"/>
-                <a:cs typeface="Calibri"/>
-                <a:sym typeface="Roboto"/>
-              </a:rPr>
-              <a:t> </a:t>
-            </a:r>
-            <a:r>
-              <a:rPr lang="en-US" sz="2000" b="1" dirty="0">
-                <a:latin typeface="Roboto"/>
-                <a:ea typeface="Roboto"/>
-                <a:cs typeface="Calibri"/>
-                <a:sym typeface="Roboto"/>
-              </a:rPr>
-              <a:t>PUT</a:t>
-            </a:r>
-            <a:r>
-              <a:rPr lang="en-US" sz="2000" dirty="0">
-                <a:latin typeface="Roboto"/>
-                <a:ea typeface="Roboto"/>
-                <a:cs typeface="Calibri"/>
-                <a:sym typeface="Roboto"/>
-              </a:rPr>
-              <a:t> – </a:t>
-            </a:r>
-            <a:r>
-              <a:rPr lang="ru-RU" sz="2000" dirty="0">
-                <a:latin typeface="Roboto"/>
-                <a:ea typeface="Roboto"/>
-                <a:cs typeface="Calibri"/>
-                <a:sym typeface="Roboto"/>
-              </a:rPr>
-              <a:t>используется для полной замены ресурса содержанием запроса </a:t>
-            </a:r>
-            <a:r>
-              <a:rPr lang="en-US" sz="2000" dirty="0">
-                <a:latin typeface="Roboto"/>
-                <a:ea typeface="Roboto"/>
-                <a:cs typeface="Calibri"/>
-                <a:sym typeface="Roboto"/>
-              </a:rPr>
-              <a:t>PUT.</a:t>
-            </a:r>
-          </a:p>
-          <a:p>
-            <a:pPr marL="0" marR="0" lvl="0" indent="-12700" algn="l" rtl="0">
-              <a:spcBef>
-                <a:spcPts val="1500"/>
-              </a:spcBef>
-              <a:spcAft>
-                <a:spcPts val="0"/>
-              </a:spcAft>
-              <a:buSzPts val="2000"/>
-              <a:buFont typeface="Noto Sans Symbols"/>
-              <a:buChar char="▪"/>
-            </a:pPr>
-            <a:r>
-              <a:rPr lang="en-US" sz="2000" dirty="0">
-                <a:latin typeface="Roboto"/>
-                <a:ea typeface="Roboto"/>
-                <a:cs typeface="Calibri"/>
-                <a:sym typeface="Roboto"/>
-              </a:rPr>
-              <a:t> </a:t>
-            </a:r>
-            <a:r>
-              <a:rPr lang="en-US" sz="2000" b="1" dirty="0">
-                <a:latin typeface="Roboto"/>
-                <a:ea typeface="Roboto"/>
-                <a:cs typeface="Calibri"/>
-                <a:sym typeface="Roboto"/>
-              </a:rPr>
-              <a:t>PATCH</a:t>
-            </a:r>
-            <a:r>
-              <a:rPr lang="en-US" sz="2000" dirty="0">
-                <a:latin typeface="Roboto"/>
-                <a:ea typeface="Roboto"/>
-                <a:cs typeface="Calibri"/>
-                <a:sym typeface="Roboto"/>
-              </a:rPr>
-              <a:t> – </a:t>
-            </a:r>
-            <a:r>
-              <a:rPr lang="ru-RU" sz="2000" dirty="0">
-                <a:latin typeface="Roboto"/>
-                <a:ea typeface="Roboto"/>
-                <a:cs typeface="Calibri"/>
-                <a:sym typeface="Roboto"/>
-              </a:rPr>
-              <a:t>используется для частичного обновления ресурса.</a:t>
-            </a:r>
-            <a:endParaRPr lang="en-US" sz="2000" dirty="0">
-              <a:latin typeface="Roboto"/>
-              <a:ea typeface="Roboto"/>
-              <a:cs typeface="Calibri"/>
-              <a:sym typeface="Roboto"/>
-            </a:endParaRPr>
-          </a:p>
-          <a:p>
-            <a:pPr marL="0" marR="0" lvl="0" indent="-12700" algn="l" rtl="0">
-              <a:spcBef>
-                <a:spcPts val="1500"/>
-              </a:spcBef>
-              <a:spcAft>
-                <a:spcPts val="0"/>
-              </a:spcAft>
-              <a:buSzPts val="2000"/>
-              <a:buFont typeface="Noto Sans Symbols"/>
-              <a:buChar char="▪"/>
-            </a:pPr>
-            <a:r>
-              <a:rPr lang="en-US" sz="2000" b="0" i="0" u="none" strike="noStrike" cap="none" dirty="0">
-                <a:latin typeface="Roboto"/>
-                <a:ea typeface="Roboto"/>
-                <a:cs typeface="Calibri"/>
-                <a:sym typeface="Roboto"/>
-              </a:rPr>
-              <a:t> </a:t>
-            </a:r>
-            <a:r>
-              <a:rPr lang="en-US" sz="2000" b="1" i="0" u="none" strike="noStrike" cap="none" dirty="0">
-                <a:latin typeface="Roboto"/>
-                <a:ea typeface="Roboto"/>
-                <a:cs typeface="Calibri"/>
-                <a:sym typeface="Roboto"/>
-              </a:rPr>
-              <a:t>DELETE</a:t>
-            </a:r>
-            <a:r>
-              <a:rPr lang="en-US" sz="2000" b="0" i="0" u="none" strike="noStrike" cap="none" dirty="0">
-                <a:latin typeface="Roboto"/>
-                <a:ea typeface="Roboto"/>
-                <a:cs typeface="Calibri"/>
-                <a:sym typeface="Roboto"/>
-              </a:rPr>
-              <a:t> – </a:t>
-            </a:r>
-            <a:r>
-              <a:rPr lang="ru-RU" sz="2000" b="0" i="0" u="none" strike="noStrike" cap="none" dirty="0">
-                <a:latin typeface="Roboto"/>
-                <a:ea typeface="Roboto"/>
-                <a:cs typeface="Calibri"/>
-                <a:sym typeface="Roboto"/>
-              </a:rPr>
-              <a:t>используется для удаления ресурса.</a:t>
-            </a:r>
-          </a:p>
-          <a:p>
-            <a:pPr marL="0" marR="0" lvl="0" indent="-12700" algn="l" rtl="0">
-              <a:spcBef>
-                <a:spcPts val="1500"/>
-              </a:spcBef>
-              <a:spcAft>
-                <a:spcPts val="0"/>
-              </a:spcAft>
-              <a:buSzPts val="2000"/>
-              <a:buFont typeface="Noto Sans Symbols"/>
-              <a:buChar char="▪"/>
-            </a:pPr>
-            <a:r>
-              <a:rPr lang="ru-RU" sz="2000" dirty="0">
-                <a:latin typeface="Roboto"/>
-                <a:ea typeface="Roboto"/>
-                <a:cs typeface="Calibri"/>
-                <a:sym typeface="Roboto"/>
-              </a:rPr>
-              <a:t> </a:t>
-            </a:r>
-            <a:r>
-              <a:rPr lang="en-US" sz="2000" b="1" dirty="0">
-                <a:latin typeface="Roboto"/>
-                <a:ea typeface="Roboto"/>
-                <a:cs typeface="Calibri"/>
-                <a:sym typeface="Roboto"/>
-              </a:rPr>
-              <a:t>OPTIONS</a:t>
-            </a:r>
-            <a:r>
-              <a:rPr lang="en-US" sz="2000" dirty="0">
-                <a:latin typeface="Roboto"/>
-                <a:ea typeface="Roboto"/>
-                <a:cs typeface="Calibri"/>
-                <a:sym typeface="Roboto"/>
-              </a:rPr>
-              <a:t> – </a:t>
-            </a:r>
-            <a:r>
-              <a:rPr lang="ru-RU" sz="2000" dirty="0">
-                <a:latin typeface="Roboto"/>
-                <a:ea typeface="Roboto"/>
-                <a:cs typeface="Calibri"/>
-                <a:sym typeface="Roboto"/>
-              </a:rPr>
-              <a:t>возвращает информаицию о других операциях или </a:t>
-            </a:r>
-            <a:r>
-              <a:rPr lang="en-US" sz="2000" dirty="0">
-                <a:latin typeface="Roboto"/>
-                <a:ea typeface="Roboto"/>
-                <a:cs typeface="Calibri"/>
-                <a:sym typeface="Roboto"/>
-              </a:rPr>
-              <a:t>HTTP verbs</a:t>
-            </a:r>
-            <a:r>
-              <a:rPr lang="ru-RU" sz="2000" dirty="0">
-                <a:latin typeface="Roboto"/>
-                <a:ea typeface="Roboto"/>
-                <a:cs typeface="Calibri"/>
-                <a:sym typeface="Roboto"/>
-              </a:rPr>
-              <a:t>, которые можно применить для данного </a:t>
-            </a:r>
-            <a:r>
-              <a:rPr lang="en-US" sz="2000" dirty="0">
-                <a:latin typeface="Roboto"/>
-                <a:ea typeface="Roboto"/>
-                <a:cs typeface="Calibri"/>
-                <a:sym typeface="Roboto"/>
-              </a:rPr>
-              <a:t>URL.</a:t>
-            </a:r>
-            <a:endParaRPr sz="2000" i="0" u="none" strike="noStrike" cap="none" dirty="0">
-              <a:latin typeface="Roboto"/>
-              <a:ea typeface="Roboto"/>
-              <a:cs typeface="Roboto"/>
-              <a:sym typeface="Roboto"/>
-            </a:endParaRPr>
-          </a:p>
-        </p:txBody>
-      </p:sp>
-    </p:spTree>
-    <p:extLst>
-      <p:ext uri="{BB962C8B-B14F-4D97-AF65-F5344CB8AC3E}">
-        <p14:creationId xmlns:p14="http://schemas.microsoft.com/office/powerpoint/2010/main" val="1586901878"/>
-      </p:ext>
-    </p:extLst>
-  </p:cSld>
-  <p:clrMapOvr>
-    <a:masterClrMapping/>
-  </p:clrMapOvr>
-  <p:transition>
-    <p:fade/>
-  </p:transition>
-</p:sld>
-</file>
-
-<file path=ppt/slides/slide16.xml><?xml version="1.0" encoding="utf-8"?>
-<p:sld xmlns:a="http://schemas.openxmlformats.org/drawingml/2006/main" xmlns:r="http://schemas.openxmlformats.org/officeDocument/2006/relationships" xmlns:p="http://schemas.openxmlformats.org/presentationml/2006/main">
-  <p:cSld>
-    <p:spTree>
-      <p:nvGrpSpPr>
-        <p:cNvPr id="1" name="Shape 156"/>
-        <p:cNvGrpSpPr/>
-        <p:nvPr/>
-      </p:nvGrpSpPr>
-      <p:grpSpPr>
-        <a:xfrm>
-          <a:off x="0" y="0"/>
-          <a:ext cx="0" cy="0"/>
-          <a:chOff x="0" y="0"/>
-          <a:chExt cx="0" cy="0"/>
-        </a:xfrm>
-      </p:grpSpPr>
-      <p:sp>
-        <p:nvSpPr>
-          <p:cNvPr id="158" name="Shape 158"/>
-          <p:cNvSpPr txBox="1">
-            <a:spLocks noGrp="1"/>
-          </p:cNvSpPr>
-          <p:nvPr>
-            <p:ph type="title"/>
-          </p:nvPr>
-        </p:nvSpPr>
-        <p:spPr>
-          <a:xfrm>
-            <a:off x="457200" y="1523063"/>
-            <a:ext cx="8229600" cy="1143000"/>
-          </a:xfrm>
-          <a:prstGeom prst="rect">
-            <a:avLst/>
-          </a:prstGeom>
-          <a:noFill/>
-          <a:ln>
-            <a:noFill/>
-          </a:ln>
-        </p:spPr>
-        <p:txBody>
-          <a:bodyPr spcFirstLastPara="1" wrap="square" lIns="91425" tIns="45700" rIns="91425" bIns="45700" anchor="ctr" anchorCtr="0">
-            <a:noAutofit/>
-          </a:bodyPr>
-          <a:lstStyle/>
-          <a:p>
-            <a:pPr marL="0" marR="0" lvl="0" indent="0" algn="l" rtl="0">
-              <a:spcBef>
-                <a:spcPts val="0"/>
-              </a:spcBef>
-              <a:spcAft>
-                <a:spcPts val="0"/>
-              </a:spcAft>
-              <a:buClr>
-                <a:schemeClr val="dk1"/>
-              </a:buClr>
-              <a:buSzPts val="4400"/>
-              <a:buFont typeface="Calibri"/>
-              <a:buNone/>
-            </a:pPr>
-            <a:r>
-              <a:rPr lang="ru-RU" sz="4100" b="1" i="0" u="none" strike="noStrike" cap="none" dirty="0">
-                <a:solidFill>
-                  <a:srgbClr val="262626"/>
-                </a:solidFill>
-                <a:latin typeface="Roboto"/>
-                <a:ea typeface="Roboto"/>
-                <a:cs typeface="Roboto"/>
-                <a:sym typeface="Roboto"/>
-              </a:rPr>
-              <a:t>Атрибуты указывающие на источник параметра</a:t>
-            </a:r>
-          </a:p>
-        </p:txBody>
-      </p:sp>
-      <p:sp>
-        <p:nvSpPr>
-          <p:cNvPr id="159" name="Shape 159"/>
-          <p:cNvSpPr/>
-          <p:nvPr/>
-        </p:nvSpPr>
-        <p:spPr>
-          <a:xfrm>
-            <a:off x="7145316" y="408237"/>
-            <a:ext cx="1856100" cy="290400"/>
-          </a:xfrm>
-          <a:prstGeom prst="roundRect">
-            <a:avLst>
-              <a:gd name="adj" fmla="val 0"/>
-            </a:avLst>
-          </a:prstGeom>
-          <a:noFill/>
-          <a:ln>
-            <a:noFill/>
-          </a:ln>
-        </p:spPr>
-        <p:txBody>
-          <a:bodyPr spcFirstLastPara="1" wrap="square" lIns="91425" tIns="45700" rIns="91425" bIns="45700" anchor="ctr" anchorCtr="0">
-            <a:noAutofit/>
-          </a:bodyPr>
-          <a:lstStyle/>
-          <a:p>
-            <a:pPr marL="0" marR="0" lvl="0" indent="0" algn="ctr" rtl="0">
-              <a:spcBef>
-                <a:spcPts val="0"/>
-              </a:spcBef>
-              <a:spcAft>
-                <a:spcPts val="0"/>
-              </a:spcAft>
-              <a:buClr>
-                <a:schemeClr val="lt1"/>
-              </a:buClr>
-              <a:buSzPts val="1200"/>
-              <a:buFont typeface="Arial"/>
-              <a:buNone/>
-            </a:pPr>
-            <a:r>
-              <a:rPr lang="en-US" sz="1500" b="1" i="0" strike="noStrike" cap="none">
-                <a:solidFill>
-                  <a:srgbClr val="262626"/>
-                </a:solidFill>
-                <a:latin typeface="Roboto"/>
-                <a:ea typeface="Roboto"/>
-                <a:cs typeface="Roboto"/>
-                <a:sym typeface="Roboto"/>
-              </a:rPr>
-              <a:t>www.itea.ua</a:t>
-            </a:r>
-            <a:endParaRPr sz="1500" b="1" i="0" strike="noStrike" cap="none">
-              <a:solidFill>
-                <a:srgbClr val="262626"/>
-              </a:solidFill>
-              <a:latin typeface="Roboto"/>
-              <a:ea typeface="Roboto"/>
-              <a:cs typeface="Roboto"/>
-              <a:sym typeface="Roboto"/>
-            </a:endParaRPr>
-          </a:p>
-        </p:txBody>
-      </p:sp>
-      <p:sp>
-        <p:nvSpPr>
-          <p:cNvPr id="160" name="Shape 160"/>
-          <p:cNvSpPr/>
-          <p:nvPr/>
-        </p:nvSpPr>
-        <p:spPr>
-          <a:xfrm rot="10800000" flipH="1">
-            <a:off x="0" y="1127850"/>
-            <a:ext cx="3143100" cy="42300"/>
-          </a:xfrm>
-          <a:prstGeom prst="rect">
-            <a:avLst/>
-          </a:prstGeom>
-          <a:solidFill>
-            <a:srgbClr val="CC0000"/>
-          </a:solidFill>
-          <a:ln>
-            <a:noFill/>
-          </a:ln>
-        </p:spPr>
-        <p:txBody>
-          <a:bodyPr spcFirstLastPara="1" wrap="square" lIns="91425" tIns="91425" rIns="91425" bIns="91425" anchor="ctr" anchorCtr="0">
-            <a:noAutofit/>
-          </a:bodyPr>
-          <a:lstStyle/>
-          <a:p>
-            <a:pPr marL="0" lvl="0" indent="0">
-              <a:spcBef>
-                <a:spcPts val="0"/>
-              </a:spcBef>
-              <a:spcAft>
-                <a:spcPts val="0"/>
-              </a:spcAft>
-              <a:buNone/>
-            </a:pPr>
-            <a:r>
-              <a:rPr lang="en-US"/>
-              <a:t>                                                                                     </a:t>
-            </a:r>
-            <a:endParaRPr/>
-          </a:p>
-        </p:txBody>
-      </p:sp>
-      <p:sp>
-        <p:nvSpPr>
-          <p:cNvPr id="161" name="Shape 161"/>
-          <p:cNvSpPr/>
-          <p:nvPr/>
-        </p:nvSpPr>
-        <p:spPr>
-          <a:xfrm rot="10800000" flipH="1">
-            <a:off x="3067050" y="1127850"/>
-            <a:ext cx="3143100" cy="42300"/>
-          </a:xfrm>
-          <a:prstGeom prst="rect">
-            <a:avLst/>
-          </a:prstGeom>
-          <a:solidFill>
-            <a:srgbClr val="262626"/>
-          </a:solidFill>
-          <a:ln>
-            <a:noFill/>
-          </a:ln>
-        </p:spPr>
-        <p:txBody>
-          <a:bodyPr spcFirstLastPara="1" wrap="square" lIns="91425" tIns="91425" rIns="91425" bIns="91425" anchor="ctr" anchorCtr="0">
-            <a:noAutofit/>
-          </a:bodyPr>
-          <a:lstStyle/>
-          <a:p>
-            <a:pPr marL="0" lvl="0" indent="0">
-              <a:spcBef>
-                <a:spcPts val="0"/>
-              </a:spcBef>
-              <a:spcAft>
-                <a:spcPts val="0"/>
-              </a:spcAft>
-              <a:buNone/>
-            </a:pPr>
-            <a:endParaRPr/>
-          </a:p>
-        </p:txBody>
-      </p:sp>
-      <p:pic>
-        <p:nvPicPr>
-          <p:cNvPr id="162" name="Shape 162"/>
-          <p:cNvPicPr preferRelativeResize="0"/>
-          <p:nvPr/>
-        </p:nvPicPr>
-        <p:blipFill>
-          <a:blip r:embed="rId3">
-            <a:alphaModFix/>
-          </a:blip>
-          <a:stretch>
-            <a:fillRect/>
-          </a:stretch>
-        </p:blipFill>
-        <p:spPr>
-          <a:xfrm>
-            <a:off x="353700" y="302000"/>
-            <a:ext cx="1741800" cy="502875"/>
-          </a:xfrm>
-          <a:prstGeom prst="rect">
-            <a:avLst/>
-          </a:prstGeom>
-          <a:noFill/>
-          <a:ln>
-            <a:noFill/>
-          </a:ln>
-        </p:spPr>
-      </p:pic>
-      <p:sp>
-        <p:nvSpPr>
-          <p:cNvPr id="163" name="Shape 163"/>
-          <p:cNvSpPr txBox="1"/>
-          <p:nvPr/>
-        </p:nvSpPr>
-        <p:spPr>
-          <a:xfrm>
-            <a:off x="457200" y="2915752"/>
-            <a:ext cx="8181300" cy="3074100"/>
-          </a:xfrm>
-          <a:prstGeom prst="rect">
-            <a:avLst/>
-          </a:prstGeom>
-          <a:noFill/>
-          <a:ln>
-            <a:noFill/>
-          </a:ln>
-        </p:spPr>
-        <p:txBody>
-          <a:bodyPr spcFirstLastPara="1" wrap="square" lIns="91425" tIns="45700" rIns="91425" bIns="45700" anchor="ctr" anchorCtr="0">
-            <a:noAutofit/>
-          </a:bodyPr>
-          <a:lstStyle/>
-          <a:p>
-            <a:pPr marL="0" marR="0" lvl="0" indent="-12700" algn="l" rtl="0">
-              <a:spcBef>
-                <a:spcPts val="1500"/>
-              </a:spcBef>
-              <a:spcAft>
-                <a:spcPts val="0"/>
-              </a:spcAft>
-              <a:buSzPts val="2000"/>
-              <a:buFont typeface="Noto Sans Symbols"/>
-              <a:buChar char="▪"/>
-            </a:pPr>
-            <a:r>
-              <a:rPr lang="en-US" sz="2000" b="0" i="0" u="none" strike="noStrike" cap="none" dirty="0">
-                <a:solidFill>
-                  <a:srgbClr val="424C53"/>
-                </a:solidFill>
-                <a:latin typeface="Calibri"/>
-                <a:ea typeface="Calibri"/>
-                <a:cs typeface="Calibri"/>
-                <a:sym typeface="Calibri"/>
-              </a:rPr>
-              <a:t> </a:t>
-            </a:r>
-            <a:r>
-              <a:rPr lang="en-US" sz="2000" b="1" dirty="0">
-                <a:latin typeface="Roboto"/>
-                <a:ea typeface="Roboto"/>
-                <a:cs typeface="Roboto"/>
-                <a:sym typeface="Roboto"/>
-              </a:rPr>
-              <a:t>[</a:t>
-            </a:r>
-            <a:r>
-              <a:rPr lang="en-US" sz="2000" b="1" dirty="0" err="1">
-                <a:latin typeface="Roboto"/>
-                <a:ea typeface="Roboto"/>
-                <a:cs typeface="Roboto"/>
-                <a:sym typeface="Roboto"/>
-              </a:rPr>
-              <a:t>FromBody</a:t>
-            </a:r>
-            <a:r>
-              <a:rPr lang="en-US" sz="2000" b="1" dirty="0">
-                <a:latin typeface="Roboto"/>
-                <a:ea typeface="Roboto"/>
-                <a:cs typeface="Roboto"/>
-                <a:sym typeface="Roboto"/>
-              </a:rPr>
-              <a:t>] </a:t>
-            </a:r>
-            <a:r>
-              <a:rPr lang="en-US" sz="2000" dirty="0">
-                <a:latin typeface="Roboto"/>
-                <a:ea typeface="Roboto"/>
-                <a:cs typeface="Roboto"/>
-                <a:sym typeface="Roboto"/>
-              </a:rPr>
-              <a:t>– </a:t>
-            </a:r>
-            <a:r>
-              <a:rPr lang="ru-RU" sz="2000" dirty="0">
-                <a:latin typeface="Roboto"/>
-                <a:ea typeface="Roboto"/>
-                <a:cs typeface="Roboto"/>
-                <a:sym typeface="Roboto"/>
-              </a:rPr>
-              <a:t>из тела запроса.</a:t>
-            </a:r>
-            <a:endParaRPr sz="2000" b="0" i="0" u="none" strike="noStrike" cap="none" dirty="0">
-              <a:latin typeface="Calibri"/>
-              <a:ea typeface="Calibri"/>
-              <a:cs typeface="Calibri"/>
-              <a:sym typeface="Calibri"/>
-            </a:endParaRPr>
-          </a:p>
-          <a:p>
-            <a:pPr marL="0" marR="0" lvl="0" indent="-12700" algn="l" rtl="0">
-              <a:spcBef>
-                <a:spcPts val="1500"/>
-              </a:spcBef>
-              <a:spcAft>
-                <a:spcPts val="0"/>
-              </a:spcAft>
-              <a:buSzPts val="2000"/>
-              <a:buFont typeface="Noto Sans Symbols"/>
-              <a:buChar char="▪"/>
-            </a:pPr>
-            <a:r>
-              <a:rPr lang="en-US" sz="2000" b="0" i="0" u="none" strike="noStrike" cap="none" dirty="0">
-                <a:latin typeface="Calibri"/>
-                <a:ea typeface="Calibri"/>
-                <a:cs typeface="Calibri"/>
-                <a:sym typeface="Calibri"/>
-              </a:rPr>
-              <a:t> </a:t>
-            </a:r>
-            <a:r>
-              <a:rPr lang="en-US" sz="2000" b="1" i="0" u="none" strike="noStrike" cap="none" dirty="0">
-                <a:latin typeface="Roboto"/>
-                <a:ea typeface="Roboto"/>
-                <a:cs typeface="Calibri"/>
-                <a:sym typeface="Roboto"/>
-              </a:rPr>
-              <a:t>[</a:t>
-            </a:r>
-            <a:r>
-              <a:rPr lang="en-US" sz="2000" b="1" i="0" u="none" strike="noStrike" cap="none" dirty="0" err="1">
-                <a:latin typeface="Roboto"/>
-                <a:ea typeface="Roboto"/>
-                <a:cs typeface="Calibri"/>
-                <a:sym typeface="Roboto"/>
-              </a:rPr>
-              <a:t>FromForm</a:t>
-            </a:r>
-            <a:r>
-              <a:rPr lang="en-US" sz="2000" b="1" i="0" u="none" strike="noStrike" cap="none" dirty="0">
-                <a:latin typeface="Roboto"/>
-                <a:ea typeface="Roboto"/>
-                <a:cs typeface="Calibri"/>
-                <a:sym typeface="Roboto"/>
-              </a:rPr>
-              <a:t>] </a:t>
-            </a:r>
-            <a:r>
-              <a:rPr lang="en-US" sz="2000" b="0" i="0" u="none" strike="noStrike" cap="none" dirty="0">
-                <a:latin typeface="Roboto"/>
-                <a:ea typeface="Roboto"/>
-                <a:cs typeface="Calibri"/>
-                <a:sym typeface="Roboto"/>
-              </a:rPr>
-              <a:t>– </a:t>
-            </a:r>
-            <a:r>
-              <a:rPr lang="ru-RU" sz="2000" b="0" i="0" u="none" strike="noStrike" cap="none" dirty="0">
-                <a:latin typeface="Roboto"/>
-                <a:ea typeface="Roboto"/>
-                <a:cs typeface="Calibri"/>
-                <a:sym typeface="Roboto"/>
-              </a:rPr>
-              <a:t>из формы в теле запроса</a:t>
-            </a:r>
-          </a:p>
-          <a:p>
-            <a:pPr marL="0" marR="0" lvl="0" indent="-12700" algn="l" rtl="0">
-              <a:spcBef>
-                <a:spcPts val="1500"/>
-              </a:spcBef>
-              <a:spcAft>
-                <a:spcPts val="0"/>
-              </a:spcAft>
-              <a:buSzPts val="2000"/>
-              <a:buFont typeface="Noto Sans Symbols"/>
-              <a:buChar char="▪"/>
-            </a:pPr>
-            <a:r>
-              <a:rPr lang="ru-RU" sz="2000" dirty="0">
-                <a:latin typeface="Roboto"/>
-                <a:ea typeface="Roboto"/>
-                <a:cs typeface="Calibri"/>
-                <a:sym typeface="Roboto"/>
-              </a:rPr>
-              <a:t> </a:t>
-            </a:r>
-            <a:r>
-              <a:rPr lang="en-US" sz="2000" b="1" dirty="0">
-                <a:latin typeface="Roboto"/>
-                <a:ea typeface="Roboto"/>
-                <a:cs typeface="Calibri"/>
-                <a:sym typeface="Roboto"/>
-              </a:rPr>
-              <a:t>[</a:t>
-            </a:r>
-            <a:r>
-              <a:rPr lang="en-US" sz="2000" b="1" dirty="0" err="1">
-                <a:latin typeface="Roboto"/>
-                <a:ea typeface="Roboto"/>
-                <a:cs typeface="Calibri"/>
-                <a:sym typeface="Roboto"/>
-              </a:rPr>
-              <a:t>FromHeader</a:t>
-            </a:r>
-            <a:r>
-              <a:rPr lang="en-US" sz="2000" b="1" dirty="0">
-                <a:latin typeface="Roboto"/>
-                <a:ea typeface="Roboto"/>
-                <a:cs typeface="Calibri"/>
-                <a:sym typeface="Roboto"/>
-              </a:rPr>
-              <a:t>] </a:t>
-            </a:r>
-            <a:r>
-              <a:rPr lang="en-US" sz="2000" dirty="0">
-                <a:latin typeface="Roboto"/>
-                <a:ea typeface="Roboto"/>
-                <a:cs typeface="Calibri"/>
-                <a:sym typeface="Roboto"/>
-              </a:rPr>
-              <a:t>– </a:t>
-            </a:r>
-            <a:r>
-              <a:rPr lang="ru-RU" sz="2000" dirty="0">
-                <a:latin typeface="Roboto"/>
-                <a:ea typeface="Roboto"/>
-                <a:cs typeface="Calibri"/>
-                <a:sym typeface="Roboto"/>
-              </a:rPr>
-              <a:t>из заголовка запроса</a:t>
-            </a:r>
-          </a:p>
-          <a:p>
-            <a:pPr marL="0" marR="0" lvl="0" indent="-12700" algn="l" rtl="0">
-              <a:spcBef>
-                <a:spcPts val="1500"/>
-              </a:spcBef>
-              <a:spcAft>
-                <a:spcPts val="0"/>
-              </a:spcAft>
-              <a:buSzPts val="2000"/>
-              <a:buFont typeface="Noto Sans Symbols"/>
-              <a:buChar char="▪"/>
-            </a:pPr>
-            <a:r>
-              <a:rPr lang="ru-RU" sz="2000" b="0" i="0" u="none" strike="noStrike" cap="none" dirty="0">
-                <a:latin typeface="Roboto"/>
-                <a:ea typeface="Roboto"/>
-                <a:cs typeface="Calibri"/>
-                <a:sym typeface="Roboto"/>
-              </a:rPr>
-              <a:t> </a:t>
-            </a:r>
-            <a:r>
-              <a:rPr lang="en-US" sz="2000" b="1" dirty="0">
-                <a:latin typeface="Roboto"/>
-                <a:ea typeface="Roboto"/>
-                <a:cs typeface="Calibri"/>
-                <a:sym typeface="Roboto"/>
-              </a:rPr>
-              <a:t>[</a:t>
-            </a:r>
-            <a:r>
-              <a:rPr lang="en-US" sz="2000" b="1" dirty="0" err="1">
-                <a:latin typeface="Roboto"/>
-                <a:ea typeface="Roboto"/>
-                <a:cs typeface="Calibri"/>
-                <a:sym typeface="Roboto"/>
-              </a:rPr>
-              <a:t>FromQuery</a:t>
-            </a:r>
-            <a:r>
-              <a:rPr lang="en-US" sz="2000" b="1" dirty="0">
-                <a:latin typeface="Roboto"/>
-                <a:ea typeface="Roboto"/>
-                <a:cs typeface="Calibri"/>
-                <a:sym typeface="Roboto"/>
-              </a:rPr>
-              <a:t>] </a:t>
-            </a:r>
-            <a:r>
-              <a:rPr lang="en-US" sz="2000" dirty="0">
-                <a:latin typeface="Roboto"/>
-                <a:ea typeface="Roboto"/>
-                <a:cs typeface="Calibri"/>
-                <a:sym typeface="Roboto"/>
-              </a:rPr>
-              <a:t>– </a:t>
-            </a:r>
-            <a:r>
-              <a:rPr lang="ru-RU" sz="2000" dirty="0">
-                <a:latin typeface="Roboto"/>
-                <a:ea typeface="Roboto"/>
-                <a:cs typeface="Calibri"/>
-                <a:sym typeface="Roboto"/>
-              </a:rPr>
-              <a:t>из параметров в </a:t>
-            </a:r>
-            <a:r>
-              <a:rPr lang="en-US" sz="2000" dirty="0">
-                <a:latin typeface="Roboto"/>
-                <a:ea typeface="Roboto"/>
-                <a:cs typeface="Calibri"/>
-                <a:sym typeface="Roboto"/>
-              </a:rPr>
-              <a:t>URL</a:t>
-            </a:r>
-            <a:endParaRPr lang="ru-RU" sz="2000" dirty="0">
-              <a:latin typeface="Roboto"/>
-              <a:ea typeface="Roboto"/>
-              <a:cs typeface="Calibri"/>
-              <a:sym typeface="Roboto"/>
-            </a:endParaRPr>
-          </a:p>
-          <a:p>
-            <a:pPr marL="0" marR="0" lvl="0" indent="-12700" algn="l" rtl="0">
-              <a:spcBef>
-                <a:spcPts val="1500"/>
-              </a:spcBef>
-              <a:spcAft>
-                <a:spcPts val="0"/>
-              </a:spcAft>
-              <a:buSzPts val="2000"/>
-              <a:buFont typeface="Noto Sans Symbols"/>
-              <a:buChar char="▪"/>
-            </a:pPr>
-            <a:r>
-              <a:rPr lang="ru-RU" sz="2000" b="0" i="0" u="none" strike="noStrike" cap="none" dirty="0">
-                <a:latin typeface="Roboto"/>
-                <a:ea typeface="Roboto"/>
-                <a:cs typeface="Calibri"/>
-                <a:sym typeface="Roboto"/>
-              </a:rPr>
-              <a:t> </a:t>
-            </a:r>
-            <a:r>
-              <a:rPr lang="en-US" sz="2000" b="1" dirty="0">
-                <a:latin typeface="Roboto"/>
-                <a:ea typeface="Roboto"/>
-                <a:cs typeface="Calibri"/>
-                <a:sym typeface="Roboto"/>
-              </a:rPr>
-              <a:t>[</a:t>
-            </a:r>
-            <a:r>
-              <a:rPr lang="en-US" sz="2000" b="1" dirty="0" err="1">
-                <a:latin typeface="Roboto"/>
-                <a:ea typeface="Roboto"/>
-                <a:cs typeface="Calibri"/>
-                <a:sym typeface="Roboto"/>
-              </a:rPr>
-              <a:t>FromRoute</a:t>
-            </a:r>
-            <a:r>
-              <a:rPr lang="en-US" sz="2000" b="1" dirty="0">
-                <a:latin typeface="Roboto"/>
-                <a:ea typeface="Roboto"/>
-                <a:cs typeface="Calibri"/>
-                <a:sym typeface="Roboto"/>
-              </a:rPr>
-              <a:t>] </a:t>
-            </a:r>
-            <a:r>
-              <a:rPr lang="en-US" sz="2000" dirty="0">
-                <a:latin typeface="Roboto"/>
-                <a:ea typeface="Roboto"/>
-                <a:cs typeface="Calibri"/>
-                <a:sym typeface="Roboto"/>
-              </a:rPr>
-              <a:t>– </a:t>
-            </a:r>
-            <a:r>
-              <a:rPr lang="ru-RU" sz="2000" dirty="0">
-                <a:latin typeface="Roboto"/>
-                <a:ea typeface="Roboto"/>
-                <a:cs typeface="Calibri"/>
-                <a:sym typeface="Roboto"/>
-              </a:rPr>
-              <a:t>из </a:t>
-            </a:r>
-            <a:r>
-              <a:rPr lang="en-US" sz="2000" dirty="0">
-                <a:latin typeface="Roboto"/>
-                <a:ea typeface="Roboto"/>
-                <a:cs typeface="Calibri"/>
-                <a:sym typeface="Roboto"/>
-              </a:rPr>
-              <a:t>URL</a:t>
-            </a:r>
-          </a:p>
-          <a:p>
-            <a:pPr marL="0" marR="0" lvl="0" indent="-12700" algn="l" rtl="0">
-              <a:spcBef>
-                <a:spcPts val="1500"/>
-              </a:spcBef>
-              <a:spcAft>
-                <a:spcPts val="0"/>
-              </a:spcAft>
-              <a:buSzPts val="2000"/>
-              <a:buFont typeface="Noto Sans Symbols"/>
-              <a:buChar char="▪"/>
-            </a:pPr>
-            <a:r>
-              <a:rPr lang="en-US" sz="2000" b="0" i="0" u="none" strike="noStrike" cap="none" dirty="0">
-                <a:latin typeface="Roboto"/>
-                <a:ea typeface="Roboto"/>
-                <a:cs typeface="Calibri"/>
-                <a:sym typeface="Roboto"/>
-              </a:rPr>
-              <a:t> </a:t>
-            </a:r>
-            <a:r>
-              <a:rPr lang="en-US" sz="2000" b="1" i="0" u="none" strike="noStrike" cap="none" dirty="0">
-                <a:latin typeface="Roboto"/>
-                <a:ea typeface="Roboto"/>
-                <a:cs typeface="Calibri"/>
-                <a:sym typeface="Roboto"/>
-              </a:rPr>
-              <a:t>[</a:t>
-            </a:r>
-            <a:r>
-              <a:rPr lang="en-US" sz="2000" b="1" i="0" u="none" strike="noStrike" cap="none" dirty="0" err="1">
-                <a:latin typeface="Roboto"/>
-                <a:ea typeface="Roboto"/>
-                <a:cs typeface="Calibri"/>
-                <a:sym typeface="Roboto"/>
-              </a:rPr>
-              <a:t>FromServices</a:t>
-            </a:r>
-            <a:r>
-              <a:rPr lang="en-US" sz="2000" b="1" i="0" u="none" strike="noStrike" cap="none" dirty="0">
-                <a:latin typeface="Roboto"/>
-                <a:ea typeface="Roboto"/>
-                <a:cs typeface="Calibri"/>
-                <a:sym typeface="Roboto"/>
-              </a:rPr>
-              <a:t>] </a:t>
-            </a:r>
-            <a:r>
-              <a:rPr lang="en-US" sz="2000" b="0" i="0" u="none" strike="noStrike" cap="none" dirty="0">
-                <a:latin typeface="Roboto"/>
-                <a:ea typeface="Roboto"/>
-                <a:cs typeface="Calibri"/>
-                <a:sym typeface="Roboto"/>
-              </a:rPr>
-              <a:t>– </a:t>
-            </a:r>
-            <a:r>
-              <a:rPr lang="ru-RU" sz="2000" b="0" i="0" u="none" strike="noStrike" cap="none" dirty="0">
-                <a:latin typeface="Roboto"/>
-                <a:ea typeface="Roboto"/>
-                <a:cs typeface="Calibri"/>
-                <a:sym typeface="Roboto"/>
-              </a:rPr>
-              <a:t>из зарегестрированых сервисов</a:t>
-            </a:r>
-            <a:endParaRPr sz="2000" i="0" u="none" strike="noStrike" cap="none" dirty="0">
-              <a:latin typeface="Roboto"/>
-              <a:ea typeface="Roboto"/>
-              <a:cs typeface="Roboto"/>
-              <a:sym typeface="Roboto"/>
-            </a:endParaRPr>
-          </a:p>
-        </p:txBody>
-      </p:sp>
-    </p:spTree>
-  </p:cSld>
-  <p:clrMapOvr>
-    <a:masterClrMapping/>
-  </p:clrMapOvr>
-  <p:transition>
-    <p:fade/>
-  </p:transition>
-</p:sld>
-</file>
-
-<file path=ppt/slides/slide2.xml><?xml version="1.0" encoding="utf-8"?>
+<file path=ppt/slides/slide6.xml><?xml version="1.0" encoding="utf-8"?>
 <p:sld xmlns:a="http://schemas.openxmlformats.org/drawingml/2006/main" xmlns:r="http://schemas.openxmlformats.org/officeDocument/2006/relationships" xmlns:p="http://schemas.openxmlformats.org/presentationml/2006/main">
   <p:cSld>
     <p:spTree>
@@ -26469,7 +29311,7 @@
 </p:sld>
 </file>
 
-<file path=ppt/slides/slide3.xml><?xml version="1.0" encoding="utf-8"?>
+<file path=ppt/slides/slide7.xml><?xml version="1.0" encoding="utf-8"?>
 <p:sld xmlns:a="http://schemas.openxmlformats.org/drawingml/2006/main" xmlns:r="http://schemas.openxmlformats.org/officeDocument/2006/relationships" xmlns:p="http://schemas.openxmlformats.org/presentationml/2006/main">
   <p:cSld>
     <p:spTree>
@@ -27625,7 +30467,7 @@
 </p:sld>
 </file>
 
-<file path=ppt/slides/slide4.xml><?xml version="1.0" encoding="utf-8"?>
+<file path=ppt/slides/slide8.xml><?xml version="1.0" encoding="utf-8"?>
 <p:sld xmlns:a="http://schemas.openxmlformats.org/drawingml/2006/main" xmlns:r="http://schemas.openxmlformats.org/officeDocument/2006/relationships" xmlns:p="http://schemas.openxmlformats.org/presentationml/2006/main">
   <p:cSld>
     <p:spTree>
@@ -28279,7 +31121,7 @@
 </p:sld>
 </file>
 
-<file path=ppt/slides/slide5.xml><?xml version="1.0" encoding="utf-8"?>
+<file path=ppt/slides/slide9.xml><?xml version="1.0" encoding="utf-8"?>
 <p:sld xmlns:a="http://schemas.openxmlformats.org/drawingml/2006/main" xmlns:r="http://schemas.openxmlformats.org/officeDocument/2006/relationships" xmlns:p="http://schemas.openxmlformats.org/presentationml/2006/main">
   <p:cSld>
     <p:spTree>
@@ -28931,2848 +31773,6 @@
     <p:extLst>
       <p:ext uri="{BB962C8B-B14F-4D97-AF65-F5344CB8AC3E}">
         <p14:creationId xmlns:p14="http://schemas.microsoft.com/office/powerpoint/2010/main" val="594885838"/>
-      </p:ext>
-    </p:extLst>
-  </p:cSld>
-  <p:clrMapOvr>
-    <a:masterClrMapping/>
-  </p:clrMapOvr>
-  <p:transition>
-    <p:fade/>
-  </p:transition>
-</p:sld>
-</file>
-
-<file path=ppt/slides/slide6.xml><?xml version="1.0" encoding="utf-8"?>
-<p:sld xmlns:a="http://schemas.openxmlformats.org/drawingml/2006/main" xmlns:r="http://schemas.openxmlformats.org/officeDocument/2006/relationships" xmlns:p="http://schemas.openxmlformats.org/presentationml/2006/main">
-  <p:cSld>
-    <p:spTree>
-      <p:nvGrpSpPr>
-        <p:cNvPr id="1" name="Shape 156"/>
-        <p:cNvGrpSpPr/>
-        <p:nvPr/>
-      </p:nvGrpSpPr>
-      <p:grpSpPr>
-        <a:xfrm>
-          <a:off x="0" y="0"/>
-          <a:ext cx="0" cy="0"/>
-          <a:chOff x="0" y="0"/>
-          <a:chExt cx="0" cy="0"/>
-        </a:xfrm>
-      </p:grpSpPr>
-      <p:sp>
-        <p:nvSpPr>
-          <p:cNvPr id="158" name="Shape 158"/>
-          <p:cNvSpPr txBox="1">
-            <a:spLocks noGrp="1"/>
-          </p:cNvSpPr>
-          <p:nvPr>
-            <p:ph type="title"/>
-          </p:nvPr>
-        </p:nvSpPr>
-        <p:spPr>
-          <a:xfrm>
-            <a:off x="514564" y="1765007"/>
-            <a:ext cx="8229600" cy="762818"/>
-          </a:xfrm>
-          <a:prstGeom prst="rect">
-            <a:avLst/>
-          </a:prstGeom>
-          <a:noFill/>
-          <a:ln>
-            <a:noFill/>
-          </a:ln>
-        </p:spPr>
-        <p:txBody>
-          <a:bodyPr spcFirstLastPara="1" wrap="square" lIns="91425" tIns="45700" rIns="91425" bIns="45700" anchor="ctr" anchorCtr="0">
-            <a:noAutofit/>
-          </a:bodyPr>
-          <a:lstStyle/>
-          <a:p>
-            <a:pPr marL="0" marR="0" lvl="0" indent="0" algn="l" rtl="0">
-              <a:spcBef>
-                <a:spcPts val="0"/>
-              </a:spcBef>
-              <a:spcAft>
-                <a:spcPts val="0"/>
-              </a:spcAft>
-              <a:buClr>
-                <a:schemeClr val="dk1"/>
-              </a:buClr>
-              <a:buSzPts val="4400"/>
-              <a:buFont typeface="Calibri"/>
-              <a:buNone/>
-            </a:pPr>
-            <a:r>
-              <a:rPr lang="en-US" sz="4100" b="1" i="0" u="none" strike="noStrike" cap="none" dirty="0" err="1">
-                <a:solidFill>
-                  <a:srgbClr val="262626"/>
-                </a:solidFill>
-                <a:latin typeface="Roboto"/>
-                <a:ea typeface="Roboto"/>
-                <a:cs typeface="Roboto"/>
-                <a:sym typeface="Roboto"/>
-              </a:rPr>
-              <a:t>Cach</a:t>
-            </a:r>
-            <a:r>
-              <a:rPr lang="en-US" sz="4100" b="1" dirty="0" err="1">
-                <a:solidFill>
-                  <a:srgbClr val="262626"/>
-                </a:solidFill>
-                <a:latin typeface="Roboto"/>
-                <a:ea typeface="Roboto"/>
-                <a:cs typeface="Roboto"/>
-                <a:sym typeface="Roboto"/>
-              </a:rPr>
-              <a:t>able</a:t>
-            </a:r>
-            <a:endParaRPr lang="ru-RU" sz="4100" b="1" i="0" u="none" strike="noStrike" cap="none" dirty="0">
-              <a:solidFill>
-                <a:srgbClr val="262626"/>
-              </a:solidFill>
-              <a:latin typeface="Roboto"/>
-              <a:ea typeface="Roboto"/>
-              <a:cs typeface="Roboto"/>
-              <a:sym typeface="Roboto"/>
-            </a:endParaRPr>
-          </a:p>
-        </p:txBody>
-      </p:sp>
-      <p:sp>
-        <p:nvSpPr>
-          <p:cNvPr id="159" name="Shape 159"/>
-          <p:cNvSpPr/>
-          <p:nvPr/>
-        </p:nvSpPr>
-        <p:spPr>
-          <a:xfrm>
-            <a:off x="7145316" y="408237"/>
-            <a:ext cx="1856100" cy="290400"/>
-          </a:xfrm>
-          <a:prstGeom prst="roundRect">
-            <a:avLst>
-              <a:gd name="adj" fmla="val 0"/>
-            </a:avLst>
-          </a:prstGeom>
-          <a:noFill/>
-          <a:ln>
-            <a:noFill/>
-          </a:ln>
-        </p:spPr>
-        <p:txBody>
-          <a:bodyPr spcFirstLastPara="1" wrap="square" lIns="91425" tIns="45700" rIns="91425" bIns="45700" anchor="ctr" anchorCtr="0">
-            <a:noAutofit/>
-          </a:bodyPr>
-          <a:lstStyle/>
-          <a:p>
-            <a:pPr marL="0" marR="0" lvl="0" indent="0" algn="ctr" rtl="0">
-              <a:spcBef>
-                <a:spcPts val="0"/>
-              </a:spcBef>
-              <a:spcAft>
-                <a:spcPts val="0"/>
-              </a:spcAft>
-              <a:buClr>
-                <a:schemeClr val="lt1"/>
-              </a:buClr>
-              <a:buSzPts val="1200"/>
-              <a:buFont typeface="Arial"/>
-              <a:buNone/>
-            </a:pPr>
-            <a:r>
-              <a:rPr lang="en-US" sz="1500" b="1" i="0" strike="noStrike" cap="none">
-                <a:solidFill>
-                  <a:srgbClr val="262626"/>
-                </a:solidFill>
-                <a:latin typeface="Roboto"/>
-                <a:ea typeface="Roboto"/>
-                <a:cs typeface="Roboto"/>
-                <a:sym typeface="Roboto"/>
-              </a:rPr>
-              <a:t>www.itea.ua</a:t>
-            </a:r>
-            <a:endParaRPr sz="1500" b="1" i="0" strike="noStrike" cap="none">
-              <a:solidFill>
-                <a:srgbClr val="262626"/>
-              </a:solidFill>
-              <a:latin typeface="Roboto"/>
-              <a:ea typeface="Roboto"/>
-              <a:cs typeface="Roboto"/>
-              <a:sym typeface="Roboto"/>
-            </a:endParaRPr>
-          </a:p>
-        </p:txBody>
-      </p:sp>
-      <p:sp>
-        <p:nvSpPr>
-          <p:cNvPr id="160" name="Shape 160"/>
-          <p:cNvSpPr/>
-          <p:nvPr/>
-        </p:nvSpPr>
-        <p:spPr>
-          <a:xfrm rot="10800000" flipH="1">
-            <a:off x="0" y="1127850"/>
-            <a:ext cx="3143100" cy="42300"/>
-          </a:xfrm>
-          <a:prstGeom prst="rect">
-            <a:avLst/>
-          </a:prstGeom>
-          <a:solidFill>
-            <a:srgbClr val="CC0000"/>
-          </a:solidFill>
-          <a:ln>
-            <a:noFill/>
-          </a:ln>
-        </p:spPr>
-        <p:txBody>
-          <a:bodyPr spcFirstLastPara="1" wrap="square" lIns="91425" tIns="91425" rIns="91425" bIns="91425" anchor="ctr" anchorCtr="0">
-            <a:noAutofit/>
-          </a:bodyPr>
-          <a:lstStyle/>
-          <a:p>
-            <a:pPr marL="0" lvl="0" indent="0">
-              <a:spcBef>
-                <a:spcPts val="0"/>
-              </a:spcBef>
-              <a:spcAft>
-                <a:spcPts val="0"/>
-              </a:spcAft>
-              <a:buNone/>
-            </a:pPr>
-            <a:r>
-              <a:rPr lang="en-US"/>
-              <a:t>                                                                                     </a:t>
-            </a:r>
-            <a:endParaRPr/>
-          </a:p>
-        </p:txBody>
-      </p:sp>
-      <p:sp>
-        <p:nvSpPr>
-          <p:cNvPr id="161" name="Shape 161"/>
-          <p:cNvSpPr/>
-          <p:nvPr/>
-        </p:nvSpPr>
-        <p:spPr>
-          <a:xfrm rot="10800000" flipH="1">
-            <a:off x="3067050" y="1127850"/>
-            <a:ext cx="3143100" cy="42300"/>
-          </a:xfrm>
-          <a:prstGeom prst="rect">
-            <a:avLst/>
-          </a:prstGeom>
-          <a:solidFill>
-            <a:srgbClr val="262626"/>
-          </a:solidFill>
-          <a:ln>
-            <a:noFill/>
-          </a:ln>
-        </p:spPr>
-        <p:txBody>
-          <a:bodyPr spcFirstLastPara="1" wrap="square" lIns="91425" tIns="91425" rIns="91425" bIns="91425" anchor="ctr" anchorCtr="0">
-            <a:noAutofit/>
-          </a:bodyPr>
-          <a:lstStyle/>
-          <a:p>
-            <a:pPr marL="0" lvl="0" indent="0">
-              <a:spcBef>
-                <a:spcPts val="0"/>
-              </a:spcBef>
-              <a:spcAft>
-                <a:spcPts val="0"/>
-              </a:spcAft>
-              <a:buNone/>
-            </a:pPr>
-            <a:endParaRPr/>
-          </a:p>
-        </p:txBody>
-      </p:sp>
-      <p:pic>
-        <p:nvPicPr>
-          <p:cNvPr id="162" name="Shape 162"/>
-          <p:cNvPicPr preferRelativeResize="0"/>
-          <p:nvPr/>
-        </p:nvPicPr>
-        <p:blipFill>
-          <a:blip r:embed="rId3">
-            <a:alphaModFix/>
-          </a:blip>
-          <a:stretch>
-            <a:fillRect/>
-          </a:stretch>
-        </p:blipFill>
-        <p:spPr>
-          <a:xfrm>
-            <a:off x="353700" y="302000"/>
-            <a:ext cx="1741800" cy="502875"/>
-          </a:xfrm>
-          <a:prstGeom prst="rect">
-            <a:avLst/>
-          </a:prstGeom>
-          <a:noFill/>
-          <a:ln>
-            <a:noFill/>
-          </a:ln>
-        </p:spPr>
-      </p:pic>
-      <p:sp>
-        <p:nvSpPr>
-          <p:cNvPr id="163" name="Shape 163"/>
-          <p:cNvSpPr txBox="1"/>
-          <p:nvPr/>
-        </p:nvSpPr>
-        <p:spPr>
-          <a:xfrm>
-            <a:off x="467326" y="2823381"/>
-            <a:ext cx="8181300" cy="3074100"/>
-          </a:xfrm>
-          <a:prstGeom prst="rect">
-            <a:avLst/>
-          </a:prstGeom>
-          <a:noFill/>
-          <a:ln>
-            <a:noFill/>
-          </a:ln>
-        </p:spPr>
-        <p:txBody>
-          <a:bodyPr spcFirstLastPara="1" wrap="square" lIns="91425" tIns="45700" rIns="91425" bIns="45700" anchor="ctr" anchorCtr="0">
-            <a:noAutofit/>
-          </a:bodyPr>
-          <a:lstStyle/>
-          <a:p>
-            <a:pPr lvl="0" indent="-12700">
-              <a:buSzPts val="2000"/>
-              <a:buFont typeface="Noto Sans Symbols"/>
-              <a:buChar char="▪"/>
-            </a:pPr>
-            <a:r>
-              <a:rPr lang="ru-RU" sz="2000" dirty="0">
-                <a:solidFill>
-                  <a:schemeClr val="tx1"/>
-                </a:solidFill>
-                <a:latin typeface="Calibri"/>
-                <a:ea typeface="Roboto"/>
-                <a:cs typeface="Calibri"/>
-                <a:sym typeface="Calibri"/>
-              </a:rPr>
-              <a:t> </a:t>
-            </a:r>
-            <a:r>
-              <a:rPr lang="ru-RU" sz="2000" dirty="0">
-                <a:solidFill>
-                  <a:schemeClr val="tx1"/>
-                </a:solidFill>
-                <a:latin typeface="Roboto"/>
-                <a:ea typeface="Roboto"/>
-                <a:cs typeface="Calibri"/>
-                <a:sym typeface="Calibri"/>
-              </a:rPr>
-              <a:t>Клиент должен иметь возможность кэшировать запросы сервера.</a:t>
-            </a:r>
-            <a:endParaRPr lang="ru-RU" sz="2000" dirty="0">
-              <a:latin typeface="Roboto"/>
-              <a:ea typeface="Roboto"/>
-              <a:sym typeface="Roboto"/>
-            </a:endParaRPr>
-          </a:p>
-          <a:p>
-            <a:pPr marL="0" marR="0" lvl="0" indent="-12700" algn="l" rtl="0">
-              <a:spcBef>
-                <a:spcPts val="0"/>
-              </a:spcBef>
-              <a:spcAft>
-                <a:spcPts val="0"/>
-              </a:spcAft>
-              <a:buSzPts val="2000"/>
-              <a:buFont typeface="Noto Sans Symbols"/>
-              <a:buChar char="▪"/>
-            </a:pPr>
-            <a:endParaRPr lang="ru-RU" sz="2000" dirty="0">
-              <a:solidFill>
-                <a:schemeClr val="tx1"/>
-              </a:solidFill>
-              <a:latin typeface="Roboto"/>
-              <a:ea typeface="Roboto"/>
-              <a:cs typeface="Calibri"/>
-              <a:sym typeface="Roboto"/>
-            </a:endParaRPr>
-          </a:p>
-          <a:p>
-            <a:pPr marL="0" marR="0" lvl="0" indent="-12700" algn="l" rtl="0">
-              <a:spcBef>
-                <a:spcPts val="0"/>
-              </a:spcBef>
-              <a:spcAft>
-                <a:spcPts val="0"/>
-              </a:spcAft>
-              <a:buSzPts val="2000"/>
-              <a:buFont typeface="Noto Sans Symbols"/>
-              <a:buChar char="▪"/>
-            </a:pPr>
-            <a:r>
-              <a:rPr lang="ru-RU" sz="2000" dirty="0">
-                <a:solidFill>
-                  <a:schemeClr val="tx1"/>
-                </a:solidFill>
-                <a:latin typeface="Roboto"/>
-                <a:ea typeface="Roboto"/>
-                <a:cs typeface="Calibri"/>
-                <a:sym typeface="Roboto"/>
-              </a:rPr>
-              <a:t> О</a:t>
-            </a:r>
-            <a:r>
-              <a:rPr lang="ru-RU" sz="2000" dirty="0">
-                <a:solidFill>
-                  <a:schemeClr val="tx1"/>
-                </a:solidFill>
-                <a:latin typeface="Roboto"/>
-                <a:ea typeface="Roboto"/>
-                <a:cs typeface="Calibri"/>
-              </a:rPr>
-              <a:t>тветы сервера должны быть помечены как кэшируемые или нет.</a:t>
-            </a:r>
-          </a:p>
-          <a:p>
-            <a:pPr lvl="0" indent="-12700">
-              <a:buSzPts val="2000"/>
-              <a:buFont typeface="Noto Sans Symbols"/>
-              <a:buChar char="▪"/>
-            </a:pPr>
-            <a:endParaRPr lang="ru-RU" sz="2000" dirty="0">
-              <a:solidFill>
-                <a:schemeClr val="tx1"/>
-              </a:solidFill>
-              <a:latin typeface="Roboto"/>
-              <a:ea typeface="Roboto"/>
-              <a:cs typeface="Calibri"/>
-              <a:sym typeface="Calibri"/>
-            </a:endParaRPr>
-          </a:p>
-          <a:p>
-            <a:pPr indent="-12700">
-              <a:buSzPts val="2000"/>
-              <a:buFont typeface="Noto Sans Symbols"/>
-              <a:buChar char="▪"/>
-            </a:pPr>
-            <a:r>
-              <a:rPr lang="ru-RU" sz="2000" dirty="0">
-                <a:solidFill>
-                  <a:schemeClr val="tx1"/>
-                </a:solidFill>
-                <a:latin typeface="Roboto"/>
-                <a:ea typeface="Roboto"/>
-                <a:cs typeface="Calibri"/>
-              </a:rPr>
-              <a:t> Благодаря правильно настроенному кешированию существенно возрастает производительность системы.</a:t>
-            </a:r>
-          </a:p>
-          <a:p>
-            <a:pPr lvl="0" indent="-12700">
-              <a:buSzPts val="2000"/>
-              <a:buFont typeface="Noto Sans Symbols"/>
-              <a:buChar char="▪"/>
-            </a:pPr>
-            <a:endParaRPr sz="2000" dirty="0">
-              <a:solidFill>
-                <a:schemeClr val="tx1"/>
-              </a:solidFill>
-              <a:latin typeface="Roboto"/>
-              <a:ea typeface="Roboto"/>
-              <a:sym typeface="Calibri"/>
-            </a:endParaRPr>
-          </a:p>
-        </p:txBody>
-      </p:sp>
-      <p:sp>
-        <p:nvSpPr>
-          <p:cNvPr id="9" name="Shape 158">
-            <a:extLst>
-              <a:ext uri="{FF2B5EF4-FFF2-40B4-BE49-F238E27FC236}">
-                <a16:creationId xmlns:a16="http://schemas.microsoft.com/office/drawing/2014/main" id="{DA1F2DC5-9F12-4607-9136-21409B1B8B4B}"/>
-              </a:ext>
-            </a:extLst>
-          </p:cNvPr>
-          <p:cNvSpPr txBox="1">
-            <a:spLocks/>
-          </p:cNvSpPr>
-          <p:nvPr/>
-        </p:nvSpPr>
-        <p:spPr>
-          <a:xfrm>
-            <a:off x="6498941" y="912754"/>
-            <a:ext cx="2400875" cy="458138"/>
-          </a:xfrm>
-          <a:prstGeom prst="rect">
-            <a:avLst/>
-          </a:prstGeom>
-          <a:noFill/>
-          <a:ln>
-            <a:noFill/>
-          </a:ln>
-        </p:spPr>
-        <p:txBody>
-          <a:bodyPr spcFirstLastPara="1" wrap="square" lIns="91425" tIns="45700" rIns="91425" bIns="45700" anchor="ctr" anchorCtr="0">
-            <a:noAutofit/>
-          </a:bodyPr>
-          <a:lstStyle>
-            <a:defPPr marR="0" lvl="0" algn="l" rtl="0">
-              <a:lnSpc>
-                <a:spcPct val="100000"/>
-              </a:lnSpc>
-              <a:spcBef>
-                <a:spcPts val="0"/>
-              </a:spcBef>
-              <a:spcAft>
-                <a:spcPts val="0"/>
-              </a:spcAft>
-            </a:defPPr>
-            <a:lvl1pPr marR="0" lvl="0" algn="ctr" rtl="0">
-              <a:lnSpc>
-                <a:spcPct val="100000"/>
-              </a:lnSpc>
-              <a:spcBef>
-                <a:spcPts val="0"/>
-              </a:spcBef>
-              <a:spcAft>
-                <a:spcPts val="0"/>
-              </a:spcAft>
-              <a:buClr>
-                <a:schemeClr val="dk1"/>
-              </a:buClr>
-              <a:buSzPts val="4400"/>
-              <a:buFont typeface="Calibri"/>
-              <a:buNone/>
-              <a:defRPr sz="4400" b="0" i="0" u="none" strike="noStrike" cap="none">
-                <a:solidFill>
-                  <a:schemeClr val="dk1"/>
-                </a:solidFill>
-                <a:latin typeface="Calibri"/>
-                <a:ea typeface="Calibri"/>
-                <a:cs typeface="Calibri"/>
-                <a:sym typeface="Calibri"/>
-              </a:defRPr>
-            </a:lvl1pPr>
-            <a:lvl2pPr lvl="1">
-              <a:spcBef>
-                <a:spcPts val="0"/>
-              </a:spcBef>
-              <a:spcAft>
-                <a:spcPts val="0"/>
-              </a:spcAft>
-              <a:buSzPts val="1400"/>
-              <a:buNone/>
-              <a:defRPr sz="1800"/>
-            </a:lvl2pPr>
-            <a:lvl3pPr lvl="2">
-              <a:spcBef>
-                <a:spcPts val="0"/>
-              </a:spcBef>
-              <a:spcAft>
-                <a:spcPts val="0"/>
-              </a:spcAft>
-              <a:buSzPts val="1400"/>
-              <a:buNone/>
-              <a:defRPr sz="1800"/>
-            </a:lvl3pPr>
-            <a:lvl4pPr lvl="3">
-              <a:spcBef>
-                <a:spcPts val="0"/>
-              </a:spcBef>
-              <a:spcAft>
-                <a:spcPts val="0"/>
-              </a:spcAft>
-              <a:buSzPts val="1400"/>
-              <a:buNone/>
-              <a:defRPr sz="1800"/>
-            </a:lvl4pPr>
-            <a:lvl5pPr lvl="4">
-              <a:spcBef>
-                <a:spcPts val="0"/>
-              </a:spcBef>
-              <a:spcAft>
-                <a:spcPts val="0"/>
-              </a:spcAft>
-              <a:buSzPts val="1400"/>
-              <a:buNone/>
-              <a:defRPr sz="1800"/>
-            </a:lvl5pPr>
-            <a:lvl6pPr lvl="5">
-              <a:spcBef>
-                <a:spcPts val="0"/>
-              </a:spcBef>
-              <a:spcAft>
-                <a:spcPts val="0"/>
-              </a:spcAft>
-              <a:buSzPts val="1400"/>
-              <a:buNone/>
-              <a:defRPr sz="1800"/>
-            </a:lvl6pPr>
-            <a:lvl7pPr lvl="6">
-              <a:spcBef>
-                <a:spcPts val="0"/>
-              </a:spcBef>
-              <a:spcAft>
-                <a:spcPts val="0"/>
-              </a:spcAft>
-              <a:buSzPts val="1400"/>
-              <a:buNone/>
-              <a:defRPr sz="1800"/>
-            </a:lvl7pPr>
-            <a:lvl8pPr lvl="7">
-              <a:spcBef>
-                <a:spcPts val="0"/>
-              </a:spcBef>
-              <a:spcAft>
-                <a:spcPts val="0"/>
-              </a:spcAft>
-              <a:buSzPts val="1400"/>
-              <a:buNone/>
-              <a:defRPr sz="1800"/>
-            </a:lvl8pPr>
-            <a:lvl9pPr lvl="8">
-              <a:spcBef>
-                <a:spcPts val="0"/>
-              </a:spcBef>
-              <a:spcAft>
-                <a:spcPts val="0"/>
-              </a:spcAft>
-              <a:buSzPts val="1400"/>
-              <a:buNone/>
-              <a:defRPr sz="1800"/>
-            </a:lvl9pPr>
-          </a:lstStyle>
-          <a:p>
-            <a:pPr algn="l"/>
-            <a:r>
-              <a:rPr lang="en-US" sz="2000" b="1" dirty="0">
-                <a:solidFill>
-                  <a:srgbClr val="262626"/>
-                </a:solidFill>
-                <a:latin typeface="Roboto"/>
-                <a:ea typeface="Roboto"/>
-                <a:cs typeface="Roboto"/>
-                <a:sym typeface="Roboto"/>
-              </a:rPr>
-              <a:t>REST constraints</a:t>
-            </a:r>
-            <a:endParaRPr lang="ru-RU" sz="2000" b="1" dirty="0">
-              <a:solidFill>
-                <a:srgbClr val="262626"/>
-              </a:solidFill>
-              <a:latin typeface="Roboto"/>
-              <a:ea typeface="Roboto"/>
-              <a:cs typeface="Roboto"/>
-              <a:sym typeface="Roboto"/>
-            </a:endParaRPr>
-          </a:p>
-        </p:txBody>
-      </p:sp>
-    </p:spTree>
-    <p:extLst>
-      <p:ext uri="{BB962C8B-B14F-4D97-AF65-F5344CB8AC3E}">
-        <p14:creationId xmlns:p14="http://schemas.microsoft.com/office/powerpoint/2010/main" val="1975297286"/>
-      </p:ext>
-    </p:extLst>
-  </p:cSld>
-  <p:clrMapOvr>
-    <a:masterClrMapping/>
-  </p:clrMapOvr>
-  <p:transition>
-    <p:fade/>
-  </p:transition>
-</p:sld>
-</file>
-
-<file path=ppt/slides/slide7.xml><?xml version="1.0" encoding="utf-8"?>
-<p:sld xmlns:a="http://schemas.openxmlformats.org/drawingml/2006/main" xmlns:r="http://schemas.openxmlformats.org/officeDocument/2006/relationships" xmlns:p="http://schemas.openxmlformats.org/presentationml/2006/main">
-  <p:cSld>
-    <p:spTree>
-      <p:nvGrpSpPr>
-        <p:cNvPr id="1" name="Shape 156"/>
-        <p:cNvGrpSpPr/>
-        <p:nvPr/>
-      </p:nvGrpSpPr>
-      <p:grpSpPr>
-        <a:xfrm>
-          <a:off x="0" y="0"/>
-          <a:ext cx="0" cy="0"/>
-          <a:chOff x="0" y="0"/>
-          <a:chExt cx="0" cy="0"/>
-        </a:xfrm>
-      </p:grpSpPr>
-      <p:sp>
-        <p:nvSpPr>
-          <p:cNvPr id="158" name="Shape 158"/>
-          <p:cNvSpPr txBox="1">
-            <a:spLocks noGrp="1"/>
-          </p:cNvSpPr>
-          <p:nvPr>
-            <p:ph type="title"/>
-          </p:nvPr>
-        </p:nvSpPr>
-        <p:spPr>
-          <a:xfrm>
-            <a:off x="514564" y="1765007"/>
-            <a:ext cx="8229600" cy="762818"/>
-          </a:xfrm>
-          <a:prstGeom prst="rect">
-            <a:avLst/>
-          </a:prstGeom>
-          <a:noFill/>
-          <a:ln>
-            <a:noFill/>
-          </a:ln>
-        </p:spPr>
-        <p:txBody>
-          <a:bodyPr spcFirstLastPara="1" wrap="square" lIns="91425" tIns="45700" rIns="91425" bIns="45700" anchor="ctr" anchorCtr="0">
-            <a:noAutofit/>
-          </a:bodyPr>
-          <a:lstStyle/>
-          <a:p>
-            <a:pPr marL="0" marR="0" lvl="0" indent="0" algn="l" rtl="0">
-              <a:spcBef>
-                <a:spcPts val="0"/>
-              </a:spcBef>
-              <a:spcAft>
-                <a:spcPts val="0"/>
-              </a:spcAft>
-              <a:buClr>
-                <a:schemeClr val="dk1"/>
-              </a:buClr>
-              <a:buSzPts val="4400"/>
-              <a:buFont typeface="Calibri"/>
-              <a:buNone/>
-            </a:pPr>
-            <a:r>
-              <a:rPr lang="en-US" sz="4100" b="1" i="0" u="none" strike="noStrike" cap="none" dirty="0">
-                <a:solidFill>
-                  <a:srgbClr val="262626"/>
-                </a:solidFill>
-                <a:latin typeface="Roboto"/>
-                <a:ea typeface="Roboto"/>
-                <a:cs typeface="Roboto"/>
-                <a:sym typeface="Roboto"/>
-              </a:rPr>
-              <a:t>Layered System</a:t>
-            </a:r>
-            <a:endParaRPr lang="ru-RU" sz="4100" b="1" i="0" u="none" strike="noStrike" cap="none" dirty="0">
-              <a:solidFill>
-                <a:srgbClr val="262626"/>
-              </a:solidFill>
-              <a:latin typeface="Roboto"/>
-              <a:ea typeface="Roboto"/>
-              <a:cs typeface="Roboto"/>
-              <a:sym typeface="Roboto"/>
-            </a:endParaRPr>
-          </a:p>
-        </p:txBody>
-      </p:sp>
-      <p:sp>
-        <p:nvSpPr>
-          <p:cNvPr id="159" name="Shape 159"/>
-          <p:cNvSpPr/>
-          <p:nvPr/>
-        </p:nvSpPr>
-        <p:spPr>
-          <a:xfrm>
-            <a:off x="7145316" y="408237"/>
-            <a:ext cx="1856100" cy="290400"/>
-          </a:xfrm>
-          <a:prstGeom prst="roundRect">
-            <a:avLst>
-              <a:gd name="adj" fmla="val 0"/>
-            </a:avLst>
-          </a:prstGeom>
-          <a:noFill/>
-          <a:ln>
-            <a:noFill/>
-          </a:ln>
-        </p:spPr>
-        <p:txBody>
-          <a:bodyPr spcFirstLastPara="1" wrap="square" lIns="91425" tIns="45700" rIns="91425" bIns="45700" anchor="ctr" anchorCtr="0">
-            <a:noAutofit/>
-          </a:bodyPr>
-          <a:lstStyle/>
-          <a:p>
-            <a:pPr marL="0" marR="0" lvl="0" indent="0" algn="ctr" rtl="0">
-              <a:spcBef>
-                <a:spcPts val="0"/>
-              </a:spcBef>
-              <a:spcAft>
-                <a:spcPts val="0"/>
-              </a:spcAft>
-              <a:buClr>
-                <a:schemeClr val="lt1"/>
-              </a:buClr>
-              <a:buSzPts val="1200"/>
-              <a:buFont typeface="Arial"/>
-              <a:buNone/>
-            </a:pPr>
-            <a:r>
-              <a:rPr lang="en-US" sz="1500" b="1" i="0" strike="noStrike" cap="none">
-                <a:solidFill>
-                  <a:srgbClr val="262626"/>
-                </a:solidFill>
-                <a:latin typeface="Roboto"/>
-                <a:ea typeface="Roboto"/>
-                <a:cs typeface="Roboto"/>
-                <a:sym typeface="Roboto"/>
-              </a:rPr>
-              <a:t>www.itea.ua</a:t>
-            </a:r>
-            <a:endParaRPr sz="1500" b="1" i="0" strike="noStrike" cap="none">
-              <a:solidFill>
-                <a:srgbClr val="262626"/>
-              </a:solidFill>
-              <a:latin typeface="Roboto"/>
-              <a:ea typeface="Roboto"/>
-              <a:cs typeface="Roboto"/>
-              <a:sym typeface="Roboto"/>
-            </a:endParaRPr>
-          </a:p>
-        </p:txBody>
-      </p:sp>
-      <p:sp>
-        <p:nvSpPr>
-          <p:cNvPr id="160" name="Shape 160"/>
-          <p:cNvSpPr/>
-          <p:nvPr/>
-        </p:nvSpPr>
-        <p:spPr>
-          <a:xfrm rot="10800000" flipH="1">
-            <a:off x="0" y="1127850"/>
-            <a:ext cx="3143100" cy="42300"/>
-          </a:xfrm>
-          <a:prstGeom prst="rect">
-            <a:avLst/>
-          </a:prstGeom>
-          <a:solidFill>
-            <a:srgbClr val="CC0000"/>
-          </a:solidFill>
-          <a:ln>
-            <a:noFill/>
-          </a:ln>
-        </p:spPr>
-        <p:txBody>
-          <a:bodyPr spcFirstLastPara="1" wrap="square" lIns="91425" tIns="91425" rIns="91425" bIns="91425" anchor="ctr" anchorCtr="0">
-            <a:noAutofit/>
-          </a:bodyPr>
-          <a:lstStyle/>
-          <a:p>
-            <a:pPr marL="0" lvl="0" indent="0">
-              <a:spcBef>
-                <a:spcPts val="0"/>
-              </a:spcBef>
-              <a:spcAft>
-                <a:spcPts val="0"/>
-              </a:spcAft>
-              <a:buNone/>
-            </a:pPr>
-            <a:r>
-              <a:rPr lang="en-US"/>
-              <a:t>                                                                                     </a:t>
-            </a:r>
-            <a:endParaRPr/>
-          </a:p>
-        </p:txBody>
-      </p:sp>
-      <p:sp>
-        <p:nvSpPr>
-          <p:cNvPr id="161" name="Shape 161"/>
-          <p:cNvSpPr/>
-          <p:nvPr/>
-        </p:nvSpPr>
-        <p:spPr>
-          <a:xfrm rot="10800000" flipH="1">
-            <a:off x="3067050" y="1127850"/>
-            <a:ext cx="3143100" cy="42300"/>
-          </a:xfrm>
-          <a:prstGeom prst="rect">
-            <a:avLst/>
-          </a:prstGeom>
-          <a:solidFill>
-            <a:srgbClr val="262626"/>
-          </a:solidFill>
-          <a:ln>
-            <a:noFill/>
-          </a:ln>
-        </p:spPr>
-        <p:txBody>
-          <a:bodyPr spcFirstLastPara="1" wrap="square" lIns="91425" tIns="91425" rIns="91425" bIns="91425" anchor="ctr" anchorCtr="0">
-            <a:noAutofit/>
-          </a:bodyPr>
-          <a:lstStyle/>
-          <a:p>
-            <a:pPr marL="0" lvl="0" indent="0">
-              <a:spcBef>
-                <a:spcPts val="0"/>
-              </a:spcBef>
-              <a:spcAft>
-                <a:spcPts val="0"/>
-              </a:spcAft>
-              <a:buNone/>
-            </a:pPr>
-            <a:endParaRPr/>
-          </a:p>
-        </p:txBody>
-      </p:sp>
-      <p:pic>
-        <p:nvPicPr>
-          <p:cNvPr id="162" name="Shape 162"/>
-          <p:cNvPicPr preferRelativeResize="0"/>
-          <p:nvPr/>
-        </p:nvPicPr>
-        <p:blipFill>
-          <a:blip r:embed="rId3">
-            <a:alphaModFix/>
-          </a:blip>
-          <a:stretch>
-            <a:fillRect/>
-          </a:stretch>
-        </p:blipFill>
-        <p:spPr>
-          <a:xfrm>
-            <a:off x="353700" y="302000"/>
-            <a:ext cx="1741800" cy="502875"/>
-          </a:xfrm>
-          <a:prstGeom prst="rect">
-            <a:avLst/>
-          </a:prstGeom>
-          <a:noFill/>
-          <a:ln>
-            <a:noFill/>
-          </a:ln>
-        </p:spPr>
-      </p:pic>
-      <p:sp>
-        <p:nvSpPr>
-          <p:cNvPr id="163" name="Shape 163"/>
-          <p:cNvSpPr txBox="1"/>
-          <p:nvPr/>
-        </p:nvSpPr>
-        <p:spPr>
-          <a:xfrm>
-            <a:off x="467326" y="2823381"/>
-            <a:ext cx="8181300" cy="3074100"/>
-          </a:xfrm>
-          <a:prstGeom prst="rect">
-            <a:avLst/>
-          </a:prstGeom>
-          <a:noFill/>
-          <a:ln>
-            <a:noFill/>
-          </a:ln>
-        </p:spPr>
-        <p:txBody>
-          <a:bodyPr spcFirstLastPara="1" wrap="square" lIns="91425" tIns="45700" rIns="91425" bIns="45700" anchor="ctr" anchorCtr="0">
-            <a:noAutofit/>
-          </a:bodyPr>
-          <a:lstStyle/>
-          <a:p>
-            <a:pPr lvl="0" indent="-12700">
-              <a:buSzPts val="2000"/>
-              <a:buFont typeface="Noto Sans Symbols"/>
-              <a:buChar char="▪"/>
-            </a:pPr>
-            <a:r>
-              <a:rPr lang="ru-RU" sz="2000" dirty="0">
-                <a:solidFill>
-                  <a:schemeClr val="tx1"/>
-                </a:solidFill>
-                <a:latin typeface="Calibri"/>
-                <a:ea typeface="Roboto"/>
-                <a:cs typeface="Calibri"/>
-                <a:sym typeface="Calibri"/>
-              </a:rPr>
-              <a:t> </a:t>
-            </a:r>
-            <a:r>
-              <a:rPr lang="ru-RU" sz="2000" dirty="0">
-                <a:solidFill>
-                  <a:schemeClr val="tx1"/>
-                </a:solidFill>
-                <a:latin typeface="Roboto"/>
-                <a:ea typeface="Roboto"/>
-                <a:cs typeface="Calibri"/>
-                <a:sym typeface="Calibri"/>
-              </a:rPr>
-              <a:t>Клиент может коммуницировать не с конечным а промежуточным сервером и ничего об этом не знать. </a:t>
-            </a:r>
-            <a:endParaRPr lang="ru-RU" sz="2000" dirty="0">
-              <a:latin typeface="Roboto"/>
-              <a:ea typeface="Roboto"/>
-              <a:sym typeface="Roboto"/>
-            </a:endParaRPr>
-          </a:p>
-          <a:p>
-            <a:pPr marL="0" marR="0" lvl="0" indent="-12700" algn="l" rtl="0">
-              <a:spcBef>
-                <a:spcPts val="0"/>
-              </a:spcBef>
-              <a:spcAft>
-                <a:spcPts val="0"/>
-              </a:spcAft>
-              <a:buSzPts val="2000"/>
-              <a:buFont typeface="Noto Sans Symbols"/>
-              <a:buChar char="▪"/>
-            </a:pPr>
-            <a:endParaRPr lang="ru-RU" sz="2000" dirty="0">
-              <a:solidFill>
-                <a:schemeClr val="tx1"/>
-              </a:solidFill>
-              <a:latin typeface="Roboto"/>
-              <a:ea typeface="Roboto"/>
-              <a:cs typeface="Calibri"/>
-              <a:sym typeface="Roboto"/>
-            </a:endParaRPr>
-          </a:p>
-          <a:p>
-            <a:pPr marL="0" marR="0" lvl="0" indent="-12700" algn="l" rtl="0">
-              <a:spcBef>
-                <a:spcPts val="0"/>
-              </a:spcBef>
-              <a:spcAft>
-                <a:spcPts val="0"/>
-              </a:spcAft>
-              <a:buSzPts val="2000"/>
-              <a:buFont typeface="Noto Sans Symbols"/>
-              <a:buChar char="▪"/>
-            </a:pPr>
-            <a:r>
-              <a:rPr lang="ru-RU" sz="2000" dirty="0">
-                <a:solidFill>
-                  <a:schemeClr val="tx1"/>
-                </a:solidFill>
-                <a:latin typeface="Roboto"/>
-                <a:ea typeface="Roboto"/>
-                <a:cs typeface="Calibri"/>
-                <a:sym typeface="Roboto"/>
-              </a:rPr>
-              <a:t> Промежуточные серверы могут расспределять нагрузку и предоставлять общие кэши для клиентов.</a:t>
-            </a:r>
-            <a:endParaRPr lang="ru-RU" sz="2000" dirty="0">
-              <a:solidFill>
-                <a:schemeClr val="tx1"/>
-              </a:solidFill>
-              <a:latin typeface="Roboto"/>
-              <a:ea typeface="Roboto"/>
-              <a:cs typeface="Calibri"/>
-            </a:endParaRPr>
-          </a:p>
-          <a:p>
-            <a:pPr lvl="0" indent="-12700">
-              <a:buSzPts val="2000"/>
-              <a:buFont typeface="Noto Sans Symbols"/>
-              <a:buChar char="▪"/>
-            </a:pPr>
-            <a:endParaRPr lang="ru-RU" sz="2000" dirty="0">
-              <a:solidFill>
-                <a:schemeClr val="tx1"/>
-              </a:solidFill>
-              <a:latin typeface="Roboto"/>
-              <a:ea typeface="Roboto"/>
-              <a:cs typeface="Calibri"/>
-              <a:sym typeface="Calibri"/>
-            </a:endParaRPr>
-          </a:p>
-          <a:p>
-            <a:pPr indent="-12700">
-              <a:buSzPts val="2000"/>
-              <a:buFont typeface="Noto Sans Symbols"/>
-              <a:buChar char="▪"/>
-            </a:pPr>
-            <a:r>
-              <a:rPr lang="ru-RU" sz="2000" dirty="0">
-                <a:solidFill>
-                  <a:schemeClr val="tx1"/>
-                </a:solidFill>
-                <a:latin typeface="Roboto"/>
-                <a:ea typeface="Roboto"/>
-                <a:cs typeface="Calibri"/>
-              </a:rPr>
-              <a:t> Благодаря промежуточным серверам можно устанавливать дополнительные политики безопасности.</a:t>
-            </a:r>
-          </a:p>
-          <a:p>
-            <a:pPr lvl="0" indent="-12700">
-              <a:buSzPts val="2000"/>
-              <a:buFont typeface="Noto Sans Symbols"/>
-              <a:buChar char="▪"/>
-            </a:pPr>
-            <a:endParaRPr sz="2000" dirty="0">
-              <a:solidFill>
-                <a:schemeClr val="tx1"/>
-              </a:solidFill>
-              <a:latin typeface="Roboto"/>
-              <a:ea typeface="Roboto"/>
-              <a:sym typeface="Calibri"/>
-            </a:endParaRPr>
-          </a:p>
-        </p:txBody>
-      </p:sp>
-      <p:sp>
-        <p:nvSpPr>
-          <p:cNvPr id="9" name="Shape 158">
-            <a:extLst>
-              <a:ext uri="{FF2B5EF4-FFF2-40B4-BE49-F238E27FC236}">
-                <a16:creationId xmlns:a16="http://schemas.microsoft.com/office/drawing/2014/main" id="{533593D9-98E7-4AF6-9D14-57F1955D42EA}"/>
-              </a:ext>
-            </a:extLst>
-          </p:cNvPr>
-          <p:cNvSpPr txBox="1">
-            <a:spLocks/>
-          </p:cNvSpPr>
-          <p:nvPr/>
-        </p:nvSpPr>
-        <p:spPr>
-          <a:xfrm>
-            <a:off x="6498941" y="912754"/>
-            <a:ext cx="2400875" cy="458138"/>
-          </a:xfrm>
-          <a:prstGeom prst="rect">
-            <a:avLst/>
-          </a:prstGeom>
-          <a:noFill/>
-          <a:ln>
-            <a:noFill/>
-          </a:ln>
-        </p:spPr>
-        <p:txBody>
-          <a:bodyPr spcFirstLastPara="1" wrap="square" lIns="91425" tIns="45700" rIns="91425" bIns="45700" anchor="ctr" anchorCtr="0">
-            <a:noAutofit/>
-          </a:bodyPr>
-          <a:lstStyle>
-            <a:defPPr marR="0" lvl="0" algn="l" rtl="0">
-              <a:lnSpc>
-                <a:spcPct val="100000"/>
-              </a:lnSpc>
-              <a:spcBef>
-                <a:spcPts val="0"/>
-              </a:spcBef>
-              <a:spcAft>
-                <a:spcPts val="0"/>
-              </a:spcAft>
-            </a:defPPr>
-            <a:lvl1pPr marR="0" lvl="0" algn="ctr" rtl="0">
-              <a:lnSpc>
-                <a:spcPct val="100000"/>
-              </a:lnSpc>
-              <a:spcBef>
-                <a:spcPts val="0"/>
-              </a:spcBef>
-              <a:spcAft>
-                <a:spcPts val="0"/>
-              </a:spcAft>
-              <a:buClr>
-                <a:schemeClr val="dk1"/>
-              </a:buClr>
-              <a:buSzPts val="4400"/>
-              <a:buFont typeface="Calibri"/>
-              <a:buNone/>
-              <a:defRPr sz="4400" b="0" i="0" u="none" strike="noStrike" cap="none">
-                <a:solidFill>
-                  <a:schemeClr val="dk1"/>
-                </a:solidFill>
-                <a:latin typeface="Calibri"/>
-                <a:ea typeface="Calibri"/>
-                <a:cs typeface="Calibri"/>
-                <a:sym typeface="Calibri"/>
-              </a:defRPr>
-            </a:lvl1pPr>
-            <a:lvl2pPr lvl="1">
-              <a:spcBef>
-                <a:spcPts val="0"/>
-              </a:spcBef>
-              <a:spcAft>
-                <a:spcPts val="0"/>
-              </a:spcAft>
-              <a:buSzPts val="1400"/>
-              <a:buNone/>
-              <a:defRPr sz="1800"/>
-            </a:lvl2pPr>
-            <a:lvl3pPr lvl="2">
-              <a:spcBef>
-                <a:spcPts val="0"/>
-              </a:spcBef>
-              <a:spcAft>
-                <a:spcPts val="0"/>
-              </a:spcAft>
-              <a:buSzPts val="1400"/>
-              <a:buNone/>
-              <a:defRPr sz="1800"/>
-            </a:lvl3pPr>
-            <a:lvl4pPr lvl="3">
-              <a:spcBef>
-                <a:spcPts val="0"/>
-              </a:spcBef>
-              <a:spcAft>
-                <a:spcPts val="0"/>
-              </a:spcAft>
-              <a:buSzPts val="1400"/>
-              <a:buNone/>
-              <a:defRPr sz="1800"/>
-            </a:lvl4pPr>
-            <a:lvl5pPr lvl="4">
-              <a:spcBef>
-                <a:spcPts val="0"/>
-              </a:spcBef>
-              <a:spcAft>
-                <a:spcPts val="0"/>
-              </a:spcAft>
-              <a:buSzPts val="1400"/>
-              <a:buNone/>
-              <a:defRPr sz="1800"/>
-            </a:lvl5pPr>
-            <a:lvl6pPr lvl="5">
-              <a:spcBef>
-                <a:spcPts val="0"/>
-              </a:spcBef>
-              <a:spcAft>
-                <a:spcPts val="0"/>
-              </a:spcAft>
-              <a:buSzPts val="1400"/>
-              <a:buNone/>
-              <a:defRPr sz="1800"/>
-            </a:lvl6pPr>
-            <a:lvl7pPr lvl="6">
-              <a:spcBef>
-                <a:spcPts val="0"/>
-              </a:spcBef>
-              <a:spcAft>
-                <a:spcPts val="0"/>
-              </a:spcAft>
-              <a:buSzPts val="1400"/>
-              <a:buNone/>
-              <a:defRPr sz="1800"/>
-            </a:lvl7pPr>
-            <a:lvl8pPr lvl="7">
-              <a:spcBef>
-                <a:spcPts val="0"/>
-              </a:spcBef>
-              <a:spcAft>
-                <a:spcPts val="0"/>
-              </a:spcAft>
-              <a:buSzPts val="1400"/>
-              <a:buNone/>
-              <a:defRPr sz="1800"/>
-            </a:lvl8pPr>
-            <a:lvl9pPr lvl="8">
-              <a:spcBef>
-                <a:spcPts val="0"/>
-              </a:spcBef>
-              <a:spcAft>
-                <a:spcPts val="0"/>
-              </a:spcAft>
-              <a:buSzPts val="1400"/>
-              <a:buNone/>
-              <a:defRPr sz="1800"/>
-            </a:lvl9pPr>
-          </a:lstStyle>
-          <a:p>
-            <a:pPr algn="l"/>
-            <a:r>
-              <a:rPr lang="en-US" sz="2000" b="1" dirty="0">
-                <a:solidFill>
-                  <a:srgbClr val="262626"/>
-                </a:solidFill>
-                <a:latin typeface="Roboto"/>
-                <a:ea typeface="Roboto"/>
-                <a:cs typeface="Roboto"/>
-                <a:sym typeface="Roboto"/>
-              </a:rPr>
-              <a:t>REST constraints</a:t>
-            </a:r>
-            <a:endParaRPr lang="ru-RU" sz="2000" b="1" dirty="0">
-              <a:solidFill>
-                <a:srgbClr val="262626"/>
-              </a:solidFill>
-              <a:latin typeface="Roboto"/>
-              <a:ea typeface="Roboto"/>
-              <a:cs typeface="Roboto"/>
-              <a:sym typeface="Roboto"/>
-            </a:endParaRPr>
-          </a:p>
-        </p:txBody>
-      </p:sp>
-    </p:spTree>
-    <p:extLst>
-      <p:ext uri="{BB962C8B-B14F-4D97-AF65-F5344CB8AC3E}">
-        <p14:creationId xmlns:p14="http://schemas.microsoft.com/office/powerpoint/2010/main" val="1718163694"/>
-      </p:ext>
-    </p:extLst>
-  </p:cSld>
-  <p:clrMapOvr>
-    <a:masterClrMapping/>
-  </p:clrMapOvr>
-  <p:transition>
-    <p:fade/>
-  </p:transition>
-</p:sld>
-</file>
-
-<file path=ppt/slides/slide8.xml><?xml version="1.0" encoding="utf-8"?>
-<p:sld xmlns:a="http://schemas.openxmlformats.org/drawingml/2006/main" xmlns:r="http://schemas.openxmlformats.org/officeDocument/2006/relationships" xmlns:p="http://schemas.openxmlformats.org/presentationml/2006/main">
-  <p:cSld>
-    <p:spTree>
-      <p:nvGrpSpPr>
-        <p:cNvPr id="1" name="Shape 156"/>
-        <p:cNvGrpSpPr/>
-        <p:nvPr/>
-      </p:nvGrpSpPr>
-      <p:grpSpPr>
-        <a:xfrm>
-          <a:off x="0" y="0"/>
-          <a:ext cx="0" cy="0"/>
-          <a:chOff x="0" y="0"/>
-          <a:chExt cx="0" cy="0"/>
-        </a:xfrm>
-      </p:grpSpPr>
-      <p:sp>
-        <p:nvSpPr>
-          <p:cNvPr id="158" name="Shape 158"/>
-          <p:cNvSpPr txBox="1">
-            <a:spLocks noGrp="1"/>
-          </p:cNvSpPr>
-          <p:nvPr>
-            <p:ph type="title"/>
-          </p:nvPr>
-        </p:nvSpPr>
-        <p:spPr>
-          <a:xfrm>
-            <a:off x="514564" y="1765007"/>
-            <a:ext cx="8229600" cy="762818"/>
-          </a:xfrm>
-          <a:prstGeom prst="rect">
-            <a:avLst/>
-          </a:prstGeom>
-          <a:noFill/>
-          <a:ln>
-            <a:noFill/>
-          </a:ln>
-        </p:spPr>
-        <p:txBody>
-          <a:bodyPr spcFirstLastPara="1" wrap="square" lIns="91425" tIns="45700" rIns="91425" bIns="45700" anchor="ctr" anchorCtr="0">
-            <a:noAutofit/>
-          </a:bodyPr>
-          <a:lstStyle/>
-          <a:p>
-            <a:pPr marL="0" marR="0" lvl="0" indent="0" algn="l" rtl="0">
-              <a:spcBef>
-                <a:spcPts val="0"/>
-              </a:spcBef>
-              <a:spcAft>
-                <a:spcPts val="0"/>
-              </a:spcAft>
-              <a:buClr>
-                <a:schemeClr val="dk1"/>
-              </a:buClr>
-              <a:buSzPts val="4400"/>
-              <a:buFont typeface="Calibri"/>
-              <a:buNone/>
-            </a:pPr>
-            <a:r>
-              <a:rPr lang="en-US" sz="4100" b="1" i="0" u="none" strike="noStrike" cap="none" dirty="0">
-                <a:solidFill>
-                  <a:srgbClr val="262626"/>
-                </a:solidFill>
-                <a:latin typeface="Roboto"/>
-                <a:ea typeface="Roboto"/>
-                <a:cs typeface="Roboto"/>
-                <a:sym typeface="Roboto"/>
-              </a:rPr>
-              <a:t>Uniform </a:t>
-            </a:r>
-            <a:r>
-              <a:rPr lang="en-US" sz="4100" b="1" dirty="0">
-                <a:solidFill>
-                  <a:srgbClr val="262626"/>
-                </a:solidFill>
-                <a:latin typeface="Roboto"/>
-                <a:ea typeface="Roboto"/>
-                <a:cs typeface="Roboto"/>
-                <a:sym typeface="Roboto"/>
-              </a:rPr>
-              <a:t>Interface</a:t>
-            </a:r>
-            <a:endParaRPr lang="ru-RU" sz="4100" b="1" i="0" u="none" strike="noStrike" cap="none" dirty="0">
-              <a:solidFill>
-                <a:srgbClr val="262626"/>
-              </a:solidFill>
-              <a:latin typeface="Roboto"/>
-              <a:ea typeface="Roboto"/>
-              <a:cs typeface="Roboto"/>
-              <a:sym typeface="Roboto"/>
-            </a:endParaRPr>
-          </a:p>
-        </p:txBody>
-      </p:sp>
-      <p:sp>
-        <p:nvSpPr>
-          <p:cNvPr id="159" name="Shape 159"/>
-          <p:cNvSpPr/>
-          <p:nvPr/>
-        </p:nvSpPr>
-        <p:spPr>
-          <a:xfrm>
-            <a:off x="7145316" y="408237"/>
-            <a:ext cx="1856100" cy="290400"/>
-          </a:xfrm>
-          <a:prstGeom prst="roundRect">
-            <a:avLst>
-              <a:gd name="adj" fmla="val 0"/>
-            </a:avLst>
-          </a:prstGeom>
-          <a:noFill/>
-          <a:ln>
-            <a:noFill/>
-          </a:ln>
-        </p:spPr>
-        <p:txBody>
-          <a:bodyPr spcFirstLastPara="1" wrap="square" lIns="91425" tIns="45700" rIns="91425" bIns="45700" anchor="ctr" anchorCtr="0">
-            <a:noAutofit/>
-          </a:bodyPr>
-          <a:lstStyle/>
-          <a:p>
-            <a:pPr marL="0" marR="0" lvl="0" indent="0" algn="ctr" rtl="0">
-              <a:spcBef>
-                <a:spcPts val="0"/>
-              </a:spcBef>
-              <a:spcAft>
-                <a:spcPts val="0"/>
-              </a:spcAft>
-              <a:buClr>
-                <a:schemeClr val="lt1"/>
-              </a:buClr>
-              <a:buSzPts val="1200"/>
-              <a:buFont typeface="Arial"/>
-              <a:buNone/>
-            </a:pPr>
-            <a:r>
-              <a:rPr lang="en-US" sz="1500" b="1" i="0" strike="noStrike" cap="none">
-                <a:solidFill>
-                  <a:srgbClr val="262626"/>
-                </a:solidFill>
-                <a:latin typeface="Roboto"/>
-                <a:ea typeface="Roboto"/>
-                <a:cs typeface="Roboto"/>
-                <a:sym typeface="Roboto"/>
-              </a:rPr>
-              <a:t>www.itea.ua</a:t>
-            </a:r>
-            <a:endParaRPr sz="1500" b="1" i="0" strike="noStrike" cap="none">
-              <a:solidFill>
-                <a:srgbClr val="262626"/>
-              </a:solidFill>
-              <a:latin typeface="Roboto"/>
-              <a:ea typeface="Roboto"/>
-              <a:cs typeface="Roboto"/>
-              <a:sym typeface="Roboto"/>
-            </a:endParaRPr>
-          </a:p>
-        </p:txBody>
-      </p:sp>
-      <p:sp>
-        <p:nvSpPr>
-          <p:cNvPr id="160" name="Shape 160"/>
-          <p:cNvSpPr/>
-          <p:nvPr/>
-        </p:nvSpPr>
-        <p:spPr>
-          <a:xfrm rot="10800000" flipH="1">
-            <a:off x="0" y="1127850"/>
-            <a:ext cx="3143100" cy="42300"/>
-          </a:xfrm>
-          <a:prstGeom prst="rect">
-            <a:avLst/>
-          </a:prstGeom>
-          <a:solidFill>
-            <a:srgbClr val="CC0000"/>
-          </a:solidFill>
-          <a:ln>
-            <a:noFill/>
-          </a:ln>
-        </p:spPr>
-        <p:txBody>
-          <a:bodyPr spcFirstLastPara="1" wrap="square" lIns="91425" tIns="91425" rIns="91425" bIns="91425" anchor="ctr" anchorCtr="0">
-            <a:noAutofit/>
-          </a:bodyPr>
-          <a:lstStyle/>
-          <a:p>
-            <a:pPr marL="0" lvl="0" indent="0">
-              <a:spcBef>
-                <a:spcPts val="0"/>
-              </a:spcBef>
-              <a:spcAft>
-                <a:spcPts val="0"/>
-              </a:spcAft>
-              <a:buNone/>
-            </a:pPr>
-            <a:r>
-              <a:rPr lang="en-US"/>
-              <a:t>                                                                                     </a:t>
-            </a:r>
-            <a:endParaRPr/>
-          </a:p>
-        </p:txBody>
-      </p:sp>
-      <p:sp>
-        <p:nvSpPr>
-          <p:cNvPr id="161" name="Shape 161"/>
-          <p:cNvSpPr/>
-          <p:nvPr/>
-        </p:nvSpPr>
-        <p:spPr>
-          <a:xfrm rot="10800000" flipH="1">
-            <a:off x="3067050" y="1127850"/>
-            <a:ext cx="3143100" cy="42300"/>
-          </a:xfrm>
-          <a:prstGeom prst="rect">
-            <a:avLst/>
-          </a:prstGeom>
-          <a:solidFill>
-            <a:srgbClr val="262626"/>
-          </a:solidFill>
-          <a:ln>
-            <a:noFill/>
-          </a:ln>
-        </p:spPr>
-        <p:txBody>
-          <a:bodyPr spcFirstLastPara="1" wrap="square" lIns="91425" tIns="91425" rIns="91425" bIns="91425" anchor="ctr" anchorCtr="0">
-            <a:noAutofit/>
-          </a:bodyPr>
-          <a:lstStyle/>
-          <a:p>
-            <a:pPr marL="0" lvl="0" indent="0">
-              <a:spcBef>
-                <a:spcPts val="0"/>
-              </a:spcBef>
-              <a:spcAft>
-                <a:spcPts val="0"/>
-              </a:spcAft>
-              <a:buNone/>
-            </a:pPr>
-            <a:endParaRPr/>
-          </a:p>
-        </p:txBody>
-      </p:sp>
-      <p:pic>
-        <p:nvPicPr>
-          <p:cNvPr id="162" name="Shape 162"/>
-          <p:cNvPicPr preferRelativeResize="0"/>
-          <p:nvPr/>
-        </p:nvPicPr>
-        <p:blipFill>
-          <a:blip r:embed="rId3">
-            <a:alphaModFix/>
-          </a:blip>
-          <a:stretch>
-            <a:fillRect/>
-          </a:stretch>
-        </p:blipFill>
-        <p:spPr>
-          <a:xfrm>
-            <a:off x="353700" y="302000"/>
-            <a:ext cx="1741800" cy="502875"/>
-          </a:xfrm>
-          <a:prstGeom prst="rect">
-            <a:avLst/>
-          </a:prstGeom>
-          <a:noFill/>
-          <a:ln>
-            <a:noFill/>
-          </a:ln>
-        </p:spPr>
-      </p:pic>
-      <p:sp>
-        <p:nvSpPr>
-          <p:cNvPr id="163" name="Shape 163"/>
-          <p:cNvSpPr txBox="1"/>
-          <p:nvPr/>
-        </p:nvSpPr>
-        <p:spPr>
-          <a:xfrm>
-            <a:off x="467326" y="2823381"/>
-            <a:ext cx="8181300" cy="3074100"/>
-          </a:xfrm>
-          <a:prstGeom prst="rect">
-            <a:avLst/>
-          </a:prstGeom>
-          <a:noFill/>
-          <a:ln>
-            <a:noFill/>
-          </a:ln>
-        </p:spPr>
-        <p:txBody>
-          <a:bodyPr spcFirstLastPara="1" wrap="square" lIns="91425" tIns="45700" rIns="91425" bIns="45700" anchor="ctr" anchorCtr="0">
-            <a:noAutofit/>
-          </a:bodyPr>
-          <a:lstStyle/>
-          <a:p>
-            <a:pPr lvl="0" indent="-12700">
-              <a:buSzPts val="2000"/>
-              <a:buFont typeface="Noto Sans Symbols"/>
-              <a:buChar char="▪"/>
-            </a:pPr>
-            <a:r>
-              <a:rPr lang="ru-RU" sz="2000" dirty="0">
-                <a:solidFill>
-                  <a:schemeClr val="tx1"/>
-                </a:solidFill>
-                <a:latin typeface="Roboto"/>
-                <a:ea typeface="Roboto"/>
-                <a:cs typeface="Calibri"/>
-                <a:sym typeface="Calibri"/>
-              </a:rPr>
-              <a:t> Устанавливает интерфейс взаимодействия между клиентом и сервером.</a:t>
-            </a:r>
-            <a:endParaRPr lang="ru-RU" sz="2000" dirty="0">
-              <a:latin typeface="Roboto"/>
-              <a:ea typeface="Roboto"/>
-              <a:sym typeface="Roboto"/>
-            </a:endParaRPr>
-          </a:p>
-          <a:p>
-            <a:pPr marL="0" marR="0" lvl="0" indent="-12700" algn="l" rtl="0">
-              <a:spcBef>
-                <a:spcPts val="0"/>
-              </a:spcBef>
-              <a:spcAft>
-                <a:spcPts val="0"/>
-              </a:spcAft>
-              <a:buSzPts val="2000"/>
-              <a:buFont typeface="Noto Sans Symbols"/>
-              <a:buChar char="▪"/>
-            </a:pPr>
-            <a:endParaRPr lang="ru-RU" sz="2000" dirty="0">
-              <a:solidFill>
-                <a:schemeClr val="tx1"/>
-              </a:solidFill>
-              <a:latin typeface="Roboto"/>
-              <a:ea typeface="Roboto"/>
-              <a:cs typeface="Calibri"/>
-              <a:sym typeface="Roboto"/>
-            </a:endParaRPr>
-          </a:p>
-          <a:p>
-            <a:pPr marL="0" marR="0" lvl="0" indent="-12700" algn="l" rtl="0">
-              <a:spcBef>
-                <a:spcPts val="0"/>
-              </a:spcBef>
-              <a:spcAft>
-                <a:spcPts val="0"/>
-              </a:spcAft>
-              <a:buSzPts val="2000"/>
-              <a:buFont typeface="Noto Sans Symbols"/>
-              <a:buChar char="▪"/>
-            </a:pPr>
-            <a:r>
-              <a:rPr lang="ru-RU" sz="2000" dirty="0">
-                <a:solidFill>
-                  <a:schemeClr val="tx1"/>
-                </a:solidFill>
-                <a:latin typeface="Roboto"/>
-                <a:ea typeface="Roboto"/>
-                <a:cs typeface="Calibri"/>
-                <a:sym typeface="Roboto"/>
-              </a:rPr>
-              <a:t> Благодаря определенному интерфейсу коммуникации клиент и сервер могут развиватся независимо.</a:t>
-            </a:r>
-            <a:endParaRPr lang="ru-RU" sz="2000" dirty="0">
-              <a:solidFill>
-                <a:schemeClr val="tx1"/>
-              </a:solidFill>
-              <a:latin typeface="Roboto"/>
-              <a:ea typeface="Roboto"/>
-              <a:cs typeface="Calibri"/>
-            </a:endParaRPr>
-          </a:p>
-          <a:p>
-            <a:pPr lvl="0" indent="-12700">
-              <a:buSzPts val="2000"/>
-              <a:buFont typeface="Noto Sans Symbols"/>
-              <a:buChar char="▪"/>
-            </a:pPr>
-            <a:endParaRPr lang="ru-RU" sz="2000" dirty="0">
-              <a:solidFill>
-                <a:schemeClr val="tx1"/>
-              </a:solidFill>
-              <a:latin typeface="Roboto"/>
-              <a:ea typeface="Roboto"/>
-              <a:cs typeface="Calibri"/>
-              <a:sym typeface="Calibri"/>
-            </a:endParaRPr>
-          </a:p>
-          <a:p>
-            <a:pPr indent="-12700">
-              <a:buSzPts val="2000"/>
-              <a:buFont typeface="Noto Sans Symbols"/>
-              <a:buChar char="▪"/>
-            </a:pPr>
-            <a:r>
-              <a:rPr lang="ru-RU" sz="2000" dirty="0">
-                <a:solidFill>
-                  <a:schemeClr val="tx1"/>
-                </a:solidFill>
-                <a:latin typeface="Roboto"/>
-                <a:ea typeface="Roboto"/>
-                <a:cs typeface="Calibri"/>
-              </a:rPr>
-              <a:t> Ограничение единого интерфейса определяет 4 принципа единого интерфейса.</a:t>
-            </a:r>
-          </a:p>
-          <a:p>
-            <a:pPr lvl="0" indent="-12700">
-              <a:buSzPts val="2000"/>
-              <a:buFont typeface="Noto Sans Symbols"/>
-              <a:buChar char="▪"/>
-            </a:pPr>
-            <a:endParaRPr sz="2000" dirty="0">
-              <a:solidFill>
-                <a:schemeClr val="tx1"/>
-              </a:solidFill>
-              <a:latin typeface="Roboto"/>
-              <a:ea typeface="Roboto"/>
-              <a:sym typeface="Calibri"/>
-            </a:endParaRPr>
-          </a:p>
-        </p:txBody>
-      </p:sp>
-      <p:sp>
-        <p:nvSpPr>
-          <p:cNvPr id="9" name="Shape 158">
-            <a:extLst>
-              <a:ext uri="{FF2B5EF4-FFF2-40B4-BE49-F238E27FC236}">
-                <a16:creationId xmlns:a16="http://schemas.microsoft.com/office/drawing/2014/main" id="{B205CF65-8177-4E03-8053-643E4C18B7C8}"/>
-              </a:ext>
-            </a:extLst>
-          </p:cNvPr>
-          <p:cNvSpPr txBox="1">
-            <a:spLocks/>
-          </p:cNvSpPr>
-          <p:nvPr/>
-        </p:nvSpPr>
-        <p:spPr>
-          <a:xfrm>
-            <a:off x="6498941" y="912754"/>
-            <a:ext cx="2400875" cy="458138"/>
-          </a:xfrm>
-          <a:prstGeom prst="rect">
-            <a:avLst/>
-          </a:prstGeom>
-          <a:noFill/>
-          <a:ln>
-            <a:noFill/>
-          </a:ln>
-        </p:spPr>
-        <p:txBody>
-          <a:bodyPr spcFirstLastPara="1" wrap="square" lIns="91425" tIns="45700" rIns="91425" bIns="45700" anchor="ctr" anchorCtr="0">
-            <a:noAutofit/>
-          </a:bodyPr>
-          <a:lstStyle>
-            <a:defPPr marR="0" lvl="0" algn="l" rtl="0">
-              <a:lnSpc>
-                <a:spcPct val="100000"/>
-              </a:lnSpc>
-              <a:spcBef>
-                <a:spcPts val="0"/>
-              </a:spcBef>
-              <a:spcAft>
-                <a:spcPts val="0"/>
-              </a:spcAft>
-            </a:defPPr>
-            <a:lvl1pPr marR="0" lvl="0" algn="ctr" rtl="0">
-              <a:lnSpc>
-                <a:spcPct val="100000"/>
-              </a:lnSpc>
-              <a:spcBef>
-                <a:spcPts val="0"/>
-              </a:spcBef>
-              <a:spcAft>
-                <a:spcPts val="0"/>
-              </a:spcAft>
-              <a:buClr>
-                <a:schemeClr val="dk1"/>
-              </a:buClr>
-              <a:buSzPts val="4400"/>
-              <a:buFont typeface="Calibri"/>
-              <a:buNone/>
-              <a:defRPr sz="4400" b="0" i="0" u="none" strike="noStrike" cap="none">
-                <a:solidFill>
-                  <a:schemeClr val="dk1"/>
-                </a:solidFill>
-                <a:latin typeface="Calibri"/>
-                <a:ea typeface="Calibri"/>
-                <a:cs typeface="Calibri"/>
-                <a:sym typeface="Calibri"/>
-              </a:defRPr>
-            </a:lvl1pPr>
-            <a:lvl2pPr lvl="1">
-              <a:spcBef>
-                <a:spcPts val="0"/>
-              </a:spcBef>
-              <a:spcAft>
-                <a:spcPts val="0"/>
-              </a:spcAft>
-              <a:buSzPts val="1400"/>
-              <a:buNone/>
-              <a:defRPr sz="1800"/>
-            </a:lvl2pPr>
-            <a:lvl3pPr lvl="2">
-              <a:spcBef>
-                <a:spcPts val="0"/>
-              </a:spcBef>
-              <a:spcAft>
-                <a:spcPts val="0"/>
-              </a:spcAft>
-              <a:buSzPts val="1400"/>
-              <a:buNone/>
-              <a:defRPr sz="1800"/>
-            </a:lvl3pPr>
-            <a:lvl4pPr lvl="3">
-              <a:spcBef>
-                <a:spcPts val="0"/>
-              </a:spcBef>
-              <a:spcAft>
-                <a:spcPts val="0"/>
-              </a:spcAft>
-              <a:buSzPts val="1400"/>
-              <a:buNone/>
-              <a:defRPr sz="1800"/>
-            </a:lvl4pPr>
-            <a:lvl5pPr lvl="4">
-              <a:spcBef>
-                <a:spcPts val="0"/>
-              </a:spcBef>
-              <a:spcAft>
-                <a:spcPts val="0"/>
-              </a:spcAft>
-              <a:buSzPts val="1400"/>
-              <a:buNone/>
-              <a:defRPr sz="1800"/>
-            </a:lvl5pPr>
-            <a:lvl6pPr lvl="5">
-              <a:spcBef>
-                <a:spcPts val="0"/>
-              </a:spcBef>
-              <a:spcAft>
-                <a:spcPts val="0"/>
-              </a:spcAft>
-              <a:buSzPts val="1400"/>
-              <a:buNone/>
-              <a:defRPr sz="1800"/>
-            </a:lvl6pPr>
-            <a:lvl7pPr lvl="6">
-              <a:spcBef>
-                <a:spcPts val="0"/>
-              </a:spcBef>
-              <a:spcAft>
-                <a:spcPts val="0"/>
-              </a:spcAft>
-              <a:buSzPts val="1400"/>
-              <a:buNone/>
-              <a:defRPr sz="1800"/>
-            </a:lvl7pPr>
-            <a:lvl8pPr lvl="7">
-              <a:spcBef>
-                <a:spcPts val="0"/>
-              </a:spcBef>
-              <a:spcAft>
-                <a:spcPts val="0"/>
-              </a:spcAft>
-              <a:buSzPts val="1400"/>
-              <a:buNone/>
-              <a:defRPr sz="1800"/>
-            </a:lvl8pPr>
-            <a:lvl9pPr lvl="8">
-              <a:spcBef>
-                <a:spcPts val="0"/>
-              </a:spcBef>
-              <a:spcAft>
-                <a:spcPts val="0"/>
-              </a:spcAft>
-              <a:buSzPts val="1400"/>
-              <a:buNone/>
-              <a:defRPr sz="1800"/>
-            </a:lvl9pPr>
-          </a:lstStyle>
-          <a:p>
-            <a:pPr algn="l"/>
-            <a:r>
-              <a:rPr lang="en-US" sz="2000" b="1" dirty="0">
-                <a:solidFill>
-                  <a:srgbClr val="262626"/>
-                </a:solidFill>
-                <a:latin typeface="Roboto"/>
-                <a:ea typeface="Roboto"/>
-                <a:cs typeface="Roboto"/>
-                <a:sym typeface="Roboto"/>
-              </a:rPr>
-              <a:t>REST constraints</a:t>
-            </a:r>
-            <a:endParaRPr lang="ru-RU" sz="2000" b="1" dirty="0">
-              <a:solidFill>
-                <a:srgbClr val="262626"/>
-              </a:solidFill>
-              <a:latin typeface="Roboto"/>
-              <a:ea typeface="Roboto"/>
-              <a:cs typeface="Roboto"/>
-              <a:sym typeface="Roboto"/>
-            </a:endParaRPr>
-          </a:p>
-        </p:txBody>
-      </p:sp>
-    </p:spTree>
-    <p:extLst>
-      <p:ext uri="{BB962C8B-B14F-4D97-AF65-F5344CB8AC3E}">
-        <p14:creationId xmlns:p14="http://schemas.microsoft.com/office/powerpoint/2010/main" val="2019257496"/>
-      </p:ext>
-    </p:extLst>
-  </p:cSld>
-  <p:clrMapOvr>
-    <a:masterClrMapping/>
-  </p:clrMapOvr>
-  <p:transition>
-    <p:fade/>
-  </p:transition>
-</p:sld>
-</file>
-
-<file path=ppt/slides/slide9.xml><?xml version="1.0" encoding="utf-8"?>
-<p:sld xmlns:a="http://schemas.openxmlformats.org/drawingml/2006/main" xmlns:r="http://schemas.openxmlformats.org/officeDocument/2006/relationships" xmlns:p="http://schemas.openxmlformats.org/presentationml/2006/main">
-  <p:cSld>
-    <p:spTree>
-      <p:nvGrpSpPr>
-        <p:cNvPr id="1" name="Shape 156"/>
-        <p:cNvGrpSpPr/>
-        <p:nvPr/>
-      </p:nvGrpSpPr>
-      <p:grpSpPr>
-        <a:xfrm>
-          <a:off x="0" y="0"/>
-          <a:ext cx="0" cy="0"/>
-          <a:chOff x="0" y="0"/>
-          <a:chExt cx="0" cy="0"/>
-        </a:xfrm>
-      </p:grpSpPr>
-      <p:sp>
-        <p:nvSpPr>
-          <p:cNvPr id="158" name="Shape 158"/>
-          <p:cNvSpPr txBox="1">
-            <a:spLocks noGrp="1"/>
-          </p:cNvSpPr>
-          <p:nvPr>
-            <p:ph type="title"/>
-          </p:nvPr>
-        </p:nvSpPr>
-        <p:spPr>
-          <a:xfrm>
-            <a:off x="496092" y="1450975"/>
-            <a:ext cx="8229600" cy="386119"/>
-          </a:xfrm>
-          <a:prstGeom prst="rect">
-            <a:avLst/>
-          </a:prstGeom>
-          <a:noFill/>
-          <a:ln>
-            <a:noFill/>
-          </a:ln>
-        </p:spPr>
-        <p:txBody>
-          <a:bodyPr spcFirstLastPara="1" wrap="square" lIns="91425" tIns="45700" rIns="91425" bIns="45700" anchor="ctr" anchorCtr="0">
-            <a:noAutofit/>
-          </a:bodyPr>
-          <a:lstStyle/>
-          <a:p>
-            <a:pPr marL="0" marR="0" lvl="0" indent="0" algn="l" rtl="0">
-              <a:spcBef>
-                <a:spcPts val="0"/>
-              </a:spcBef>
-              <a:spcAft>
-                <a:spcPts val="0"/>
-              </a:spcAft>
-              <a:buClr>
-                <a:schemeClr val="dk1"/>
-              </a:buClr>
-              <a:buSzPts val="4400"/>
-              <a:buFont typeface="Calibri"/>
-              <a:buNone/>
-            </a:pPr>
-            <a:r>
-              <a:rPr lang="ru-RU" sz="4100" b="1" dirty="0">
-                <a:solidFill>
-                  <a:srgbClr val="262626"/>
-                </a:solidFill>
-                <a:latin typeface="Roboto"/>
-                <a:ea typeface="Roboto"/>
-                <a:cs typeface="Roboto"/>
-                <a:sym typeface="Roboto"/>
-              </a:rPr>
-              <a:t>Принципы</a:t>
-            </a:r>
-            <a:r>
-              <a:rPr lang="ru-RU" sz="4100" b="1" i="0" u="none" strike="noStrike" cap="none" dirty="0">
-                <a:solidFill>
-                  <a:srgbClr val="262626"/>
-                </a:solidFill>
-                <a:latin typeface="Roboto"/>
-                <a:ea typeface="Roboto"/>
-                <a:cs typeface="Roboto"/>
-                <a:sym typeface="Roboto"/>
-              </a:rPr>
-              <a:t> </a:t>
-            </a:r>
-            <a:r>
-              <a:rPr lang="en-US" sz="4100" b="1" i="0" u="none" strike="noStrike" cap="none" dirty="0">
-                <a:solidFill>
-                  <a:srgbClr val="262626"/>
-                </a:solidFill>
-                <a:latin typeface="Roboto"/>
-                <a:ea typeface="Roboto"/>
-                <a:cs typeface="Roboto"/>
-                <a:sym typeface="Roboto"/>
-              </a:rPr>
-              <a:t>Uniform Interface</a:t>
-            </a:r>
-            <a:endParaRPr lang="ru-RU" sz="4100" b="1" i="0" u="none" strike="noStrike" cap="none" dirty="0">
-              <a:solidFill>
-                <a:srgbClr val="262626"/>
-              </a:solidFill>
-              <a:latin typeface="Roboto"/>
-              <a:ea typeface="Roboto"/>
-              <a:cs typeface="Roboto"/>
-              <a:sym typeface="Roboto"/>
-            </a:endParaRPr>
-          </a:p>
-        </p:txBody>
-      </p:sp>
-      <p:sp>
-        <p:nvSpPr>
-          <p:cNvPr id="159" name="Shape 159"/>
-          <p:cNvSpPr/>
-          <p:nvPr/>
-        </p:nvSpPr>
-        <p:spPr>
-          <a:xfrm>
-            <a:off x="7145316" y="408237"/>
-            <a:ext cx="1856100" cy="290400"/>
-          </a:xfrm>
-          <a:prstGeom prst="roundRect">
-            <a:avLst>
-              <a:gd name="adj" fmla="val 0"/>
-            </a:avLst>
-          </a:prstGeom>
-          <a:noFill/>
-          <a:ln>
-            <a:noFill/>
-          </a:ln>
-        </p:spPr>
-        <p:txBody>
-          <a:bodyPr spcFirstLastPara="1" wrap="square" lIns="91425" tIns="45700" rIns="91425" bIns="45700" anchor="ctr" anchorCtr="0">
-            <a:noAutofit/>
-          </a:bodyPr>
-          <a:lstStyle/>
-          <a:p>
-            <a:pPr marL="0" marR="0" lvl="0" indent="0" algn="ctr" rtl="0">
-              <a:spcBef>
-                <a:spcPts val="0"/>
-              </a:spcBef>
-              <a:spcAft>
-                <a:spcPts val="0"/>
-              </a:spcAft>
-              <a:buClr>
-                <a:schemeClr val="lt1"/>
-              </a:buClr>
-              <a:buSzPts val="1200"/>
-              <a:buFont typeface="Arial"/>
-              <a:buNone/>
-            </a:pPr>
-            <a:r>
-              <a:rPr lang="en-US" sz="1500" b="1" i="0" strike="noStrike" cap="none">
-                <a:solidFill>
-                  <a:srgbClr val="262626"/>
-                </a:solidFill>
-                <a:latin typeface="Roboto"/>
-                <a:ea typeface="Roboto"/>
-                <a:cs typeface="Roboto"/>
-                <a:sym typeface="Roboto"/>
-              </a:rPr>
-              <a:t>www.itea.ua</a:t>
-            </a:r>
-            <a:endParaRPr sz="1500" b="1" i="0" strike="noStrike" cap="none">
-              <a:solidFill>
-                <a:srgbClr val="262626"/>
-              </a:solidFill>
-              <a:latin typeface="Roboto"/>
-              <a:ea typeface="Roboto"/>
-              <a:cs typeface="Roboto"/>
-              <a:sym typeface="Roboto"/>
-            </a:endParaRPr>
-          </a:p>
-        </p:txBody>
-      </p:sp>
-      <p:sp>
-        <p:nvSpPr>
-          <p:cNvPr id="160" name="Shape 160"/>
-          <p:cNvSpPr/>
-          <p:nvPr/>
-        </p:nvSpPr>
-        <p:spPr>
-          <a:xfrm rot="10800000" flipH="1">
-            <a:off x="0" y="1127850"/>
-            <a:ext cx="3143100" cy="42300"/>
-          </a:xfrm>
-          <a:prstGeom prst="rect">
-            <a:avLst/>
-          </a:prstGeom>
-          <a:solidFill>
-            <a:srgbClr val="CC0000"/>
-          </a:solidFill>
-          <a:ln>
-            <a:noFill/>
-          </a:ln>
-        </p:spPr>
-        <p:txBody>
-          <a:bodyPr spcFirstLastPara="1" wrap="square" lIns="91425" tIns="91425" rIns="91425" bIns="91425" anchor="ctr" anchorCtr="0">
-            <a:noAutofit/>
-          </a:bodyPr>
-          <a:lstStyle/>
-          <a:p>
-            <a:pPr marL="0" lvl="0" indent="0">
-              <a:spcBef>
-                <a:spcPts val="0"/>
-              </a:spcBef>
-              <a:spcAft>
-                <a:spcPts val="0"/>
-              </a:spcAft>
-              <a:buNone/>
-            </a:pPr>
-            <a:r>
-              <a:rPr lang="en-US"/>
-              <a:t>                                                                                     </a:t>
-            </a:r>
-            <a:endParaRPr/>
-          </a:p>
-        </p:txBody>
-      </p:sp>
-      <p:sp>
-        <p:nvSpPr>
-          <p:cNvPr id="161" name="Shape 161"/>
-          <p:cNvSpPr/>
-          <p:nvPr/>
-        </p:nvSpPr>
-        <p:spPr>
-          <a:xfrm rot="10800000" flipH="1">
-            <a:off x="3067050" y="1127850"/>
-            <a:ext cx="3143100" cy="42300"/>
-          </a:xfrm>
-          <a:prstGeom prst="rect">
-            <a:avLst/>
-          </a:prstGeom>
-          <a:solidFill>
-            <a:srgbClr val="262626"/>
-          </a:solidFill>
-          <a:ln>
-            <a:noFill/>
-          </a:ln>
-        </p:spPr>
-        <p:txBody>
-          <a:bodyPr spcFirstLastPara="1" wrap="square" lIns="91425" tIns="91425" rIns="91425" bIns="91425" anchor="ctr" anchorCtr="0">
-            <a:noAutofit/>
-          </a:bodyPr>
-          <a:lstStyle/>
-          <a:p>
-            <a:pPr marL="0" lvl="0" indent="0">
-              <a:spcBef>
-                <a:spcPts val="0"/>
-              </a:spcBef>
-              <a:spcAft>
-                <a:spcPts val="0"/>
-              </a:spcAft>
-              <a:buNone/>
-            </a:pPr>
-            <a:endParaRPr/>
-          </a:p>
-        </p:txBody>
-      </p:sp>
-      <p:pic>
-        <p:nvPicPr>
-          <p:cNvPr id="162" name="Shape 162"/>
-          <p:cNvPicPr preferRelativeResize="0"/>
-          <p:nvPr/>
-        </p:nvPicPr>
-        <p:blipFill>
-          <a:blip r:embed="rId3">
-            <a:alphaModFix/>
-          </a:blip>
-          <a:stretch>
-            <a:fillRect/>
-          </a:stretch>
-        </p:blipFill>
-        <p:spPr>
-          <a:xfrm>
-            <a:off x="353700" y="302000"/>
-            <a:ext cx="1741800" cy="502875"/>
-          </a:xfrm>
-          <a:prstGeom prst="rect">
-            <a:avLst/>
-          </a:prstGeom>
-          <a:noFill/>
-          <a:ln>
-            <a:noFill/>
-          </a:ln>
-        </p:spPr>
-      </p:pic>
-      <p:sp>
-        <p:nvSpPr>
-          <p:cNvPr id="163" name="Shape 163"/>
-          <p:cNvSpPr txBox="1"/>
-          <p:nvPr/>
-        </p:nvSpPr>
-        <p:spPr>
-          <a:xfrm>
-            <a:off x="467326" y="1917177"/>
-            <a:ext cx="8181300" cy="4871550"/>
-          </a:xfrm>
-          <a:prstGeom prst="rect">
-            <a:avLst/>
-          </a:prstGeom>
-          <a:noFill/>
-          <a:ln>
-            <a:noFill/>
-          </a:ln>
-        </p:spPr>
-        <p:txBody>
-          <a:bodyPr spcFirstLastPara="1" wrap="square" lIns="91425" tIns="45700" rIns="91425" bIns="45700" anchor="ctr" anchorCtr="0">
-            <a:noAutofit/>
-          </a:bodyPr>
-          <a:lstStyle/>
-          <a:p>
-            <a:pPr lvl="0" indent="-12700">
-              <a:buSzPts val="2000"/>
-              <a:buFont typeface="Noto Sans Symbols"/>
-              <a:buChar char="▪"/>
-            </a:pPr>
-            <a:r>
-              <a:rPr lang="ru-RU" sz="2000" dirty="0">
-                <a:solidFill>
-                  <a:schemeClr val="tx1"/>
-                </a:solidFill>
-                <a:latin typeface="Calibri"/>
-                <a:ea typeface="Roboto"/>
-                <a:cs typeface="Calibri"/>
-                <a:sym typeface="Calibri"/>
-              </a:rPr>
-              <a:t> </a:t>
-            </a:r>
-            <a:r>
-              <a:rPr lang="en-US" sz="2000" b="1" dirty="0">
-                <a:solidFill>
-                  <a:schemeClr val="tx1"/>
-                </a:solidFill>
-                <a:latin typeface="Roboto"/>
-                <a:ea typeface="Roboto"/>
-                <a:cs typeface="Calibri"/>
-                <a:sym typeface="Calibri"/>
-              </a:rPr>
-              <a:t>Resource-Based</a:t>
-            </a:r>
-            <a:r>
-              <a:rPr lang="en-US" sz="2000" dirty="0">
-                <a:solidFill>
-                  <a:schemeClr val="tx1"/>
-                </a:solidFill>
-                <a:latin typeface="Roboto"/>
-                <a:ea typeface="Roboto"/>
-                <a:cs typeface="Calibri"/>
-                <a:sym typeface="Calibri"/>
-              </a:rPr>
-              <a:t> – </a:t>
-            </a:r>
-            <a:r>
-              <a:rPr lang="ru-RU" sz="2000" dirty="0">
-                <a:solidFill>
-                  <a:schemeClr val="tx1"/>
-                </a:solidFill>
-                <a:latin typeface="Roboto"/>
-                <a:ea typeface="Roboto"/>
-                <a:cs typeface="Calibri"/>
-                <a:sym typeface="Calibri"/>
-              </a:rPr>
-              <a:t>ресурсы должны быть идентифицированы при помощи </a:t>
-            </a:r>
-            <a:r>
-              <a:rPr lang="en-US" sz="2000" dirty="0">
-                <a:solidFill>
-                  <a:schemeClr val="tx1"/>
-                </a:solidFill>
-                <a:latin typeface="Roboto"/>
-                <a:ea typeface="Roboto"/>
-                <a:cs typeface="Calibri"/>
-                <a:sym typeface="Calibri"/>
-              </a:rPr>
-              <a:t>URI</a:t>
-            </a:r>
-            <a:r>
-              <a:rPr lang="ru-RU" sz="2000" dirty="0">
-                <a:solidFill>
-                  <a:schemeClr val="tx1"/>
-                </a:solidFill>
-                <a:latin typeface="Roboto"/>
-                <a:ea typeface="Roboto"/>
-                <a:cs typeface="Calibri"/>
-                <a:sym typeface="Calibri"/>
-              </a:rPr>
-              <a:t>. При обращении к </a:t>
-            </a:r>
-            <a:r>
-              <a:rPr lang="en-US" sz="2000" dirty="0">
-                <a:solidFill>
-                  <a:schemeClr val="tx1"/>
-                </a:solidFill>
-                <a:latin typeface="Roboto"/>
-                <a:ea typeface="Roboto"/>
-                <a:cs typeface="Calibri"/>
-                <a:sym typeface="Calibri"/>
-              </a:rPr>
-              <a:t>URI </a:t>
-            </a:r>
-            <a:r>
-              <a:rPr lang="ru-RU" sz="2000" dirty="0">
-                <a:solidFill>
-                  <a:schemeClr val="tx1"/>
-                </a:solidFill>
-                <a:latin typeface="Roboto"/>
-                <a:ea typeface="Roboto"/>
-                <a:cs typeface="Calibri"/>
-                <a:sym typeface="Calibri"/>
-              </a:rPr>
-              <a:t>предостваляется репрезентация ресурса.</a:t>
-            </a:r>
-            <a:endParaRPr lang="en-US" sz="2000" dirty="0">
-              <a:solidFill>
-                <a:schemeClr val="tx1"/>
-              </a:solidFill>
-              <a:latin typeface="Roboto"/>
-              <a:ea typeface="Roboto"/>
-              <a:cs typeface="Calibri"/>
-              <a:sym typeface="Calibri"/>
-            </a:endParaRPr>
-          </a:p>
-          <a:p>
-            <a:pPr lvl="0">
-              <a:buSzPts val="2000"/>
-            </a:pPr>
-            <a:endParaRPr lang="en-US" sz="900" dirty="0">
-              <a:solidFill>
-                <a:schemeClr val="tx1"/>
-              </a:solidFill>
-              <a:latin typeface="Roboto"/>
-              <a:ea typeface="Roboto"/>
-              <a:cs typeface="Calibri"/>
-              <a:sym typeface="Calibri"/>
-            </a:endParaRPr>
-          </a:p>
-          <a:p>
-            <a:pPr lvl="0" indent="-12700">
-              <a:buSzPts val="2000"/>
-              <a:buFont typeface="Noto Sans Symbols"/>
-              <a:buChar char="▪"/>
-            </a:pPr>
-            <a:r>
-              <a:rPr lang="en-US" sz="2000" dirty="0">
-                <a:latin typeface="Roboto"/>
-                <a:ea typeface="Roboto"/>
-                <a:sym typeface="Roboto"/>
-              </a:rPr>
-              <a:t> </a:t>
-            </a:r>
-            <a:r>
-              <a:rPr lang="en-US" sz="2000" b="1" dirty="0">
-                <a:latin typeface="Roboto"/>
-                <a:ea typeface="Roboto"/>
-                <a:sym typeface="Roboto"/>
-              </a:rPr>
-              <a:t>Manipulation of Resources Through Representations</a:t>
-            </a:r>
-            <a:r>
-              <a:rPr lang="en-US" sz="2000" dirty="0">
-                <a:latin typeface="Roboto"/>
-                <a:ea typeface="Roboto"/>
-                <a:sym typeface="Roboto"/>
-              </a:rPr>
-              <a:t> – </a:t>
-            </a:r>
-            <a:r>
-              <a:rPr lang="ru-RU" sz="2000" dirty="0">
-                <a:latin typeface="Roboto"/>
-                <a:ea typeface="Roboto"/>
-                <a:sym typeface="Roboto"/>
-              </a:rPr>
-              <a:t>имея репрезентацию ресурса клиент может изменить или удалить ресурс, если имеет на то доступ.</a:t>
-            </a:r>
-          </a:p>
-          <a:p>
-            <a:pPr marL="0" marR="0" lvl="0" indent="-12700" algn="l" rtl="0">
-              <a:spcBef>
-                <a:spcPts val="0"/>
-              </a:spcBef>
-              <a:spcAft>
-                <a:spcPts val="0"/>
-              </a:spcAft>
-              <a:buSzPts val="2000"/>
-              <a:buFont typeface="Noto Sans Symbols"/>
-              <a:buChar char="▪"/>
-            </a:pPr>
-            <a:endParaRPr lang="ru-RU" sz="900" dirty="0">
-              <a:solidFill>
-                <a:schemeClr val="tx1"/>
-              </a:solidFill>
-              <a:latin typeface="Roboto"/>
-              <a:ea typeface="Roboto"/>
-              <a:cs typeface="Calibri"/>
-              <a:sym typeface="Roboto"/>
-            </a:endParaRPr>
-          </a:p>
-          <a:p>
-            <a:pPr marL="0" marR="0" lvl="0" indent="-12700" algn="l" rtl="0">
-              <a:spcBef>
-                <a:spcPts val="0"/>
-              </a:spcBef>
-              <a:spcAft>
-                <a:spcPts val="0"/>
-              </a:spcAft>
-              <a:buSzPts val="2000"/>
-              <a:buFont typeface="Noto Sans Symbols"/>
-              <a:buChar char="▪"/>
-            </a:pPr>
-            <a:r>
-              <a:rPr lang="en-US" sz="2000" dirty="0">
-                <a:solidFill>
-                  <a:schemeClr val="tx1"/>
-                </a:solidFill>
-                <a:latin typeface="Roboto"/>
-                <a:ea typeface="Roboto"/>
-                <a:cs typeface="Calibri"/>
-                <a:sym typeface="Roboto"/>
-              </a:rPr>
-              <a:t> </a:t>
-            </a:r>
-            <a:r>
-              <a:rPr lang="en-US" sz="2000" b="1" dirty="0">
-                <a:solidFill>
-                  <a:schemeClr val="tx1"/>
-                </a:solidFill>
-                <a:latin typeface="Roboto"/>
-                <a:ea typeface="Roboto"/>
-                <a:cs typeface="Calibri"/>
-                <a:sym typeface="Roboto"/>
-              </a:rPr>
-              <a:t>Self-</a:t>
-            </a:r>
-            <a:r>
-              <a:rPr lang="en-US" sz="2000" b="1" dirty="0" err="1">
-                <a:solidFill>
-                  <a:schemeClr val="tx1"/>
-                </a:solidFill>
-                <a:latin typeface="Roboto"/>
-                <a:ea typeface="Roboto"/>
-                <a:cs typeface="Calibri"/>
-                <a:sym typeface="Roboto"/>
-              </a:rPr>
-              <a:t>descritive</a:t>
-            </a:r>
-            <a:r>
-              <a:rPr lang="en-US" sz="2000" b="1" dirty="0">
-                <a:solidFill>
-                  <a:schemeClr val="tx1"/>
-                </a:solidFill>
-                <a:latin typeface="Roboto"/>
-                <a:ea typeface="Roboto"/>
-                <a:cs typeface="Calibri"/>
-                <a:sym typeface="Roboto"/>
-              </a:rPr>
-              <a:t> Messages</a:t>
-            </a:r>
-            <a:r>
-              <a:rPr lang="en-US" sz="2000" dirty="0">
-                <a:solidFill>
-                  <a:schemeClr val="tx1"/>
-                </a:solidFill>
-                <a:latin typeface="Roboto"/>
-                <a:ea typeface="Roboto"/>
-                <a:cs typeface="Calibri"/>
-                <a:sym typeface="Roboto"/>
-              </a:rPr>
-              <a:t> – </a:t>
-            </a:r>
-            <a:r>
-              <a:rPr lang="ru-RU" sz="2000" dirty="0">
-                <a:solidFill>
-                  <a:schemeClr val="tx1"/>
-                </a:solidFill>
-                <a:latin typeface="Roboto"/>
-                <a:ea typeface="Roboto"/>
-                <a:cs typeface="Calibri"/>
-                <a:sym typeface="Roboto"/>
-              </a:rPr>
-              <a:t>каждый запрос или ответ должен содержать достаточно информации для его обработки. Например какие </a:t>
-            </a:r>
-            <a:r>
-              <a:rPr lang="en-US" sz="2000" dirty="0">
-                <a:solidFill>
-                  <a:schemeClr val="tx1"/>
-                </a:solidFill>
-                <a:latin typeface="Roboto"/>
-                <a:ea typeface="Roboto"/>
-                <a:cs typeface="Calibri"/>
-                <a:sym typeface="Roboto"/>
-              </a:rPr>
-              <a:t>Mime </a:t>
-            </a:r>
-            <a:r>
-              <a:rPr lang="ru-RU" sz="2000" dirty="0">
-                <a:solidFill>
-                  <a:schemeClr val="tx1"/>
-                </a:solidFill>
-                <a:latin typeface="Roboto"/>
-                <a:ea typeface="Roboto"/>
-                <a:cs typeface="Calibri"/>
-                <a:sym typeface="Roboto"/>
-              </a:rPr>
-              <a:t>типы должны быть использованы для его обработки</a:t>
-            </a:r>
-            <a:endParaRPr lang="ru-RU" sz="2000" dirty="0">
-              <a:solidFill>
-                <a:schemeClr val="tx1"/>
-              </a:solidFill>
-              <a:latin typeface="Roboto"/>
-              <a:ea typeface="Roboto"/>
-              <a:cs typeface="Calibri"/>
-            </a:endParaRPr>
-          </a:p>
-          <a:p>
-            <a:pPr lvl="0" indent="-12700">
-              <a:buSzPts val="2000"/>
-              <a:buFont typeface="Noto Sans Symbols"/>
-              <a:buChar char="▪"/>
-            </a:pPr>
-            <a:endParaRPr lang="ru-RU" sz="900" dirty="0">
-              <a:solidFill>
-                <a:schemeClr val="tx1"/>
-              </a:solidFill>
-              <a:latin typeface="Roboto"/>
-              <a:ea typeface="Roboto"/>
-              <a:cs typeface="Calibri"/>
-              <a:sym typeface="Calibri"/>
-            </a:endParaRPr>
-          </a:p>
-          <a:p>
-            <a:pPr indent="-12700">
-              <a:buSzPts val="2000"/>
-              <a:buFont typeface="Noto Sans Symbols"/>
-              <a:buChar char="▪"/>
-            </a:pPr>
-            <a:r>
-              <a:rPr lang="ru-RU" sz="2000" dirty="0">
-                <a:solidFill>
-                  <a:schemeClr val="tx1"/>
-                </a:solidFill>
-                <a:latin typeface="Roboto"/>
-                <a:ea typeface="Roboto"/>
-                <a:cs typeface="Calibri"/>
-              </a:rPr>
-              <a:t> </a:t>
-            </a:r>
-            <a:r>
-              <a:rPr lang="en-US" sz="2000" b="1" dirty="0">
-                <a:solidFill>
-                  <a:schemeClr val="tx1"/>
-                </a:solidFill>
-                <a:latin typeface="Roboto"/>
-                <a:ea typeface="Roboto"/>
-                <a:cs typeface="Calibri"/>
-              </a:rPr>
-              <a:t>Hypermedia as the Engine of Application State (HATEOAS) </a:t>
-            </a:r>
-            <a:r>
-              <a:rPr lang="en-US" sz="2000" dirty="0">
-                <a:solidFill>
-                  <a:schemeClr val="tx1"/>
-                </a:solidFill>
-                <a:latin typeface="Roboto"/>
-                <a:ea typeface="Roboto"/>
-                <a:cs typeface="Calibri"/>
-              </a:rPr>
-              <a:t>– (</a:t>
-            </a:r>
-            <a:r>
-              <a:rPr lang="en-US" sz="2000" i="1" dirty="0">
-                <a:solidFill>
-                  <a:schemeClr val="tx1"/>
-                </a:solidFill>
-                <a:latin typeface="Roboto"/>
-                <a:ea typeface="Roboto"/>
-                <a:cs typeface="Calibri"/>
-              </a:rPr>
-              <a:t>hyperlink within hypertext) –</a:t>
-            </a:r>
-            <a:r>
-              <a:rPr lang="ru-RU" sz="2000" i="1" dirty="0">
-                <a:solidFill>
-                  <a:schemeClr val="tx1"/>
-                </a:solidFill>
-                <a:latin typeface="Roboto"/>
-                <a:ea typeface="Roboto"/>
-                <a:cs typeface="Calibri"/>
-              </a:rPr>
-              <a:t> </a:t>
-            </a:r>
-            <a:r>
-              <a:rPr lang="ru-RU" sz="2000" dirty="0">
-                <a:solidFill>
-                  <a:schemeClr val="tx1"/>
-                </a:solidFill>
-                <a:latin typeface="Roboto"/>
-                <a:ea typeface="Roboto"/>
-                <a:cs typeface="Calibri"/>
-              </a:rPr>
-              <a:t>когда необходимо, тело или </a:t>
-            </a:r>
-            <a:r>
-              <a:rPr lang="en-US" sz="2000" dirty="0">
-                <a:solidFill>
-                  <a:schemeClr val="tx1"/>
-                </a:solidFill>
-                <a:latin typeface="Roboto"/>
-                <a:ea typeface="Roboto"/>
-                <a:cs typeface="Calibri"/>
-              </a:rPr>
-              <a:t>header </a:t>
-            </a:r>
-            <a:r>
-              <a:rPr lang="ru-RU" sz="2000" dirty="0">
-                <a:solidFill>
-                  <a:schemeClr val="tx1"/>
-                </a:solidFill>
-                <a:latin typeface="Roboto"/>
-                <a:ea typeface="Roboto"/>
-                <a:cs typeface="Calibri"/>
-              </a:rPr>
-              <a:t>ответа должены содержать ссылки на </a:t>
-            </a:r>
-            <a:r>
-              <a:rPr lang="ru-RU" sz="2000" dirty="0">
-                <a:solidFill>
-                  <a:schemeClr val="tx1"/>
-                </a:solidFill>
-                <a:latin typeface="Roboto"/>
-                <a:ea typeface="Roboto"/>
-                <a:cs typeface="Calibri"/>
-                <a:sym typeface="Calibri"/>
-              </a:rPr>
-              <a:t>ресурс или ресурсы которые связяны с ним.</a:t>
-            </a:r>
-            <a:endParaRPr lang="ru-RU" sz="2000" dirty="0">
-              <a:solidFill>
-                <a:schemeClr val="tx1"/>
-              </a:solidFill>
-              <a:latin typeface="Roboto"/>
-              <a:ea typeface="Roboto"/>
-              <a:cs typeface="Calibri"/>
-            </a:endParaRPr>
-          </a:p>
-        </p:txBody>
-      </p:sp>
-      <p:sp>
-        <p:nvSpPr>
-          <p:cNvPr id="9" name="Shape 158">
-            <a:extLst>
-              <a:ext uri="{FF2B5EF4-FFF2-40B4-BE49-F238E27FC236}">
-                <a16:creationId xmlns:a16="http://schemas.microsoft.com/office/drawing/2014/main" id="{C158162A-923F-46A3-8B1A-E069EED32834}"/>
-              </a:ext>
-            </a:extLst>
-          </p:cNvPr>
-          <p:cNvSpPr txBox="1">
-            <a:spLocks/>
-          </p:cNvSpPr>
-          <p:nvPr/>
-        </p:nvSpPr>
-        <p:spPr>
-          <a:xfrm>
-            <a:off x="6498941" y="912754"/>
-            <a:ext cx="2400875" cy="458138"/>
-          </a:xfrm>
-          <a:prstGeom prst="rect">
-            <a:avLst/>
-          </a:prstGeom>
-          <a:noFill/>
-          <a:ln>
-            <a:noFill/>
-          </a:ln>
-        </p:spPr>
-        <p:txBody>
-          <a:bodyPr spcFirstLastPara="1" wrap="square" lIns="91425" tIns="45700" rIns="91425" bIns="45700" anchor="ctr" anchorCtr="0">
-            <a:noAutofit/>
-          </a:bodyPr>
-          <a:lstStyle>
-            <a:defPPr marR="0" lvl="0" algn="l" rtl="0">
-              <a:lnSpc>
-                <a:spcPct val="100000"/>
-              </a:lnSpc>
-              <a:spcBef>
-                <a:spcPts val="0"/>
-              </a:spcBef>
-              <a:spcAft>
-                <a:spcPts val="0"/>
-              </a:spcAft>
-            </a:defPPr>
-            <a:lvl1pPr marR="0" lvl="0" algn="ctr" rtl="0">
-              <a:lnSpc>
-                <a:spcPct val="100000"/>
-              </a:lnSpc>
-              <a:spcBef>
-                <a:spcPts val="0"/>
-              </a:spcBef>
-              <a:spcAft>
-                <a:spcPts val="0"/>
-              </a:spcAft>
-              <a:buClr>
-                <a:schemeClr val="dk1"/>
-              </a:buClr>
-              <a:buSzPts val="4400"/>
-              <a:buFont typeface="Calibri"/>
-              <a:buNone/>
-              <a:defRPr sz="4400" b="0" i="0" u="none" strike="noStrike" cap="none">
-                <a:solidFill>
-                  <a:schemeClr val="dk1"/>
-                </a:solidFill>
-                <a:latin typeface="Calibri"/>
-                <a:ea typeface="Calibri"/>
-                <a:cs typeface="Calibri"/>
-                <a:sym typeface="Calibri"/>
-              </a:defRPr>
-            </a:lvl1pPr>
-            <a:lvl2pPr lvl="1">
-              <a:spcBef>
-                <a:spcPts val="0"/>
-              </a:spcBef>
-              <a:spcAft>
-                <a:spcPts val="0"/>
-              </a:spcAft>
-              <a:buSzPts val="1400"/>
-              <a:buNone/>
-              <a:defRPr sz="1800"/>
-            </a:lvl2pPr>
-            <a:lvl3pPr lvl="2">
-              <a:spcBef>
-                <a:spcPts val="0"/>
-              </a:spcBef>
-              <a:spcAft>
-                <a:spcPts val="0"/>
-              </a:spcAft>
-              <a:buSzPts val="1400"/>
-              <a:buNone/>
-              <a:defRPr sz="1800"/>
-            </a:lvl3pPr>
-            <a:lvl4pPr lvl="3">
-              <a:spcBef>
-                <a:spcPts val="0"/>
-              </a:spcBef>
-              <a:spcAft>
-                <a:spcPts val="0"/>
-              </a:spcAft>
-              <a:buSzPts val="1400"/>
-              <a:buNone/>
-              <a:defRPr sz="1800"/>
-            </a:lvl4pPr>
-            <a:lvl5pPr lvl="4">
-              <a:spcBef>
-                <a:spcPts val="0"/>
-              </a:spcBef>
-              <a:spcAft>
-                <a:spcPts val="0"/>
-              </a:spcAft>
-              <a:buSzPts val="1400"/>
-              <a:buNone/>
-              <a:defRPr sz="1800"/>
-            </a:lvl5pPr>
-            <a:lvl6pPr lvl="5">
-              <a:spcBef>
-                <a:spcPts val="0"/>
-              </a:spcBef>
-              <a:spcAft>
-                <a:spcPts val="0"/>
-              </a:spcAft>
-              <a:buSzPts val="1400"/>
-              <a:buNone/>
-              <a:defRPr sz="1800"/>
-            </a:lvl6pPr>
-            <a:lvl7pPr lvl="6">
-              <a:spcBef>
-                <a:spcPts val="0"/>
-              </a:spcBef>
-              <a:spcAft>
-                <a:spcPts val="0"/>
-              </a:spcAft>
-              <a:buSzPts val="1400"/>
-              <a:buNone/>
-              <a:defRPr sz="1800"/>
-            </a:lvl7pPr>
-            <a:lvl8pPr lvl="7">
-              <a:spcBef>
-                <a:spcPts val="0"/>
-              </a:spcBef>
-              <a:spcAft>
-                <a:spcPts val="0"/>
-              </a:spcAft>
-              <a:buSzPts val="1400"/>
-              <a:buNone/>
-              <a:defRPr sz="1800"/>
-            </a:lvl8pPr>
-            <a:lvl9pPr lvl="8">
-              <a:spcBef>
-                <a:spcPts val="0"/>
-              </a:spcBef>
-              <a:spcAft>
-                <a:spcPts val="0"/>
-              </a:spcAft>
-              <a:buSzPts val="1400"/>
-              <a:buNone/>
-              <a:defRPr sz="1800"/>
-            </a:lvl9pPr>
-          </a:lstStyle>
-          <a:p>
-            <a:pPr algn="l"/>
-            <a:r>
-              <a:rPr lang="en-US" sz="2000" b="1" dirty="0">
-                <a:solidFill>
-                  <a:srgbClr val="262626"/>
-                </a:solidFill>
-                <a:latin typeface="Roboto"/>
-                <a:ea typeface="Roboto"/>
-                <a:cs typeface="Roboto"/>
-                <a:sym typeface="Roboto"/>
-              </a:rPr>
-              <a:t>REST constraints</a:t>
-            </a:r>
-            <a:endParaRPr lang="ru-RU" sz="2000" b="1" dirty="0">
-              <a:solidFill>
-                <a:srgbClr val="262626"/>
-              </a:solidFill>
-              <a:latin typeface="Roboto"/>
-              <a:ea typeface="Roboto"/>
-              <a:cs typeface="Roboto"/>
-              <a:sym typeface="Roboto"/>
-            </a:endParaRPr>
-          </a:p>
-        </p:txBody>
-      </p:sp>
-    </p:spTree>
-    <p:extLst>
-      <p:ext uri="{BB962C8B-B14F-4D97-AF65-F5344CB8AC3E}">
-        <p14:creationId xmlns:p14="http://schemas.microsoft.com/office/powerpoint/2010/main" val="1412204411"/>
       </p:ext>
     </p:extLst>
   </p:cSld>
